--- a/Seattle Data AI Security Hackathon.pptx
+++ b/Seattle Data AI Security Hackathon.pptx
@@ -5,25 +5,27 @@
     <p:sldMasterId id="2147483658" r:id="rId4"/>
   </p:sldMasterIdLst>
   <p:notesMasterIdLst>
-    <p:notesMasterId r:id="rId18"/>
+    <p:notesMasterId r:id="rId20"/>
   </p:notesMasterIdLst>
   <p:handoutMasterIdLst>
-    <p:handoutMasterId r:id="rId19"/>
+    <p:handoutMasterId r:id="rId21"/>
   </p:handoutMasterIdLst>
   <p:sldIdLst>
     <p:sldId id="410" r:id="rId5"/>
     <p:sldId id="411" r:id="rId6"/>
     <p:sldId id="383" r:id="rId7"/>
-    <p:sldId id="409" r:id="rId8"/>
-    <p:sldId id="391" r:id="rId9"/>
-    <p:sldId id="412" r:id="rId10"/>
-    <p:sldId id="413" r:id="rId11"/>
-    <p:sldId id="415" r:id="rId12"/>
-    <p:sldId id="416" r:id="rId13"/>
-    <p:sldId id="407" r:id="rId14"/>
-    <p:sldId id="406" r:id="rId15"/>
-    <p:sldId id="404" r:id="rId16"/>
-    <p:sldId id="398" r:id="rId17"/>
+    <p:sldId id="417" r:id="rId8"/>
+    <p:sldId id="418" r:id="rId9"/>
+    <p:sldId id="391" r:id="rId10"/>
+    <p:sldId id="412" r:id="rId11"/>
+    <p:sldId id="413" r:id="rId12"/>
+    <p:sldId id="415" r:id="rId13"/>
+    <p:sldId id="416" r:id="rId14"/>
+    <p:sldId id="419" r:id="rId15"/>
+    <p:sldId id="420" r:id="rId16"/>
+    <p:sldId id="421" r:id="rId17"/>
+    <p:sldId id="404" r:id="rId18"/>
+    <p:sldId id="398" r:id="rId19"/>
   </p:sldIdLst>
   <p:sldSz cx="12192000" cy="6858000"/>
   <p:notesSz cx="6858000" cy="9144000"/>
@@ -143,6 +145,284 @@
 <p:cmAuthorLst xmlns:a="http://schemas.openxmlformats.org/drawingml/2006/main" xmlns:r="http://schemas.openxmlformats.org/officeDocument/2006/relationships" xmlns:p="http://schemas.openxmlformats.org/presentationml/2006/main">
   <p:cmAuthor id="2" name="Author" initials="A" lastIdx="0" clrIdx="1"/>
 </p:cmAuthorLst>
+</file>
+
+<file path=ppt/revisionInfo.xml><?xml version="1.0" encoding="utf-8"?>
+<p1510:revInfo xmlns:a="http://schemas.openxmlformats.org/drawingml/2006/main" xmlns:r="http://schemas.openxmlformats.org/officeDocument/2006/relationships" xmlns:p1510="http://schemas.microsoft.com/office/powerpoint/2015/10/main">
+  <p1510:revLst>
+    <p1510:client id="{D18FD9AE-72FF-6BE0-52B2-A231360C3954}" v="202" dt="2025-04-03T06:56:12.554"/>
+  </p1510:revLst>
+</p1510:revInfo>
+</file>
+
+<file path=ppt/changesInfos/changesInfo1.xml><?xml version="1.0" encoding="utf-8"?>
+<pc:chgInfo xmlns:a="http://schemas.openxmlformats.org/drawingml/2006/main" xmlns:r="http://schemas.openxmlformats.org/officeDocument/2006/relationships" xmlns:ac="http://schemas.microsoft.com/office/drawing/2013/main/command" xmlns:pc="http://schemas.microsoft.com/office/powerpoint/2013/main/command">
+  <pc:docChgLst>
+    <pc:chgData name="Megha Narendra Simha" userId="S::narendrasimhamegha@cityuniversity.edu::232387a7-bc30-4e81-9c8b-48dd3bad174d" providerId="AD" clId="Web-{D18FD9AE-72FF-6BE0-52B2-A231360C3954}"/>
+    <pc:docChg chg="addSld delSld modSld sldOrd">
+      <pc:chgData name="Megha Narendra Simha" userId="S::narendrasimhamegha@cityuniversity.edu::232387a7-bc30-4e81-9c8b-48dd3bad174d" providerId="AD" clId="Web-{D18FD9AE-72FF-6BE0-52B2-A231360C3954}" dt="2025-04-03T06:56:12.554" v="182" actId="1076"/>
+      <pc:docMkLst>
+        <pc:docMk/>
+      </pc:docMkLst>
+      <pc:sldChg chg="modSp">
+        <pc:chgData name="Megha Narendra Simha" userId="S::narendrasimhamegha@cityuniversity.edu::232387a7-bc30-4e81-9c8b-48dd3bad174d" providerId="AD" clId="Web-{D18FD9AE-72FF-6BE0-52B2-A231360C3954}" dt="2025-04-03T06:55:39.804" v="179" actId="20577"/>
+        <pc:sldMkLst>
+          <pc:docMk/>
+          <pc:sldMk cId="3346685798" sldId="383"/>
+        </pc:sldMkLst>
+        <pc:spChg chg="mod">
+          <ac:chgData name="Megha Narendra Simha" userId="S::narendrasimhamegha@cityuniversity.edu::232387a7-bc30-4e81-9c8b-48dd3bad174d" providerId="AD" clId="Web-{D18FD9AE-72FF-6BE0-52B2-A231360C3954}" dt="2025-04-03T06:02:30.406" v="34" actId="14100"/>
+          <ac:spMkLst>
+            <pc:docMk/>
+            <pc:sldMk cId="3346685798" sldId="383"/>
+            <ac:spMk id="2" creationId="{B530BF65-C84B-45C3-72CA-AFDA68851174}"/>
+          </ac:spMkLst>
+        </pc:spChg>
+        <pc:spChg chg="mod">
+          <ac:chgData name="Megha Narendra Simha" userId="S::narendrasimhamegha@cityuniversity.edu::232387a7-bc30-4e81-9c8b-48dd3bad174d" providerId="AD" clId="Web-{D18FD9AE-72FF-6BE0-52B2-A231360C3954}" dt="2025-04-03T06:55:39.804" v="179" actId="20577"/>
+          <ac:spMkLst>
+            <pc:docMk/>
+            <pc:sldMk cId="3346685798" sldId="383"/>
+            <ac:spMk id="3" creationId="{3B8EBC2C-6DD7-5003-38EB-40753046FE8C}"/>
+          </ac:spMkLst>
+        </pc:spChg>
+      </pc:sldChg>
+      <pc:sldChg chg="modSp">
+        <pc:chgData name="Megha Narendra Simha" userId="S::narendrasimhamegha@cityuniversity.edu::232387a7-bc30-4e81-9c8b-48dd3bad174d" providerId="AD" clId="Web-{D18FD9AE-72FF-6BE0-52B2-A231360C3954}" dt="2025-04-03T06:55:23.147" v="178" actId="20577"/>
+        <pc:sldMkLst>
+          <pc:docMk/>
+          <pc:sldMk cId="4261132419" sldId="398"/>
+        </pc:sldMkLst>
+        <pc:spChg chg="mod">
+          <ac:chgData name="Megha Narendra Simha" userId="S::narendrasimhamegha@cityuniversity.edu::232387a7-bc30-4e81-9c8b-48dd3bad174d" providerId="AD" clId="Web-{D18FD9AE-72FF-6BE0-52B2-A231360C3954}" dt="2025-04-03T06:55:23.147" v="178" actId="20577"/>
+          <ac:spMkLst>
+            <pc:docMk/>
+            <pc:sldMk cId="4261132419" sldId="398"/>
+            <ac:spMk id="3" creationId="{8BE734F0-2DDD-AF70-F13D-F9E4C1929411}"/>
+          </ac:spMkLst>
+        </pc:spChg>
+      </pc:sldChg>
+      <pc:sldChg chg="del">
+        <pc:chgData name="Megha Narendra Simha" userId="S::narendrasimhamegha@cityuniversity.edu::232387a7-bc30-4e81-9c8b-48dd3bad174d" providerId="AD" clId="Web-{D18FD9AE-72FF-6BE0-52B2-A231360C3954}" dt="2025-04-03T06:05:15.344" v="75"/>
+        <pc:sldMkLst>
+          <pc:docMk/>
+          <pc:sldMk cId="298364507" sldId="406"/>
+        </pc:sldMkLst>
+      </pc:sldChg>
+      <pc:sldChg chg="del">
+        <pc:chgData name="Megha Narendra Simha" userId="S::narendrasimhamegha@cityuniversity.edu::232387a7-bc30-4e81-9c8b-48dd3bad174d" providerId="AD" clId="Web-{D18FD9AE-72FF-6BE0-52B2-A231360C3954}" dt="2025-04-03T06:03:54.266" v="45"/>
+        <pc:sldMkLst>
+          <pc:docMk/>
+          <pc:sldMk cId="3088225330" sldId="407"/>
+        </pc:sldMkLst>
+      </pc:sldChg>
+      <pc:sldChg chg="del">
+        <pc:chgData name="Megha Narendra Simha" userId="S::narendrasimhamegha@cityuniversity.edu::232387a7-bc30-4e81-9c8b-48dd3bad174d" providerId="AD" clId="Web-{D18FD9AE-72FF-6BE0-52B2-A231360C3954}" dt="2025-04-03T06:03:27.391" v="36"/>
+        <pc:sldMkLst>
+          <pc:docMk/>
+          <pc:sldMk cId="2249372667" sldId="409"/>
+        </pc:sldMkLst>
+      </pc:sldChg>
+      <pc:sldChg chg="modSp">
+        <pc:chgData name="Megha Narendra Simha" userId="S::narendrasimhamegha@cityuniversity.edu::232387a7-bc30-4e81-9c8b-48dd3bad174d" providerId="AD" clId="Web-{D18FD9AE-72FF-6BE0-52B2-A231360C3954}" dt="2025-04-03T06:51:03.694" v="105" actId="20577"/>
+        <pc:sldMkLst>
+          <pc:docMk/>
+          <pc:sldMk cId="3390304222" sldId="410"/>
+        </pc:sldMkLst>
+        <pc:spChg chg="mod">
+          <ac:chgData name="Megha Narendra Simha" userId="S::narendrasimhamegha@cityuniversity.edu::232387a7-bc30-4e81-9c8b-48dd3bad174d" providerId="AD" clId="Web-{D18FD9AE-72FF-6BE0-52B2-A231360C3954}" dt="2025-04-03T06:51:03.694" v="105" actId="20577"/>
+          <ac:spMkLst>
+            <pc:docMk/>
+            <pc:sldMk cId="3390304222" sldId="410"/>
+            <ac:spMk id="2" creationId="{7AB1D9D6-2977-ABCD-FDF8-51AFA5064E54}"/>
+          </ac:spMkLst>
+        </pc:spChg>
+      </pc:sldChg>
+      <pc:sldChg chg="addSp delSp modSp">
+        <pc:chgData name="Megha Narendra Simha" userId="S::narendrasimhamegha@cityuniversity.edu::232387a7-bc30-4e81-9c8b-48dd3bad174d" providerId="AD" clId="Web-{D18FD9AE-72FF-6BE0-52B2-A231360C3954}" dt="2025-04-03T06:56:00.850" v="181" actId="20577"/>
+        <pc:sldMkLst>
+          <pc:docMk/>
+          <pc:sldMk cId="1398233157" sldId="411"/>
+        </pc:sldMkLst>
+        <pc:spChg chg="mod">
+          <ac:chgData name="Megha Narendra Simha" userId="S::narendrasimhamegha@cityuniversity.edu::232387a7-bc30-4e81-9c8b-48dd3bad174d" providerId="AD" clId="Web-{D18FD9AE-72FF-6BE0-52B2-A231360C3954}" dt="2025-04-03T06:55:55.241" v="180" actId="20577"/>
+          <ac:spMkLst>
+            <pc:docMk/>
+            <pc:sldMk cId="1398233157" sldId="411"/>
+            <ac:spMk id="2" creationId="{7B662BC1-8AE4-1C90-9A42-6128F22BEA6C}"/>
+          </ac:spMkLst>
+        </pc:spChg>
+        <pc:spChg chg="mod">
+          <ac:chgData name="Megha Narendra Simha" userId="S::narendrasimhamegha@cityuniversity.edu::232387a7-bc30-4e81-9c8b-48dd3bad174d" providerId="AD" clId="Web-{D18FD9AE-72FF-6BE0-52B2-A231360C3954}" dt="2025-04-03T06:56:00.850" v="181" actId="20577"/>
+          <ac:spMkLst>
+            <pc:docMk/>
+            <pc:sldMk cId="1398233157" sldId="411"/>
+            <ac:spMk id="3" creationId="{1D00C4AF-B57C-D0C1-AEAF-9465198937A5}"/>
+          </ac:spMkLst>
+        </pc:spChg>
+        <pc:spChg chg="add del mod">
+          <ac:chgData name="Megha Narendra Simha" userId="S::narendrasimhamegha@cityuniversity.edu::232387a7-bc30-4e81-9c8b-48dd3bad174d" providerId="AD" clId="Web-{D18FD9AE-72FF-6BE0-52B2-A231360C3954}" dt="2025-04-03T06:52:26.257" v="149" actId="20577"/>
+          <ac:spMkLst>
+            <pc:docMk/>
+            <pc:sldMk cId="1398233157" sldId="411"/>
+            <ac:spMk id="4" creationId="{A2D4A2DF-FB67-45F4-71BD-0BA6EE1960C0}"/>
+          </ac:spMkLst>
+        </pc:spChg>
+      </pc:sldChg>
+      <pc:sldChg chg="modSp">
+        <pc:chgData name="Megha Narendra Simha" userId="S::narendrasimhamegha@cityuniversity.edu::232387a7-bc30-4e81-9c8b-48dd3bad174d" providerId="AD" clId="Web-{D18FD9AE-72FF-6BE0-52B2-A231360C3954}" dt="2025-04-03T06:03:36.797" v="38" actId="20577"/>
+        <pc:sldMkLst>
+          <pc:docMk/>
+          <pc:sldMk cId="3569758777" sldId="412"/>
+        </pc:sldMkLst>
+        <pc:spChg chg="mod">
+          <ac:chgData name="Megha Narendra Simha" userId="S::narendrasimhamegha@cityuniversity.edu::232387a7-bc30-4e81-9c8b-48dd3bad174d" providerId="AD" clId="Web-{D18FD9AE-72FF-6BE0-52B2-A231360C3954}" dt="2025-04-03T06:03:36.797" v="38" actId="20577"/>
+          <ac:spMkLst>
+            <pc:docMk/>
+            <pc:sldMk cId="3569758777" sldId="412"/>
+            <ac:spMk id="3" creationId="{1BF49EE6-0522-D4E4-487E-258D577315AB}"/>
+          </ac:spMkLst>
+        </pc:spChg>
+      </pc:sldChg>
+      <pc:sldChg chg="modSp">
+        <pc:chgData name="Megha Narendra Simha" userId="S::narendrasimhamegha@cityuniversity.edu::232387a7-bc30-4e81-9c8b-48dd3bad174d" providerId="AD" clId="Web-{D18FD9AE-72FF-6BE0-52B2-A231360C3954}" dt="2025-04-03T06:03:40.875" v="42" actId="20577"/>
+        <pc:sldMkLst>
+          <pc:docMk/>
+          <pc:sldMk cId="776542160" sldId="413"/>
+        </pc:sldMkLst>
+        <pc:spChg chg="mod">
+          <ac:chgData name="Megha Narendra Simha" userId="S::narendrasimhamegha@cityuniversity.edu::232387a7-bc30-4e81-9c8b-48dd3bad174d" providerId="AD" clId="Web-{D18FD9AE-72FF-6BE0-52B2-A231360C3954}" dt="2025-04-03T06:03:40.875" v="42" actId="20577"/>
+          <ac:spMkLst>
+            <pc:docMk/>
+            <pc:sldMk cId="776542160" sldId="413"/>
+            <ac:spMk id="3" creationId="{C2F24C56-52DF-8F2A-F66E-896F2B47B2B5}"/>
+          </ac:spMkLst>
+        </pc:spChg>
+      </pc:sldChg>
+      <pc:sldChg chg="modSp">
+        <pc:chgData name="Megha Narendra Simha" userId="S::narendrasimhamegha@cityuniversity.edu::232387a7-bc30-4e81-9c8b-48dd3bad174d" providerId="AD" clId="Web-{D18FD9AE-72FF-6BE0-52B2-A231360C3954}" dt="2025-04-03T06:03:46.250" v="43" actId="20577"/>
+        <pc:sldMkLst>
+          <pc:docMk/>
+          <pc:sldMk cId="1491656235" sldId="415"/>
+        </pc:sldMkLst>
+        <pc:spChg chg="mod">
+          <ac:chgData name="Megha Narendra Simha" userId="S::narendrasimhamegha@cityuniversity.edu::232387a7-bc30-4e81-9c8b-48dd3bad174d" providerId="AD" clId="Web-{D18FD9AE-72FF-6BE0-52B2-A231360C3954}" dt="2025-04-03T06:03:46.250" v="43" actId="20577"/>
+          <ac:spMkLst>
+            <pc:docMk/>
+            <pc:sldMk cId="1491656235" sldId="415"/>
+            <ac:spMk id="3" creationId="{80D95FD5-9349-2E93-EBB2-12283CC89D80}"/>
+          </ac:spMkLst>
+        </pc:spChg>
+      </pc:sldChg>
+      <pc:sldChg chg="modSp">
+        <pc:chgData name="Megha Narendra Simha" userId="S::narendrasimhamegha@cityuniversity.edu::232387a7-bc30-4e81-9c8b-48dd3bad174d" providerId="AD" clId="Web-{D18FD9AE-72FF-6BE0-52B2-A231360C3954}" dt="2025-04-03T06:03:50.234" v="44" actId="20577"/>
+        <pc:sldMkLst>
+          <pc:docMk/>
+          <pc:sldMk cId="1137540820" sldId="416"/>
+        </pc:sldMkLst>
+        <pc:spChg chg="mod">
+          <ac:chgData name="Megha Narendra Simha" userId="S::narendrasimhamegha@cityuniversity.edu::232387a7-bc30-4e81-9c8b-48dd3bad174d" providerId="AD" clId="Web-{D18FD9AE-72FF-6BE0-52B2-A231360C3954}" dt="2025-04-03T06:03:50.234" v="44" actId="20577"/>
+          <ac:spMkLst>
+            <pc:docMk/>
+            <pc:sldMk cId="1137540820" sldId="416"/>
+            <ac:spMk id="3" creationId="{30C27267-ABD1-CF21-E262-A7A0F4EE79EC}"/>
+          </ac:spMkLst>
+        </pc:spChg>
+      </pc:sldChg>
+      <pc:sldChg chg="modSp new">
+        <pc:chgData name="Megha Narendra Simha" userId="S::narendrasimhamegha@cityuniversity.edu::232387a7-bc30-4e81-9c8b-48dd3bad174d" providerId="AD" clId="Web-{D18FD9AE-72FF-6BE0-52B2-A231360C3954}" dt="2025-04-03T06:55:02.085" v="177" actId="20577"/>
+        <pc:sldMkLst>
+          <pc:docMk/>
+          <pc:sldMk cId="2570524255" sldId="417"/>
+        </pc:sldMkLst>
+        <pc:spChg chg="mod">
+          <ac:chgData name="Megha Narendra Simha" userId="S::narendrasimhamegha@cityuniversity.edu::232387a7-bc30-4e81-9c8b-48dd3bad174d" providerId="AD" clId="Web-{D18FD9AE-72FF-6BE0-52B2-A231360C3954}" dt="2025-04-03T06:04:09.125" v="49" actId="20577"/>
+          <ac:spMkLst>
+            <pc:docMk/>
+            <pc:sldMk cId="2570524255" sldId="417"/>
+            <ac:spMk id="2" creationId="{33C1C790-F44D-BCEE-ACF4-477612AF2ADC}"/>
+          </ac:spMkLst>
+        </pc:spChg>
+        <pc:spChg chg="mod">
+          <ac:chgData name="Megha Narendra Simha" userId="S::narendrasimhamegha@cityuniversity.edu::232387a7-bc30-4e81-9c8b-48dd3bad174d" providerId="AD" clId="Web-{D18FD9AE-72FF-6BE0-52B2-A231360C3954}" dt="2025-04-03T06:55:02.085" v="177" actId="20577"/>
+          <ac:spMkLst>
+            <pc:docMk/>
+            <pc:sldMk cId="2570524255" sldId="417"/>
+            <ac:spMk id="3" creationId="{68BD034A-DE4B-5A84-E259-AEC668839FD1}"/>
+          </ac:spMkLst>
+        </pc:spChg>
+      </pc:sldChg>
+      <pc:sldChg chg="modSp add replId">
+        <pc:chgData name="Megha Narendra Simha" userId="S::narendrasimhamegha@cityuniversity.edu::232387a7-bc30-4e81-9c8b-48dd3bad174d" providerId="AD" clId="Web-{D18FD9AE-72FF-6BE0-52B2-A231360C3954}" dt="2025-04-03T06:56:12.554" v="182" actId="1076"/>
+        <pc:sldMkLst>
+          <pc:docMk/>
+          <pc:sldMk cId="2055859236" sldId="418"/>
+        </pc:sldMkLst>
+        <pc:spChg chg="mod">
+          <ac:chgData name="Megha Narendra Simha" userId="S::narendrasimhamegha@cityuniversity.edu::232387a7-bc30-4e81-9c8b-48dd3bad174d" providerId="AD" clId="Web-{D18FD9AE-72FF-6BE0-52B2-A231360C3954}" dt="2025-04-03T06:56:12.554" v="182" actId="1076"/>
+          <ac:spMkLst>
+            <pc:docMk/>
+            <pc:sldMk cId="2055859236" sldId="418"/>
+            <ac:spMk id="2" creationId="{06AFDCE7-41BB-7285-2A79-7298D9799CFE}"/>
+          </ac:spMkLst>
+        </pc:spChg>
+        <pc:spChg chg="mod">
+          <ac:chgData name="Megha Narendra Simha" userId="S::narendrasimhamegha@cityuniversity.edu::232387a7-bc30-4e81-9c8b-48dd3bad174d" providerId="AD" clId="Web-{D18FD9AE-72FF-6BE0-52B2-A231360C3954}" dt="2025-04-03T06:54:50.335" v="175" actId="20577"/>
+          <ac:spMkLst>
+            <pc:docMk/>
+            <pc:sldMk cId="2055859236" sldId="418"/>
+            <ac:spMk id="3" creationId="{74A6C76A-D1EB-1B8D-5751-45D3BF63B141}"/>
+          </ac:spMkLst>
+        </pc:spChg>
+      </pc:sldChg>
+      <pc:sldChg chg="modSp add ord replId">
+        <pc:chgData name="Megha Narendra Simha" userId="S::narendrasimhamegha@cityuniversity.edu::232387a7-bc30-4e81-9c8b-48dd3bad174d" providerId="AD" clId="Web-{D18FD9AE-72FF-6BE0-52B2-A231360C3954}" dt="2025-04-03T06:05:14.422" v="74" actId="20577"/>
+        <pc:sldMkLst>
+          <pc:docMk/>
+          <pc:sldMk cId="2669473244" sldId="419"/>
+        </pc:sldMkLst>
+        <pc:spChg chg="mod">
+          <ac:chgData name="Megha Narendra Simha" userId="S::narendrasimhamegha@cityuniversity.edu::232387a7-bc30-4e81-9c8b-48dd3bad174d" providerId="AD" clId="Web-{D18FD9AE-72FF-6BE0-52B2-A231360C3954}" dt="2025-04-03T06:05:14.422" v="74" actId="20577"/>
+          <ac:spMkLst>
+            <pc:docMk/>
+            <pc:sldMk cId="2669473244" sldId="419"/>
+            <ac:spMk id="2" creationId="{3D4332DA-FF9D-BAFE-150B-BDC52E8F6D47}"/>
+          </ac:spMkLst>
+        </pc:spChg>
+      </pc:sldChg>
+      <pc:sldChg chg="modSp add replId">
+        <pc:chgData name="Megha Narendra Simha" userId="S::narendrasimhamegha@cityuniversity.edu::232387a7-bc30-4e81-9c8b-48dd3bad174d" providerId="AD" clId="Web-{D18FD9AE-72FF-6BE0-52B2-A231360C3954}" dt="2025-04-03T06:05:45.063" v="80" actId="20577"/>
+        <pc:sldMkLst>
+          <pc:docMk/>
+          <pc:sldMk cId="2556481047" sldId="420"/>
+        </pc:sldMkLst>
+        <pc:spChg chg="mod">
+          <ac:chgData name="Megha Narendra Simha" userId="S::narendrasimhamegha@cityuniversity.edu::232387a7-bc30-4e81-9c8b-48dd3bad174d" providerId="AD" clId="Web-{D18FD9AE-72FF-6BE0-52B2-A231360C3954}" dt="2025-04-03T06:05:45.063" v="80" actId="20577"/>
+          <ac:spMkLst>
+            <pc:docMk/>
+            <pc:sldMk cId="2556481047" sldId="420"/>
+            <ac:spMk id="2" creationId="{BDD25B5A-063B-B28D-E2CC-14ABCFA9B1A6}"/>
+          </ac:spMkLst>
+        </pc:spChg>
+      </pc:sldChg>
+      <pc:sldChg chg="modSp add replId">
+        <pc:chgData name="Megha Narendra Simha" userId="S::narendrasimhamegha@cityuniversity.edu::232387a7-bc30-4e81-9c8b-48dd3bad174d" providerId="AD" clId="Web-{D18FD9AE-72FF-6BE0-52B2-A231360C3954}" dt="2025-04-03T06:06:23.488" v="92" actId="20577"/>
+        <pc:sldMkLst>
+          <pc:docMk/>
+          <pc:sldMk cId="476344069" sldId="421"/>
+        </pc:sldMkLst>
+        <pc:spChg chg="mod">
+          <ac:chgData name="Megha Narendra Simha" userId="S::narendrasimhamegha@cityuniversity.edu::232387a7-bc30-4e81-9c8b-48dd3bad174d" providerId="AD" clId="Web-{D18FD9AE-72FF-6BE0-52B2-A231360C3954}" dt="2025-04-03T06:06:23.488" v="92" actId="20577"/>
+          <ac:spMkLst>
+            <pc:docMk/>
+            <pc:sldMk cId="476344069" sldId="421"/>
+            <ac:spMk id="2" creationId="{F7CF52E0-2925-AF10-2255-987806D855A1}"/>
+          </ac:spMkLst>
+        </pc:spChg>
+      </pc:sldChg>
+    </pc:docChg>
+  </pc:docChgLst>
+</pc:chgInfo>
 </file>
 
 <file path=ppt/handoutMasters/handoutMaster1.xml><?xml version="1.0" encoding="utf-8"?>
@@ -832,259 +1112,7 @@
           <a:p>
             <a:fld id="{A89C7E07-3C67-C64C-8DA0-0404F6303970}" type="slidenum">
               <a:rPr lang="en-US" smtClean="0"/>
-              <a:t>10</a:t>
-            </a:fld>
-            <a:endParaRPr lang="en-US" dirty="0"/>
-          </a:p>
-        </p:txBody>
-      </p:sp>
-    </p:spTree>
-    <p:extLst>
-      <p:ext uri="{BB962C8B-B14F-4D97-AF65-F5344CB8AC3E}">
-        <p14:creationId xmlns:p14="http://schemas.microsoft.com/office/powerpoint/2010/main" val="501160436"/>
-      </p:ext>
-    </p:extLst>
-  </p:cSld>
-  <p:clrMapOvr>
-    <a:masterClrMapping/>
-  </p:clrMapOvr>
-</p:notes>
-</file>
-
-<file path=ppt/notesSlides/notesSlide11.xml><?xml version="1.0" encoding="utf-8"?>
-<p:notes xmlns:a="http://schemas.openxmlformats.org/drawingml/2006/main" xmlns:r="http://schemas.openxmlformats.org/officeDocument/2006/relationships" xmlns:p="http://schemas.openxmlformats.org/presentationml/2006/main">
-  <p:cSld>
-    <p:spTree>
-      <p:nvGrpSpPr>
-        <p:cNvPr id="1" name=""/>
-        <p:cNvGrpSpPr/>
-        <p:nvPr/>
-      </p:nvGrpSpPr>
-      <p:grpSpPr>
-        <a:xfrm>
-          <a:off x="0" y="0"/>
-          <a:ext cx="0" cy="0"/>
-          <a:chOff x="0" y="0"/>
-          <a:chExt cx="0" cy="0"/>
-        </a:xfrm>
-      </p:grpSpPr>
-      <p:sp>
-        <p:nvSpPr>
-          <p:cNvPr id="2" name="Slide Image Placeholder 1"/>
-          <p:cNvSpPr>
-            <a:spLocks noGrp="1" noRot="1" noChangeAspect="1"/>
-          </p:cNvSpPr>
-          <p:nvPr>
-            <p:ph type="sldImg"/>
-          </p:nvPr>
-        </p:nvSpPr>
-        <p:spPr/>
-      </p:sp>
-      <p:sp>
-        <p:nvSpPr>
-          <p:cNvPr id="3" name="Notes Placeholder 2"/>
-          <p:cNvSpPr>
-            <a:spLocks noGrp="1"/>
-          </p:cNvSpPr>
-          <p:nvPr>
-            <p:ph type="body" idx="1"/>
-          </p:nvPr>
-        </p:nvSpPr>
-        <p:spPr/>
-        <p:txBody>
-          <a:bodyPr/>
-          <a:lstStyle/>
-          <a:p>
-            <a:endParaRPr lang="en-US" dirty="0"/>
-          </a:p>
-        </p:txBody>
-      </p:sp>
-      <p:sp>
-        <p:nvSpPr>
-          <p:cNvPr id="4" name="Slide Number Placeholder 3"/>
-          <p:cNvSpPr>
-            <a:spLocks noGrp="1"/>
-          </p:cNvSpPr>
-          <p:nvPr>
-            <p:ph type="sldNum" sz="quarter" idx="5"/>
-          </p:nvPr>
-        </p:nvSpPr>
-        <p:spPr/>
-        <p:txBody>
-          <a:bodyPr/>
-          <a:lstStyle/>
-          <a:p>
-            <a:fld id="{A89C7E07-3C67-C64C-8DA0-0404F6303970}" type="slidenum">
-              <a:rPr lang="en-US" smtClean="0"/>
-              <a:t>11</a:t>
-            </a:fld>
-            <a:endParaRPr lang="en-US" dirty="0"/>
-          </a:p>
-        </p:txBody>
-      </p:sp>
-    </p:spTree>
-    <p:extLst>
-      <p:ext uri="{BB962C8B-B14F-4D97-AF65-F5344CB8AC3E}">
-        <p14:creationId xmlns:p14="http://schemas.microsoft.com/office/powerpoint/2010/main" val="2994759380"/>
-      </p:ext>
-    </p:extLst>
-  </p:cSld>
-  <p:clrMapOvr>
-    <a:masterClrMapping/>
-  </p:clrMapOvr>
-</p:notes>
-</file>
-
-<file path=ppt/notesSlides/notesSlide12.xml><?xml version="1.0" encoding="utf-8"?>
-<p:notes xmlns:a="http://schemas.openxmlformats.org/drawingml/2006/main" xmlns:r="http://schemas.openxmlformats.org/officeDocument/2006/relationships" xmlns:p="http://schemas.openxmlformats.org/presentationml/2006/main">
-  <p:cSld>
-    <p:spTree>
-      <p:nvGrpSpPr>
-        <p:cNvPr id="1" name=""/>
-        <p:cNvGrpSpPr/>
-        <p:nvPr/>
-      </p:nvGrpSpPr>
-      <p:grpSpPr>
-        <a:xfrm>
-          <a:off x="0" y="0"/>
-          <a:ext cx="0" cy="0"/>
-          <a:chOff x="0" y="0"/>
-          <a:chExt cx="0" cy="0"/>
-        </a:xfrm>
-      </p:grpSpPr>
-      <p:sp>
-        <p:nvSpPr>
-          <p:cNvPr id="2" name="Slide Image Placeholder 1"/>
-          <p:cNvSpPr>
-            <a:spLocks noGrp="1" noRot="1" noChangeAspect="1"/>
-          </p:cNvSpPr>
-          <p:nvPr>
-            <p:ph type="sldImg"/>
-          </p:nvPr>
-        </p:nvSpPr>
-        <p:spPr/>
-      </p:sp>
-      <p:sp>
-        <p:nvSpPr>
-          <p:cNvPr id="3" name="Notes Placeholder 2"/>
-          <p:cNvSpPr>
-            <a:spLocks noGrp="1"/>
-          </p:cNvSpPr>
-          <p:nvPr>
-            <p:ph type="body" idx="1"/>
-          </p:nvPr>
-        </p:nvSpPr>
-        <p:spPr/>
-        <p:txBody>
-          <a:bodyPr/>
-          <a:lstStyle/>
-          <a:p>
-            <a:endParaRPr lang="en-US" dirty="0"/>
-          </a:p>
-        </p:txBody>
-      </p:sp>
-      <p:sp>
-        <p:nvSpPr>
-          <p:cNvPr id="4" name="Slide Number Placeholder 3"/>
-          <p:cNvSpPr>
-            <a:spLocks noGrp="1"/>
-          </p:cNvSpPr>
-          <p:nvPr>
-            <p:ph type="sldNum" sz="quarter" idx="5"/>
-          </p:nvPr>
-        </p:nvSpPr>
-        <p:spPr/>
-        <p:txBody>
-          <a:bodyPr/>
-          <a:lstStyle/>
-          <a:p>
-            <a:fld id="{A89C7E07-3C67-C64C-8DA0-0404F6303970}" type="slidenum">
-              <a:rPr lang="en-US" smtClean="0"/>
-              <a:t>12</a:t>
-            </a:fld>
-            <a:endParaRPr lang="en-US" dirty="0"/>
-          </a:p>
-        </p:txBody>
-      </p:sp>
-    </p:spTree>
-    <p:extLst>
-      <p:ext uri="{BB962C8B-B14F-4D97-AF65-F5344CB8AC3E}">
-        <p14:creationId xmlns:p14="http://schemas.microsoft.com/office/powerpoint/2010/main" val="634596896"/>
-      </p:ext>
-    </p:extLst>
-  </p:cSld>
-  <p:clrMapOvr>
-    <a:masterClrMapping/>
-  </p:clrMapOvr>
-</p:notes>
-</file>
-
-<file path=ppt/notesSlides/notesSlide13.xml><?xml version="1.0" encoding="utf-8"?>
-<p:notes xmlns:a="http://schemas.openxmlformats.org/drawingml/2006/main" xmlns:r="http://schemas.openxmlformats.org/officeDocument/2006/relationships" xmlns:p="http://schemas.openxmlformats.org/presentationml/2006/main">
-  <p:cSld>
-    <p:spTree>
-      <p:nvGrpSpPr>
-        <p:cNvPr id="1" name=""/>
-        <p:cNvGrpSpPr/>
-        <p:nvPr/>
-      </p:nvGrpSpPr>
-      <p:grpSpPr>
-        <a:xfrm>
-          <a:off x="0" y="0"/>
-          <a:ext cx="0" cy="0"/>
-          <a:chOff x="0" y="0"/>
-          <a:chExt cx="0" cy="0"/>
-        </a:xfrm>
-      </p:grpSpPr>
-      <p:sp>
-        <p:nvSpPr>
-          <p:cNvPr id="2" name="Slide Image Placeholder 1"/>
-          <p:cNvSpPr>
-            <a:spLocks noGrp="1" noRot="1" noChangeAspect="1"/>
-          </p:cNvSpPr>
-          <p:nvPr>
-            <p:ph type="sldImg"/>
-          </p:nvPr>
-        </p:nvSpPr>
-        <p:spPr/>
-      </p:sp>
-      <p:sp>
-        <p:nvSpPr>
-          <p:cNvPr id="3" name="Notes Placeholder 2"/>
-          <p:cNvSpPr>
-            <a:spLocks noGrp="1"/>
-          </p:cNvSpPr>
-          <p:nvPr>
-            <p:ph type="body" idx="1"/>
-          </p:nvPr>
-        </p:nvSpPr>
-        <p:spPr/>
-        <p:txBody>
-          <a:bodyPr/>
-          <a:lstStyle/>
-          <a:p>
-            <a:endParaRPr lang="en-US" dirty="0"/>
-          </a:p>
-        </p:txBody>
-      </p:sp>
-      <p:sp>
-        <p:nvSpPr>
-          <p:cNvPr id="4" name="Slide Number Placeholder 3"/>
-          <p:cNvSpPr>
-            <a:spLocks noGrp="1"/>
-          </p:cNvSpPr>
-          <p:nvPr>
-            <p:ph type="sldNum" sz="quarter" idx="5"/>
-          </p:nvPr>
-        </p:nvSpPr>
-        <p:spPr/>
-        <p:txBody>
-          <a:bodyPr/>
-          <a:lstStyle/>
-          <a:p>
-            <a:fld id="{A89C7E07-3C67-C64C-8DA0-0404F6303970}" type="slidenum">
-              <a:rPr lang="en-US" smtClean="0"/>
-              <a:t>13</a:t>
+              <a:t>15</a:t>
             </a:fld>
             <a:endParaRPr lang="en-US" dirty="0"/>
           </a:p>
@@ -1360,7 +1388,7 @@
           <a:p>
             <a:fld id="{A89C7E07-3C67-C64C-8DA0-0404F6303970}" type="slidenum">
               <a:rPr lang="en-US" smtClean="0"/>
-              <a:t>4</a:t>
+              <a:t>6</a:t>
             </a:fld>
             <a:endParaRPr lang="en-US" dirty="0"/>
           </a:p>
@@ -1369,7 +1397,7 @@
     </p:spTree>
     <p:extLst>
       <p:ext uri="{BB962C8B-B14F-4D97-AF65-F5344CB8AC3E}">
-        <p14:creationId xmlns:p14="http://schemas.microsoft.com/office/powerpoint/2010/main" val="2730433110"/>
+        <p14:creationId xmlns:p14="http://schemas.microsoft.com/office/powerpoint/2010/main" val="3908276564"/>
       </p:ext>
     </p:extLst>
   </p:cSld>
@@ -1380,6 +1408,438 @@
 </file>
 
 <file path=ppt/notesSlides/notesSlide5.xml><?xml version="1.0" encoding="utf-8"?>
+<p:notes xmlns:a="http://schemas.openxmlformats.org/drawingml/2006/main" xmlns:r="http://schemas.openxmlformats.org/officeDocument/2006/relationships" xmlns:p="http://schemas.openxmlformats.org/presentationml/2006/main">
+  <p:cSld>
+    <p:spTree>
+      <p:nvGrpSpPr>
+        <p:cNvPr id="1" name="">
+          <a:extLst>
+            <a:ext uri="{FF2B5EF4-FFF2-40B4-BE49-F238E27FC236}">
+              <a16:creationId xmlns:a16="http://schemas.microsoft.com/office/drawing/2014/main" id="{880276A0-E875-0631-2768-A1D09A6D3EB4}"/>
+            </a:ext>
+          </a:extLst>
+        </p:cNvPr>
+        <p:cNvGrpSpPr/>
+        <p:nvPr/>
+      </p:nvGrpSpPr>
+      <p:grpSpPr>
+        <a:xfrm>
+          <a:off x="0" y="0"/>
+          <a:ext cx="0" cy="0"/>
+          <a:chOff x="0" y="0"/>
+          <a:chExt cx="0" cy="0"/>
+        </a:xfrm>
+      </p:grpSpPr>
+      <p:sp>
+        <p:nvSpPr>
+          <p:cNvPr id="2" name="Slide Image Placeholder 1">
+            <a:extLst>
+              <a:ext uri="{FF2B5EF4-FFF2-40B4-BE49-F238E27FC236}">
+                <a16:creationId xmlns:a16="http://schemas.microsoft.com/office/drawing/2014/main" id="{01841C9E-F7EA-DF53-9293-B38DA384B0B4}"/>
+              </a:ext>
+            </a:extLst>
+          </p:cNvPr>
+          <p:cNvSpPr>
+            <a:spLocks noGrp="1" noRot="1" noChangeAspect="1"/>
+          </p:cNvSpPr>
+          <p:nvPr>
+            <p:ph type="sldImg"/>
+          </p:nvPr>
+        </p:nvSpPr>
+        <p:spPr/>
+      </p:sp>
+      <p:sp>
+        <p:nvSpPr>
+          <p:cNvPr id="3" name="Notes Placeholder 2">
+            <a:extLst>
+              <a:ext uri="{FF2B5EF4-FFF2-40B4-BE49-F238E27FC236}">
+                <a16:creationId xmlns:a16="http://schemas.microsoft.com/office/drawing/2014/main" id="{5386C984-EE32-137B-A85A-9478022BFCCC}"/>
+              </a:ext>
+            </a:extLst>
+          </p:cNvPr>
+          <p:cNvSpPr>
+            <a:spLocks noGrp="1"/>
+          </p:cNvSpPr>
+          <p:nvPr>
+            <p:ph type="body" idx="1"/>
+          </p:nvPr>
+        </p:nvSpPr>
+        <p:spPr/>
+        <p:txBody>
+          <a:bodyPr/>
+          <a:lstStyle/>
+          <a:p>
+            <a:endParaRPr lang="en-US" dirty="0"/>
+          </a:p>
+        </p:txBody>
+      </p:sp>
+      <p:sp>
+        <p:nvSpPr>
+          <p:cNvPr id="4" name="Slide Number Placeholder 3">
+            <a:extLst>
+              <a:ext uri="{FF2B5EF4-FFF2-40B4-BE49-F238E27FC236}">
+                <a16:creationId xmlns:a16="http://schemas.microsoft.com/office/drawing/2014/main" id="{A29D41E5-9372-1B4F-A63F-CDB949226370}"/>
+              </a:ext>
+            </a:extLst>
+          </p:cNvPr>
+          <p:cNvSpPr>
+            <a:spLocks noGrp="1"/>
+          </p:cNvSpPr>
+          <p:nvPr>
+            <p:ph type="sldNum" sz="quarter" idx="5"/>
+          </p:nvPr>
+        </p:nvSpPr>
+        <p:spPr/>
+        <p:txBody>
+          <a:bodyPr/>
+          <a:lstStyle/>
+          <a:p>
+            <a:fld id="{A89C7E07-3C67-C64C-8DA0-0404F6303970}" type="slidenum">
+              <a:rPr lang="en-US" smtClean="0"/>
+              <a:t>7</a:t>
+            </a:fld>
+            <a:endParaRPr lang="en-US" dirty="0"/>
+          </a:p>
+        </p:txBody>
+      </p:sp>
+    </p:spTree>
+    <p:extLst>
+      <p:ext uri="{BB962C8B-B14F-4D97-AF65-F5344CB8AC3E}">
+        <p14:creationId xmlns:p14="http://schemas.microsoft.com/office/powerpoint/2010/main" val="2884411851"/>
+      </p:ext>
+    </p:extLst>
+  </p:cSld>
+  <p:clrMapOvr>
+    <a:masterClrMapping/>
+  </p:clrMapOvr>
+</p:notes>
+</file>
+
+<file path=ppt/notesSlides/notesSlide6.xml><?xml version="1.0" encoding="utf-8"?>
+<p:notes xmlns:a="http://schemas.openxmlformats.org/drawingml/2006/main" xmlns:r="http://schemas.openxmlformats.org/officeDocument/2006/relationships" xmlns:p="http://schemas.openxmlformats.org/presentationml/2006/main">
+  <p:cSld>
+    <p:spTree>
+      <p:nvGrpSpPr>
+        <p:cNvPr id="1" name="">
+          <a:extLst>
+            <a:ext uri="{FF2B5EF4-FFF2-40B4-BE49-F238E27FC236}">
+              <a16:creationId xmlns:a16="http://schemas.microsoft.com/office/drawing/2014/main" id="{4B833671-0F18-A5A6-4DA0-ADB07A1CC41D}"/>
+            </a:ext>
+          </a:extLst>
+        </p:cNvPr>
+        <p:cNvGrpSpPr/>
+        <p:nvPr/>
+      </p:nvGrpSpPr>
+      <p:grpSpPr>
+        <a:xfrm>
+          <a:off x="0" y="0"/>
+          <a:ext cx="0" cy="0"/>
+          <a:chOff x="0" y="0"/>
+          <a:chExt cx="0" cy="0"/>
+        </a:xfrm>
+      </p:grpSpPr>
+      <p:sp>
+        <p:nvSpPr>
+          <p:cNvPr id="2" name="Slide Image Placeholder 1">
+            <a:extLst>
+              <a:ext uri="{FF2B5EF4-FFF2-40B4-BE49-F238E27FC236}">
+                <a16:creationId xmlns:a16="http://schemas.microsoft.com/office/drawing/2014/main" id="{12597494-6B4E-CE2B-ABD2-0BB4B1EAE603}"/>
+              </a:ext>
+            </a:extLst>
+          </p:cNvPr>
+          <p:cNvSpPr>
+            <a:spLocks noGrp="1" noRot="1" noChangeAspect="1"/>
+          </p:cNvSpPr>
+          <p:nvPr>
+            <p:ph type="sldImg"/>
+          </p:nvPr>
+        </p:nvSpPr>
+        <p:spPr/>
+      </p:sp>
+      <p:sp>
+        <p:nvSpPr>
+          <p:cNvPr id="3" name="Notes Placeholder 2">
+            <a:extLst>
+              <a:ext uri="{FF2B5EF4-FFF2-40B4-BE49-F238E27FC236}">
+                <a16:creationId xmlns:a16="http://schemas.microsoft.com/office/drawing/2014/main" id="{28461B61-8E4E-4DF4-55EC-13586739FAA0}"/>
+              </a:ext>
+            </a:extLst>
+          </p:cNvPr>
+          <p:cNvSpPr>
+            <a:spLocks noGrp="1"/>
+          </p:cNvSpPr>
+          <p:nvPr>
+            <p:ph type="body" idx="1"/>
+          </p:nvPr>
+        </p:nvSpPr>
+        <p:spPr/>
+        <p:txBody>
+          <a:bodyPr/>
+          <a:lstStyle/>
+          <a:p>
+            <a:endParaRPr lang="en-US" dirty="0"/>
+          </a:p>
+        </p:txBody>
+      </p:sp>
+      <p:sp>
+        <p:nvSpPr>
+          <p:cNvPr id="4" name="Slide Number Placeholder 3">
+            <a:extLst>
+              <a:ext uri="{FF2B5EF4-FFF2-40B4-BE49-F238E27FC236}">
+                <a16:creationId xmlns:a16="http://schemas.microsoft.com/office/drawing/2014/main" id="{ECF9DAF1-7FE4-C978-4721-75EE17147CD5}"/>
+              </a:ext>
+            </a:extLst>
+          </p:cNvPr>
+          <p:cNvSpPr>
+            <a:spLocks noGrp="1"/>
+          </p:cNvSpPr>
+          <p:nvPr>
+            <p:ph type="sldNum" sz="quarter" idx="5"/>
+          </p:nvPr>
+        </p:nvSpPr>
+        <p:spPr/>
+        <p:txBody>
+          <a:bodyPr/>
+          <a:lstStyle/>
+          <a:p>
+            <a:fld id="{A89C7E07-3C67-C64C-8DA0-0404F6303970}" type="slidenum">
+              <a:rPr lang="en-US" smtClean="0"/>
+              <a:t>8</a:t>
+            </a:fld>
+            <a:endParaRPr lang="en-US" dirty="0"/>
+          </a:p>
+        </p:txBody>
+      </p:sp>
+    </p:spTree>
+    <p:extLst>
+      <p:ext uri="{BB962C8B-B14F-4D97-AF65-F5344CB8AC3E}">
+        <p14:creationId xmlns:p14="http://schemas.microsoft.com/office/powerpoint/2010/main" val="1527702094"/>
+      </p:ext>
+    </p:extLst>
+  </p:cSld>
+  <p:clrMapOvr>
+    <a:masterClrMapping/>
+  </p:clrMapOvr>
+</p:notes>
+</file>
+
+<file path=ppt/notesSlides/notesSlide7.xml><?xml version="1.0" encoding="utf-8"?>
+<p:notes xmlns:a="http://schemas.openxmlformats.org/drawingml/2006/main" xmlns:r="http://schemas.openxmlformats.org/officeDocument/2006/relationships" xmlns:p="http://schemas.openxmlformats.org/presentationml/2006/main">
+  <p:cSld>
+    <p:spTree>
+      <p:nvGrpSpPr>
+        <p:cNvPr id="1" name="">
+          <a:extLst>
+            <a:ext uri="{FF2B5EF4-FFF2-40B4-BE49-F238E27FC236}">
+              <a16:creationId xmlns:a16="http://schemas.microsoft.com/office/drawing/2014/main" id="{80A98DDF-5E8F-C385-4C33-79B3AAFAB07F}"/>
+            </a:ext>
+          </a:extLst>
+        </p:cNvPr>
+        <p:cNvGrpSpPr/>
+        <p:nvPr/>
+      </p:nvGrpSpPr>
+      <p:grpSpPr>
+        <a:xfrm>
+          <a:off x="0" y="0"/>
+          <a:ext cx="0" cy="0"/>
+          <a:chOff x="0" y="0"/>
+          <a:chExt cx="0" cy="0"/>
+        </a:xfrm>
+      </p:grpSpPr>
+      <p:sp>
+        <p:nvSpPr>
+          <p:cNvPr id="2" name="Slide Image Placeholder 1">
+            <a:extLst>
+              <a:ext uri="{FF2B5EF4-FFF2-40B4-BE49-F238E27FC236}">
+                <a16:creationId xmlns:a16="http://schemas.microsoft.com/office/drawing/2014/main" id="{755E708F-678A-0ADA-0911-47FAF860A22C}"/>
+              </a:ext>
+            </a:extLst>
+          </p:cNvPr>
+          <p:cNvSpPr>
+            <a:spLocks noGrp="1" noRot="1" noChangeAspect="1"/>
+          </p:cNvSpPr>
+          <p:nvPr>
+            <p:ph type="sldImg"/>
+          </p:nvPr>
+        </p:nvSpPr>
+        <p:spPr/>
+      </p:sp>
+      <p:sp>
+        <p:nvSpPr>
+          <p:cNvPr id="3" name="Notes Placeholder 2">
+            <a:extLst>
+              <a:ext uri="{FF2B5EF4-FFF2-40B4-BE49-F238E27FC236}">
+                <a16:creationId xmlns:a16="http://schemas.microsoft.com/office/drawing/2014/main" id="{1519CAB4-0843-7184-8B8D-B25948E06AE8}"/>
+              </a:ext>
+            </a:extLst>
+          </p:cNvPr>
+          <p:cNvSpPr>
+            <a:spLocks noGrp="1"/>
+          </p:cNvSpPr>
+          <p:nvPr>
+            <p:ph type="body" idx="1"/>
+          </p:nvPr>
+        </p:nvSpPr>
+        <p:spPr/>
+        <p:txBody>
+          <a:bodyPr/>
+          <a:lstStyle/>
+          <a:p>
+            <a:endParaRPr lang="en-US" dirty="0"/>
+          </a:p>
+        </p:txBody>
+      </p:sp>
+      <p:sp>
+        <p:nvSpPr>
+          <p:cNvPr id="4" name="Slide Number Placeholder 3">
+            <a:extLst>
+              <a:ext uri="{FF2B5EF4-FFF2-40B4-BE49-F238E27FC236}">
+                <a16:creationId xmlns:a16="http://schemas.microsoft.com/office/drawing/2014/main" id="{834BB49B-11A1-480C-D986-7CD542E14993}"/>
+              </a:ext>
+            </a:extLst>
+          </p:cNvPr>
+          <p:cNvSpPr>
+            <a:spLocks noGrp="1"/>
+          </p:cNvSpPr>
+          <p:nvPr>
+            <p:ph type="sldNum" sz="quarter" idx="5"/>
+          </p:nvPr>
+        </p:nvSpPr>
+        <p:spPr/>
+        <p:txBody>
+          <a:bodyPr/>
+          <a:lstStyle/>
+          <a:p>
+            <a:fld id="{A89C7E07-3C67-C64C-8DA0-0404F6303970}" type="slidenum">
+              <a:rPr lang="en-US" smtClean="0"/>
+              <a:t>9</a:t>
+            </a:fld>
+            <a:endParaRPr lang="en-US" dirty="0"/>
+          </a:p>
+        </p:txBody>
+      </p:sp>
+    </p:spTree>
+    <p:extLst>
+      <p:ext uri="{BB962C8B-B14F-4D97-AF65-F5344CB8AC3E}">
+        <p14:creationId xmlns:p14="http://schemas.microsoft.com/office/powerpoint/2010/main" val="3694882780"/>
+      </p:ext>
+    </p:extLst>
+  </p:cSld>
+  <p:clrMapOvr>
+    <a:masterClrMapping/>
+  </p:clrMapOvr>
+</p:notes>
+</file>
+
+<file path=ppt/notesSlides/notesSlide8.xml><?xml version="1.0" encoding="utf-8"?>
+<p:notes xmlns:a="http://schemas.openxmlformats.org/drawingml/2006/main" xmlns:r="http://schemas.openxmlformats.org/officeDocument/2006/relationships" xmlns:p="http://schemas.openxmlformats.org/presentationml/2006/main">
+  <p:cSld>
+    <p:spTree>
+      <p:nvGrpSpPr>
+        <p:cNvPr id="1" name="">
+          <a:extLst>
+            <a:ext uri="{FF2B5EF4-FFF2-40B4-BE49-F238E27FC236}">
+              <a16:creationId xmlns:a16="http://schemas.microsoft.com/office/drawing/2014/main" id="{35AAFB9E-2A92-B351-6449-5D5AF3F8260F}"/>
+            </a:ext>
+          </a:extLst>
+        </p:cNvPr>
+        <p:cNvGrpSpPr/>
+        <p:nvPr/>
+      </p:nvGrpSpPr>
+      <p:grpSpPr>
+        <a:xfrm>
+          <a:off x="0" y="0"/>
+          <a:ext cx="0" cy="0"/>
+          <a:chOff x="0" y="0"/>
+          <a:chExt cx="0" cy="0"/>
+        </a:xfrm>
+      </p:grpSpPr>
+      <p:sp>
+        <p:nvSpPr>
+          <p:cNvPr id="2" name="Slide Image Placeholder 1">
+            <a:extLst>
+              <a:ext uri="{FF2B5EF4-FFF2-40B4-BE49-F238E27FC236}">
+                <a16:creationId xmlns:a16="http://schemas.microsoft.com/office/drawing/2014/main" id="{FB6ED9D8-7029-757B-3CD8-81BA66A576D3}"/>
+              </a:ext>
+            </a:extLst>
+          </p:cNvPr>
+          <p:cNvSpPr>
+            <a:spLocks noGrp="1" noRot="1" noChangeAspect="1"/>
+          </p:cNvSpPr>
+          <p:nvPr>
+            <p:ph type="sldImg"/>
+          </p:nvPr>
+        </p:nvSpPr>
+        <p:spPr/>
+      </p:sp>
+      <p:sp>
+        <p:nvSpPr>
+          <p:cNvPr id="3" name="Notes Placeholder 2">
+            <a:extLst>
+              <a:ext uri="{FF2B5EF4-FFF2-40B4-BE49-F238E27FC236}">
+                <a16:creationId xmlns:a16="http://schemas.microsoft.com/office/drawing/2014/main" id="{FDF7F450-B4AD-56D1-04F6-C0EEC64F8C78}"/>
+              </a:ext>
+            </a:extLst>
+          </p:cNvPr>
+          <p:cNvSpPr>
+            <a:spLocks noGrp="1"/>
+          </p:cNvSpPr>
+          <p:nvPr>
+            <p:ph type="body" idx="1"/>
+          </p:nvPr>
+        </p:nvSpPr>
+        <p:spPr/>
+        <p:txBody>
+          <a:bodyPr/>
+          <a:lstStyle/>
+          <a:p>
+            <a:endParaRPr lang="en-US" dirty="0"/>
+          </a:p>
+        </p:txBody>
+      </p:sp>
+      <p:sp>
+        <p:nvSpPr>
+          <p:cNvPr id="4" name="Slide Number Placeholder 3">
+            <a:extLst>
+              <a:ext uri="{FF2B5EF4-FFF2-40B4-BE49-F238E27FC236}">
+                <a16:creationId xmlns:a16="http://schemas.microsoft.com/office/drawing/2014/main" id="{A5832CCE-5D32-A07F-B893-F32E8C2962F9}"/>
+              </a:ext>
+            </a:extLst>
+          </p:cNvPr>
+          <p:cNvSpPr>
+            <a:spLocks noGrp="1"/>
+          </p:cNvSpPr>
+          <p:nvPr>
+            <p:ph type="sldNum" sz="quarter" idx="5"/>
+          </p:nvPr>
+        </p:nvSpPr>
+        <p:spPr/>
+        <p:txBody>
+          <a:bodyPr/>
+          <a:lstStyle/>
+          <a:p>
+            <a:fld id="{A89C7E07-3C67-C64C-8DA0-0404F6303970}" type="slidenum">
+              <a:rPr lang="en-US" smtClean="0"/>
+              <a:t>10</a:t>
+            </a:fld>
+            <a:endParaRPr lang="en-US" dirty="0"/>
+          </a:p>
+        </p:txBody>
+      </p:sp>
+    </p:spTree>
+    <p:extLst>
+      <p:ext uri="{BB962C8B-B14F-4D97-AF65-F5344CB8AC3E}">
+        <p14:creationId xmlns:p14="http://schemas.microsoft.com/office/powerpoint/2010/main" val="2533998896"/>
+      </p:ext>
+    </p:extLst>
+  </p:cSld>
+  <p:clrMapOvr>
+    <a:masterClrMapping/>
+  </p:clrMapOvr>
+</p:notes>
+</file>
+
+<file path=ppt/notesSlides/notesSlide9.xml><?xml version="1.0" encoding="utf-8"?>
 <p:notes xmlns:a="http://schemas.openxmlformats.org/drawingml/2006/main" xmlns:r="http://schemas.openxmlformats.org/officeDocument/2006/relationships" xmlns:p="http://schemas.openxmlformats.org/presentationml/2006/main">
   <p:cSld>
     <p:spTree>
@@ -1444,7 +1904,7 @@
           <a:p>
             <a:fld id="{A89C7E07-3C67-C64C-8DA0-0404F6303970}" type="slidenum">
               <a:rPr lang="en-US" smtClean="0"/>
-              <a:t>5</a:t>
+              <a:t>14</a:t>
             </a:fld>
             <a:endParaRPr lang="en-US" dirty="0"/>
           </a:p>
@@ -1453,439 +1913,7 @@
     </p:spTree>
     <p:extLst>
       <p:ext uri="{BB962C8B-B14F-4D97-AF65-F5344CB8AC3E}">
-        <p14:creationId xmlns:p14="http://schemas.microsoft.com/office/powerpoint/2010/main" val="3908276564"/>
-      </p:ext>
-    </p:extLst>
-  </p:cSld>
-  <p:clrMapOvr>
-    <a:masterClrMapping/>
-  </p:clrMapOvr>
-</p:notes>
-</file>
-
-<file path=ppt/notesSlides/notesSlide6.xml><?xml version="1.0" encoding="utf-8"?>
-<p:notes xmlns:a="http://schemas.openxmlformats.org/drawingml/2006/main" xmlns:r="http://schemas.openxmlformats.org/officeDocument/2006/relationships" xmlns:p="http://schemas.openxmlformats.org/presentationml/2006/main">
-  <p:cSld>
-    <p:spTree>
-      <p:nvGrpSpPr>
-        <p:cNvPr id="1" name="">
-          <a:extLst>
-            <a:ext uri="{FF2B5EF4-FFF2-40B4-BE49-F238E27FC236}">
-              <a16:creationId xmlns:a16="http://schemas.microsoft.com/office/drawing/2014/main" id="{880276A0-E875-0631-2768-A1D09A6D3EB4}"/>
-            </a:ext>
-          </a:extLst>
-        </p:cNvPr>
-        <p:cNvGrpSpPr/>
-        <p:nvPr/>
-      </p:nvGrpSpPr>
-      <p:grpSpPr>
-        <a:xfrm>
-          <a:off x="0" y="0"/>
-          <a:ext cx="0" cy="0"/>
-          <a:chOff x="0" y="0"/>
-          <a:chExt cx="0" cy="0"/>
-        </a:xfrm>
-      </p:grpSpPr>
-      <p:sp>
-        <p:nvSpPr>
-          <p:cNvPr id="2" name="Slide Image Placeholder 1">
-            <a:extLst>
-              <a:ext uri="{FF2B5EF4-FFF2-40B4-BE49-F238E27FC236}">
-                <a16:creationId xmlns:a16="http://schemas.microsoft.com/office/drawing/2014/main" id="{01841C9E-F7EA-DF53-9293-B38DA384B0B4}"/>
-              </a:ext>
-            </a:extLst>
-          </p:cNvPr>
-          <p:cNvSpPr>
-            <a:spLocks noGrp="1" noRot="1" noChangeAspect="1"/>
-          </p:cNvSpPr>
-          <p:nvPr>
-            <p:ph type="sldImg"/>
-          </p:nvPr>
-        </p:nvSpPr>
-        <p:spPr/>
-      </p:sp>
-      <p:sp>
-        <p:nvSpPr>
-          <p:cNvPr id="3" name="Notes Placeholder 2">
-            <a:extLst>
-              <a:ext uri="{FF2B5EF4-FFF2-40B4-BE49-F238E27FC236}">
-                <a16:creationId xmlns:a16="http://schemas.microsoft.com/office/drawing/2014/main" id="{5386C984-EE32-137B-A85A-9478022BFCCC}"/>
-              </a:ext>
-            </a:extLst>
-          </p:cNvPr>
-          <p:cNvSpPr>
-            <a:spLocks noGrp="1"/>
-          </p:cNvSpPr>
-          <p:nvPr>
-            <p:ph type="body" idx="1"/>
-          </p:nvPr>
-        </p:nvSpPr>
-        <p:spPr/>
-        <p:txBody>
-          <a:bodyPr/>
-          <a:lstStyle/>
-          <a:p>
-            <a:endParaRPr lang="en-US" dirty="0"/>
-          </a:p>
-        </p:txBody>
-      </p:sp>
-      <p:sp>
-        <p:nvSpPr>
-          <p:cNvPr id="4" name="Slide Number Placeholder 3">
-            <a:extLst>
-              <a:ext uri="{FF2B5EF4-FFF2-40B4-BE49-F238E27FC236}">
-                <a16:creationId xmlns:a16="http://schemas.microsoft.com/office/drawing/2014/main" id="{A29D41E5-9372-1B4F-A63F-CDB949226370}"/>
-              </a:ext>
-            </a:extLst>
-          </p:cNvPr>
-          <p:cNvSpPr>
-            <a:spLocks noGrp="1"/>
-          </p:cNvSpPr>
-          <p:nvPr>
-            <p:ph type="sldNum" sz="quarter" idx="5"/>
-          </p:nvPr>
-        </p:nvSpPr>
-        <p:spPr/>
-        <p:txBody>
-          <a:bodyPr/>
-          <a:lstStyle/>
-          <a:p>
-            <a:fld id="{A89C7E07-3C67-C64C-8DA0-0404F6303970}" type="slidenum">
-              <a:rPr lang="en-US" smtClean="0"/>
-              <a:t>6</a:t>
-            </a:fld>
-            <a:endParaRPr lang="en-US" dirty="0"/>
-          </a:p>
-        </p:txBody>
-      </p:sp>
-    </p:spTree>
-    <p:extLst>
-      <p:ext uri="{BB962C8B-B14F-4D97-AF65-F5344CB8AC3E}">
-        <p14:creationId xmlns:p14="http://schemas.microsoft.com/office/powerpoint/2010/main" val="2884411851"/>
-      </p:ext>
-    </p:extLst>
-  </p:cSld>
-  <p:clrMapOvr>
-    <a:masterClrMapping/>
-  </p:clrMapOvr>
-</p:notes>
-</file>
-
-<file path=ppt/notesSlides/notesSlide7.xml><?xml version="1.0" encoding="utf-8"?>
-<p:notes xmlns:a="http://schemas.openxmlformats.org/drawingml/2006/main" xmlns:r="http://schemas.openxmlformats.org/officeDocument/2006/relationships" xmlns:p="http://schemas.openxmlformats.org/presentationml/2006/main">
-  <p:cSld>
-    <p:spTree>
-      <p:nvGrpSpPr>
-        <p:cNvPr id="1" name="">
-          <a:extLst>
-            <a:ext uri="{FF2B5EF4-FFF2-40B4-BE49-F238E27FC236}">
-              <a16:creationId xmlns:a16="http://schemas.microsoft.com/office/drawing/2014/main" id="{4B833671-0F18-A5A6-4DA0-ADB07A1CC41D}"/>
-            </a:ext>
-          </a:extLst>
-        </p:cNvPr>
-        <p:cNvGrpSpPr/>
-        <p:nvPr/>
-      </p:nvGrpSpPr>
-      <p:grpSpPr>
-        <a:xfrm>
-          <a:off x="0" y="0"/>
-          <a:ext cx="0" cy="0"/>
-          <a:chOff x="0" y="0"/>
-          <a:chExt cx="0" cy="0"/>
-        </a:xfrm>
-      </p:grpSpPr>
-      <p:sp>
-        <p:nvSpPr>
-          <p:cNvPr id="2" name="Slide Image Placeholder 1">
-            <a:extLst>
-              <a:ext uri="{FF2B5EF4-FFF2-40B4-BE49-F238E27FC236}">
-                <a16:creationId xmlns:a16="http://schemas.microsoft.com/office/drawing/2014/main" id="{12597494-6B4E-CE2B-ABD2-0BB4B1EAE603}"/>
-              </a:ext>
-            </a:extLst>
-          </p:cNvPr>
-          <p:cNvSpPr>
-            <a:spLocks noGrp="1" noRot="1" noChangeAspect="1"/>
-          </p:cNvSpPr>
-          <p:nvPr>
-            <p:ph type="sldImg"/>
-          </p:nvPr>
-        </p:nvSpPr>
-        <p:spPr/>
-      </p:sp>
-      <p:sp>
-        <p:nvSpPr>
-          <p:cNvPr id="3" name="Notes Placeholder 2">
-            <a:extLst>
-              <a:ext uri="{FF2B5EF4-FFF2-40B4-BE49-F238E27FC236}">
-                <a16:creationId xmlns:a16="http://schemas.microsoft.com/office/drawing/2014/main" id="{28461B61-8E4E-4DF4-55EC-13586739FAA0}"/>
-              </a:ext>
-            </a:extLst>
-          </p:cNvPr>
-          <p:cNvSpPr>
-            <a:spLocks noGrp="1"/>
-          </p:cNvSpPr>
-          <p:nvPr>
-            <p:ph type="body" idx="1"/>
-          </p:nvPr>
-        </p:nvSpPr>
-        <p:spPr/>
-        <p:txBody>
-          <a:bodyPr/>
-          <a:lstStyle/>
-          <a:p>
-            <a:endParaRPr lang="en-US" dirty="0"/>
-          </a:p>
-        </p:txBody>
-      </p:sp>
-      <p:sp>
-        <p:nvSpPr>
-          <p:cNvPr id="4" name="Slide Number Placeholder 3">
-            <a:extLst>
-              <a:ext uri="{FF2B5EF4-FFF2-40B4-BE49-F238E27FC236}">
-                <a16:creationId xmlns:a16="http://schemas.microsoft.com/office/drawing/2014/main" id="{ECF9DAF1-7FE4-C978-4721-75EE17147CD5}"/>
-              </a:ext>
-            </a:extLst>
-          </p:cNvPr>
-          <p:cNvSpPr>
-            <a:spLocks noGrp="1"/>
-          </p:cNvSpPr>
-          <p:nvPr>
-            <p:ph type="sldNum" sz="quarter" idx="5"/>
-          </p:nvPr>
-        </p:nvSpPr>
-        <p:spPr/>
-        <p:txBody>
-          <a:bodyPr/>
-          <a:lstStyle/>
-          <a:p>
-            <a:fld id="{A89C7E07-3C67-C64C-8DA0-0404F6303970}" type="slidenum">
-              <a:rPr lang="en-US" smtClean="0"/>
-              <a:t>7</a:t>
-            </a:fld>
-            <a:endParaRPr lang="en-US" dirty="0"/>
-          </a:p>
-        </p:txBody>
-      </p:sp>
-    </p:spTree>
-    <p:extLst>
-      <p:ext uri="{BB962C8B-B14F-4D97-AF65-F5344CB8AC3E}">
-        <p14:creationId xmlns:p14="http://schemas.microsoft.com/office/powerpoint/2010/main" val="1527702094"/>
-      </p:ext>
-    </p:extLst>
-  </p:cSld>
-  <p:clrMapOvr>
-    <a:masterClrMapping/>
-  </p:clrMapOvr>
-</p:notes>
-</file>
-
-<file path=ppt/notesSlides/notesSlide8.xml><?xml version="1.0" encoding="utf-8"?>
-<p:notes xmlns:a="http://schemas.openxmlformats.org/drawingml/2006/main" xmlns:r="http://schemas.openxmlformats.org/officeDocument/2006/relationships" xmlns:p="http://schemas.openxmlformats.org/presentationml/2006/main">
-  <p:cSld>
-    <p:spTree>
-      <p:nvGrpSpPr>
-        <p:cNvPr id="1" name="">
-          <a:extLst>
-            <a:ext uri="{FF2B5EF4-FFF2-40B4-BE49-F238E27FC236}">
-              <a16:creationId xmlns:a16="http://schemas.microsoft.com/office/drawing/2014/main" id="{80A98DDF-5E8F-C385-4C33-79B3AAFAB07F}"/>
-            </a:ext>
-          </a:extLst>
-        </p:cNvPr>
-        <p:cNvGrpSpPr/>
-        <p:nvPr/>
-      </p:nvGrpSpPr>
-      <p:grpSpPr>
-        <a:xfrm>
-          <a:off x="0" y="0"/>
-          <a:ext cx="0" cy="0"/>
-          <a:chOff x="0" y="0"/>
-          <a:chExt cx="0" cy="0"/>
-        </a:xfrm>
-      </p:grpSpPr>
-      <p:sp>
-        <p:nvSpPr>
-          <p:cNvPr id="2" name="Slide Image Placeholder 1">
-            <a:extLst>
-              <a:ext uri="{FF2B5EF4-FFF2-40B4-BE49-F238E27FC236}">
-                <a16:creationId xmlns:a16="http://schemas.microsoft.com/office/drawing/2014/main" id="{755E708F-678A-0ADA-0911-47FAF860A22C}"/>
-              </a:ext>
-            </a:extLst>
-          </p:cNvPr>
-          <p:cNvSpPr>
-            <a:spLocks noGrp="1" noRot="1" noChangeAspect="1"/>
-          </p:cNvSpPr>
-          <p:nvPr>
-            <p:ph type="sldImg"/>
-          </p:nvPr>
-        </p:nvSpPr>
-        <p:spPr/>
-      </p:sp>
-      <p:sp>
-        <p:nvSpPr>
-          <p:cNvPr id="3" name="Notes Placeholder 2">
-            <a:extLst>
-              <a:ext uri="{FF2B5EF4-FFF2-40B4-BE49-F238E27FC236}">
-                <a16:creationId xmlns:a16="http://schemas.microsoft.com/office/drawing/2014/main" id="{1519CAB4-0843-7184-8B8D-B25948E06AE8}"/>
-              </a:ext>
-            </a:extLst>
-          </p:cNvPr>
-          <p:cNvSpPr>
-            <a:spLocks noGrp="1"/>
-          </p:cNvSpPr>
-          <p:nvPr>
-            <p:ph type="body" idx="1"/>
-          </p:nvPr>
-        </p:nvSpPr>
-        <p:spPr/>
-        <p:txBody>
-          <a:bodyPr/>
-          <a:lstStyle/>
-          <a:p>
-            <a:endParaRPr lang="en-US" dirty="0"/>
-          </a:p>
-        </p:txBody>
-      </p:sp>
-      <p:sp>
-        <p:nvSpPr>
-          <p:cNvPr id="4" name="Slide Number Placeholder 3">
-            <a:extLst>
-              <a:ext uri="{FF2B5EF4-FFF2-40B4-BE49-F238E27FC236}">
-                <a16:creationId xmlns:a16="http://schemas.microsoft.com/office/drawing/2014/main" id="{834BB49B-11A1-480C-D986-7CD542E14993}"/>
-              </a:ext>
-            </a:extLst>
-          </p:cNvPr>
-          <p:cNvSpPr>
-            <a:spLocks noGrp="1"/>
-          </p:cNvSpPr>
-          <p:nvPr>
-            <p:ph type="sldNum" sz="quarter" idx="5"/>
-          </p:nvPr>
-        </p:nvSpPr>
-        <p:spPr/>
-        <p:txBody>
-          <a:bodyPr/>
-          <a:lstStyle/>
-          <a:p>
-            <a:fld id="{A89C7E07-3C67-C64C-8DA0-0404F6303970}" type="slidenum">
-              <a:rPr lang="en-US" smtClean="0"/>
-              <a:t>8</a:t>
-            </a:fld>
-            <a:endParaRPr lang="en-US" dirty="0"/>
-          </a:p>
-        </p:txBody>
-      </p:sp>
-    </p:spTree>
-    <p:extLst>
-      <p:ext uri="{BB962C8B-B14F-4D97-AF65-F5344CB8AC3E}">
-        <p14:creationId xmlns:p14="http://schemas.microsoft.com/office/powerpoint/2010/main" val="3694882780"/>
-      </p:ext>
-    </p:extLst>
-  </p:cSld>
-  <p:clrMapOvr>
-    <a:masterClrMapping/>
-  </p:clrMapOvr>
-</p:notes>
-</file>
-
-<file path=ppt/notesSlides/notesSlide9.xml><?xml version="1.0" encoding="utf-8"?>
-<p:notes xmlns:a="http://schemas.openxmlformats.org/drawingml/2006/main" xmlns:r="http://schemas.openxmlformats.org/officeDocument/2006/relationships" xmlns:p="http://schemas.openxmlformats.org/presentationml/2006/main">
-  <p:cSld>
-    <p:spTree>
-      <p:nvGrpSpPr>
-        <p:cNvPr id="1" name="">
-          <a:extLst>
-            <a:ext uri="{FF2B5EF4-FFF2-40B4-BE49-F238E27FC236}">
-              <a16:creationId xmlns:a16="http://schemas.microsoft.com/office/drawing/2014/main" id="{35AAFB9E-2A92-B351-6449-5D5AF3F8260F}"/>
-            </a:ext>
-          </a:extLst>
-        </p:cNvPr>
-        <p:cNvGrpSpPr/>
-        <p:nvPr/>
-      </p:nvGrpSpPr>
-      <p:grpSpPr>
-        <a:xfrm>
-          <a:off x="0" y="0"/>
-          <a:ext cx="0" cy="0"/>
-          <a:chOff x="0" y="0"/>
-          <a:chExt cx="0" cy="0"/>
-        </a:xfrm>
-      </p:grpSpPr>
-      <p:sp>
-        <p:nvSpPr>
-          <p:cNvPr id="2" name="Slide Image Placeholder 1">
-            <a:extLst>
-              <a:ext uri="{FF2B5EF4-FFF2-40B4-BE49-F238E27FC236}">
-                <a16:creationId xmlns:a16="http://schemas.microsoft.com/office/drawing/2014/main" id="{FB6ED9D8-7029-757B-3CD8-81BA66A576D3}"/>
-              </a:ext>
-            </a:extLst>
-          </p:cNvPr>
-          <p:cNvSpPr>
-            <a:spLocks noGrp="1" noRot="1" noChangeAspect="1"/>
-          </p:cNvSpPr>
-          <p:nvPr>
-            <p:ph type="sldImg"/>
-          </p:nvPr>
-        </p:nvSpPr>
-        <p:spPr/>
-      </p:sp>
-      <p:sp>
-        <p:nvSpPr>
-          <p:cNvPr id="3" name="Notes Placeholder 2">
-            <a:extLst>
-              <a:ext uri="{FF2B5EF4-FFF2-40B4-BE49-F238E27FC236}">
-                <a16:creationId xmlns:a16="http://schemas.microsoft.com/office/drawing/2014/main" id="{FDF7F450-B4AD-56D1-04F6-C0EEC64F8C78}"/>
-              </a:ext>
-            </a:extLst>
-          </p:cNvPr>
-          <p:cNvSpPr>
-            <a:spLocks noGrp="1"/>
-          </p:cNvSpPr>
-          <p:nvPr>
-            <p:ph type="body" idx="1"/>
-          </p:nvPr>
-        </p:nvSpPr>
-        <p:spPr/>
-        <p:txBody>
-          <a:bodyPr/>
-          <a:lstStyle/>
-          <a:p>
-            <a:endParaRPr lang="en-US" dirty="0"/>
-          </a:p>
-        </p:txBody>
-      </p:sp>
-      <p:sp>
-        <p:nvSpPr>
-          <p:cNvPr id="4" name="Slide Number Placeholder 3">
-            <a:extLst>
-              <a:ext uri="{FF2B5EF4-FFF2-40B4-BE49-F238E27FC236}">
-                <a16:creationId xmlns:a16="http://schemas.microsoft.com/office/drawing/2014/main" id="{A5832CCE-5D32-A07F-B893-F32E8C2962F9}"/>
-              </a:ext>
-            </a:extLst>
-          </p:cNvPr>
-          <p:cNvSpPr>
-            <a:spLocks noGrp="1"/>
-          </p:cNvSpPr>
-          <p:nvPr>
-            <p:ph type="sldNum" sz="quarter" idx="5"/>
-          </p:nvPr>
-        </p:nvSpPr>
-        <p:spPr/>
-        <p:txBody>
-          <a:bodyPr/>
-          <a:lstStyle/>
-          <a:p>
-            <a:fld id="{A89C7E07-3C67-C64C-8DA0-0404F6303970}" type="slidenum">
-              <a:rPr lang="en-US" smtClean="0"/>
-              <a:t>9</a:t>
-            </a:fld>
-            <a:endParaRPr lang="en-US" dirty="0"/>
-          </a:p>
-        </p:txBody>
-      </p:sp>
-    </p:spTree>
-    <p:extLst>
-      <p:ext uri="{BB962C8B-B14F-4D97-AF65-F5344CB8AC3E}">
-        <p14:creationId xmlns:p14="http://schemas.microsoft.com/office/powerpoint/2010/main" val="2533998896"/>
+        <p14:creationId xmlns:p14="http://schemas.microsoft.com/office/powerpoint/2010/main" val="634596896"/>
       </p:ext>
     </p:extLst>
   </p:cSld>
@@ -10231,7 +10259,7 @@
         </p:nvSpPr>
         <p:spPr>
           <a:xfrm>
-            <a:off x="6309904" y="411479"/>
+            <a:off x="6324281" y="3560121"/>
             <a:ext cx="5486400" cy="3291840"/>
           </a:xfrm>
         </p:spPr>
@@ -10250,6 +10278,16 @@
               <a:rPr lang="en-US" dirty="0"/>
               <a:t>Team 4</a:t>
             </a:r>
+            <a:br>
+              <a:rPr lang="en-US" dirty="0"/>
+            </a:br>
+            <a:br>
+              <a:rPr lang="en-US" dirty="0"/>
+            </a:br>
+            <a:endParaRPr lang="en-US" sz="3600" b="0"/>
+          </a:p>
+          <a:p>
+            <a:endParaRPr lang="en-US" dirty="0"/>
           </a:p>
         </p:txBody>
       </p:sp>
@@ -10271,7 +10309,443 @@
   <p:cSld>
     <p:spTree>
       <p:nvGrpSpPr>
-        <p:cNvPr id="1" name=""/>
+        <p:cNvPr id="1" name="">
+          <a:extLst>
+            <a:ext uri="{FF2B5EF4-FFF2-40B4-BE49-F238E27FC236}">
+              <a16:creationId xmlns:a16="http://schemas.microsoft.com/office/drawing/2014/main" id="{7CF8A8BB-0BFF-40E0-CBC8-DBEB4CF4B65A}"/>
+            </a:ext>
+          </a:extLst>
+        </p:cNvPr>
+        <p:cNvGrpSpPr/>
+        <p:nvPr/>
+      </p:nvGrpSpPr>
+      <p:grpSpPr>
+        <a:xfrm>
+          <a:off x="0" y="0"/>
+          <a:ext cx="0" cy="0"/>
+          <a:chOff x="0" y="0"/>
+          <a:chExt cx="0" cy="0"/>
+        </a:xfrm>
+      </p:grpSpPr>
+      <p:sp>
+        <p:nvSpPr>
+          <p:cNvPr id="3" name="Title 2">
+            <a:extLst>
+              <a:ext uri="{FF2B5EF4-FFF2-40B4-BE49-F238E27FC236}">
+                <a16:creationId xmlns:a16="http://schemas.microsoft.com/office/drawing/2014/main" id="{30C27267-ABD1-CF21-E262-A7A0F4EE79EC}"/>
+              </a:ext>
+            </a:extLst>
+          </p:cNvPr>
+          <p:cNvSpPr>
+            <a:spLocks noGrp="1"/>
+          </p:cNvSpPr>
+          <p:nvPr>
+            <p:ph type="title"/>
+          </p:nvPr>
+        </p:nvSpPr>
+        <p:spPr>
+          <a:xfrm>
+            <a:off x="594360" y="102875"/>
+            <a:ext cx="10873740" cy="1680205"/>
+          </a:xfrm>
+        </p:spPr>
+        <p:txBody>
+          <a:bodyPr/>
+          <a:lstStyle/>
+          <a:p>
+            <a:r>
+              <a:rPr lang="en-US" dirty="0"/>
+              <a:t>AI Tutor Page</a:t>
+            </a:r>
+          </a:p>
+        </p:txBody>
+      </p:sp>
+      <p:grpSp>
+        <p:nvGrpSpPr>
+          <p:cNvPr id="19" name="Group 18">
+            <a:extLst>
+              <a:ext uri="{FF2B5EF4-FFF2-40B4-BE49-F238E27FC236}">
+                <a16:creationId xmlns:a16="http://schemas.microsoft.com/office/drawing/2014/main" id="{DFEE702C-51D9-AEA4-9701-00B133F14707}"/>
+              </a:ext>
+              <a:ext uri="{C183D7F6-B498-43B3-948B-1728B52AA6E4}">
+                <adec:decorative xmlns:adec="http://schemas.microsoft.com/office/drawing/2017/decorative" val="1"/>
+              </a:ext>
+            </a:extLst>
+          </p:cNvPr>
+          <p:cNvGrpSpPr>
+            <a:grpSpLocks/>
+          </p:cNvGrpSpPr>
+          <p:nvPr/>
+        </p:nvGrpSpPr>
+        <p:grpSpPr bwMode="auto">
+          <a:xfrm rot="16200000" flipV="1">
+            <a:off x="0" y="3900132"/>
+            <a:ext cx="2959226" cy="2959226"/>
+            <a:chOff x="0" y="12289"/>
+            <a:chExt cx="3550" cy="3551"/>
+          </a:xfrm>
+        </p:grpSpPr>
+        <p:sp>
+          <p:nvSpPr>
+            <p:cNvPr id="20" name="Freeform 19">
+              <a:extLst>
+                <a:ext uri="{FF2B5EF4-FFF2-40B4-BE49-F238E27FC236}">
+                  <a16:creationId xmlns:a16="http://schemas.microsoft.com/office/drawing/2014/main" id="{85A57D55-6882-3CCF-E90D-0B91AE9EE1D1}"/>
+                </a:ext>
+              </a:extLst>
+            </p:cNvPr>
+            <p:cNvSpPr>
+              <a:spLocks/>
+            </p:cNvSpPr>
+            <p:nvPr/>
+          </p:nvSpPr>
+          <p:spPr bwMode="auto">
+            <a:xfrm>
+              <a:off x="0" y="12289"/>
+              <a:ext cx="1789" cy="2386"/>
+            </a:xfrm>
+            <a:custGeom>
+              <a:avLst/>
+              <a:gdLst>
+                <a:gd name="T0" fmla="*/ 0 w 1789"/>
+                <a:gd name="T1" fmla="+- 0 12290 12290"/>
+                <a:gd name="T2" fmla="*/ 12290 h 2386"/>
+                <a:gd name="T3" fmla="*/ 0 w 1789"/>
+                <a:gd name="T4" fmla="+- 0 13484 12290"/>
+                <a:gd name="T5" fmla="*/ 13484 h 2386"/>
+                <a:gd name="T6" fmla="*/ 1192 w 1789"/>
+                <a:gd name="T7" fmla="+- 0 14676 12290"/>
+                <a:gd name="T8" fmla="*/ 14676 h 2386"/>
+                <a:gd name="T9" fmla="*/ 1789 w 1789"/>
+                <a:gd name="T10" fmla="+- 0 14079 12290"/>
+                <a:gd name="T11" fmla="*/ 14079 h 2386"/>
+                <a:gd name="T12" fmla="*/ 0 w 1789"/>
+                <a:gd name="T13" fmla="+- 0 12290 12290"/>
+                <a:gd name="T14" fmla="*/ 12290 h 2386"/>
+              </a:gdLst>
+              <a:ahLst/>
+              <a:cxnLst>
+                <a:cxn ang="0">
+                  <a:pos x="T0" y="T2"/>
+                </a:cxn>
+                <a:cxn ang="0">
+                  <a:pos x="T3" y="T5"/>
+                </a:cxn>
+                <a:cxn ang="0">
+                  <a:pos x="T6" y="T8"/>
+                </a:cxn>
+                <a:cxn ang="0">
+                  <a:pos x="T9" y="T11"/>
+                </a:cxn>
+                <a:cxn ang="0">
+                  <a:pos x="T12" y="T14"/>
+                </a:cxn>
+              </a:cxnLst>
+              <a:rect l="0" t="0" r="r" b="b"/>
+              <a:pathLst>
+                <a:path w="1789" h="2386">
+                  <a:moveTo>
+                    <a:pt x="0" y="0"/>
+                  </a:moveTo>
+                  <a:lnTo>
+                    <a:pt x="0" y="1194"/>
+                  </a:lnTo>
+                  <a:lnTo>
+                    <a:pt x="1192" y="2386"/>
+                  </a:lnTo>
+                  <a:lnTo>
+                    <a:pt x="1789" y="1789"/>
+                  </a:lnTo>
+                  <a:lnTo>
+                    <a:pt x="0" y="0"/>
+                  </a:lnTo>
+                  <a:close/>
+                </a:path>
+              </a:pathLst>
+            </a:custGeom>
+            <a:solidFill>
+              <a:schemeClr val="accent6"/>
+            </a:solidFill>
+            <a:ln>
+              <a:noFill/>
+            </a:ln>
+            <a:extLst>
+              <a:ext uri="{91240B29-F687-4F45-9708-019B960494DF}">
+                <a14:hiddenLine xmlns:a14="http://schemas.microsoft.com/office/drawing/2010/main" w="9525">
+                  <a:solidFill>
+                    <a:srgbClr val="000000"/>
+                  </a:solidFill>
+                  <a:round/>
+                  <a:headEnd/>
+                  <a:tailEnd/>
+                </a14:hiddenLine>
+              </a:ext>
+            </a:extLst>
+          </p:spPr>
+          <p:txBody>
+            <a:bodyPr rot="0" vert="horz" wrap="square" lIns="91440" tIns="45720" rIns="91440" bIns="45720" anchor="t" anchorCtr="0" upright="1">
+              <a:noAutofit/>
+            </a:bodyPr>
+            <a:lstStyle/>
+            <a:p>
+              <a:endParaRPr lang="en-US" dirty="0"/>
+            </a:p>
+          </p:txBody>
+        </p:sp>
+        <p:sp>
+          <p:nvSpPr>
+            <p:cNvPr id="21" name="Freeform 20">
+              <a:extLst>
+                <a:ext uri="{FF2B5EF4-FFF2-40B4-BE49-F238E27FC236}">
+                  <a16:creationId xmlns:a16="http://schemas.microsoft.com/office/drawing/2014/main" id="{6E265836-F2F7-D56A-695E-91B42B03C000}"/>
+                </a:ext>
+              </a:extLst>
+            </p:cNvPr>
+            <p:cNvSpPr>
+              <a:spLocks/>
+            </p:cNvSpPr>
+            <p:nvPr/>
+          </p:nvSpPr>
+          <p:spPr bwMode="auto">
+            <a:xfrm>
+              <a:off x="0" y="14678"/>
+              <a:ext cx="1162" cy="1162"/>
+            </a:xfrm>
+            <a:custGeom>
+              <a:avLst/>
+              <a:gdLst>
+                <a:gd name="T0" fmla="*/ 0 w 1162"/>
+                <a:gd name="T1" fmla="+- 0 14679 14679"/>
+                <a:gd name="T2" fmla="*/ 14679 h 1162"/>
+                <a:gd name="T3" fmla="*/ 0 w 1162"/>
+                <a:gd name="T4" fmla="+- 0 15840 14679"/>
+                <a:gd name="T5" fmla="*/ 15840 h 1162"/>
+                <a:gd name="T6" fmla="*/ 1161 w 1162"/>
+                <a:gd name="T7" fmla="+- 0 15840 14679"/>
+                <a:gd name="T8" fmla="*/ 15840 h 1162"/>
+                <a:gd name="T9" fmla="*/ 0 w 1162"/>
+                <a:gd name="T10" fmla="+- 0 14679 14679"/>
+                <a:gd name="T11" fmla="*/ 14679 h 1162"/>
+              </a:gdLst>
+              <a:ahLst/>
+              <a:cxnLst>
+                <a:cxn ang="0">
+                  <a:pos x="T0" y="T2"/>
+                </a:cxn>
+                <a:cxn ang="0">
+                  <a:pos x="T3" y="T5"/>
+                </a:cxn>
+                <a:cxn ang="0">
+                  <a:pos x="T6" y="T8"/>
+                </a:cxn>
+                <a:cxn ang="0">
+                  <a:pos x="T9" y="T11"/>
+                </a:cxn>
+              </a:cxnLst>
+              <a:rect l="0" t="0" r="r" b="b"/>
+              <a:pathLst>
+                <a:path w="1162" h="1162">
+                  <a:moveTo>
+                    <a:pt x="0" y="0"/>
+                  </a:moveTo>
+                  <a:lnTo>
+                    <a:pt x="0" y="1161"/>
+                  </a:lnTo>
+                  <a:lnTo>
+                    <a:pt x="1161" y="1161"/>
+                  </a:lnTo>
+                  <a:lnTo>
+                    <a:pt x="0" y="0"/>
+                  </a:lnTo>
+                  <a:close/>
+                </a:path>
+              </a:pathLst>
+            </a:custGeom>
+            <a:solidFill>
+              <a:schemeClr val="tx2"/>
+            </a:solidFill>
+            <a:ln>
+              <a:noFill/>
+            </a:ln>
+            <a:extLst>
+              <a:ext uri="{91240B29-F687-4F45-9708-019B960494DF}">
+                <a14:hiddenLine xmlns:a14="http://schemas.microsoft.com/office/drawing/2010/main" w="9525">
+                  <a:solidFill>
+                    <a:srgbClr val="000000"/>
+                  </a:solidFill>
+                  <a:round/>
+                  <a:headEnd/>
+                  <a:tailEnd/>
+                </a14:hiddenLine>
+              </a:ext>
+            </a:extLst>
+          </p:spPr>
+          <p:txBody>
+            <a:bodyPr rot="0" vert="horz" wrap="square" lIns="91440" tIns="45720" rIns="91440" bIns="45720" anchor="t" anchorCtr="0" upright="1">
+              <a:noAutofit/>
+            </a:bodyPr>
+            <a:lstStyle/>
+            <a:p>
+              <a:endParaRPr lang="en-US" dirty="0"/>
+            </a:p>
+          </p:txBody>
+        </p:sp>
+        <p:sp>
+          <p:nvSpPr>
+            <p:cNvPr id="22" name="Freeform 21">
+              <a:extLst>
+                <a:ext uri="{FF2B5EF4-FFF2-40B4-BE49-F238E27FC236}">
+                  <a16:creationId xmlns:a16="http://schemas.microsoft.com/office/drawing/2014/main" id="{7AFEDFB6-3A0E-3FAF-7DD0-97D0441EA183}"/>
+                </a:ext>
+              </a:extLst>
+            </p:cNvPr>
+            <p:cNvSpPr>
+              <a:spLocks/>
+            </p:cNvSpPr>
+            <p:nvPr/>
+          </p:nvSpPr>
+          <p:spPr bwMode="auto">
+            <a:xfrm>
+              <a:off x="1221" y="14675"/>
+              <a:ext cx="2329" cy="1165"/>
+            </a:xfrm>
+            <a:custGeom>
+              <a:avLst/>
+              <a:gdLst>
+                <a:gd name="T0" fmla="+- 0 3550 1221"/>
+                <a:gd name="T1" fmla="*/ T0 w 2329"/>
+                <a:gd name="T2" fmla="+- 0 15840 14676"/>
+                <a:gd name="T3" fmla="*/ 15840 h 1165"/>
+                <a:gd name="T4" fmla="+- 0 2386 1221"/>
+                <a:gd name="T5" fmla="*/ T4 w 2329"/>
+                <a:gd name="T6" fmla="+- 0 14676 14676"/>
+                <a:gd name="T7" fmla="*/ 14676 h 1165"/>
+                <a:gd name="T8" fmla="+- 0 1221 1221"/>
+                <a:gd name="T9" fmla="*/ T8 w 2329"/>
+                <a:gd name="T10" fmla="+- 0 15840 14676"/>
+                <a:gd name="T11" fmla="*/ 15840 h 1165"/>
+                <a:gd name="T12" fmla="+- 0 3550 1221"/>
+                <a:gd name="T13" fmla="*/ T12 w 2329"/>
+                <a:gd name="T14" fmla="+- 0 15840 14676"/>
+                <a:gd name="T15" fmla="*/ 15840 h 1165"/>
+              </a:gdLst>
+              <a:ahLst/>
+              <a:cxnLst>
+                <a:cxn ang="0">
+                  <a:pos x="T1" y="T3"/>
+                </a:cxn>
+                <a:cxn ang="0">
+                  <a:pos x="T5" y="T7"/>
+                </a:cxn>
+                <a:cxn ang="0">
+                  <a:pos x="T9" y="T11"/>
+                </a:cxn>
+                <a:cxn ang="0">
+                  <a:pos x="T13" y="T15"/>
+                </a:cxn>
+              </a:cxnLst>
+              <a:rect l="0" t="0" r="r" b="b"/>
+              <a:pathLst>
+                <a:path w="2329" h="1165">
+                  <a:moveTo>
+                    <a:pt x="2329" y="1164"/>
+                  </a:moveTo>
+                  <a:lnTo>
+                    <a:pt x="1165" y="0"/>
+                  </a:lnTo>
+                  <a:lnTo>
+                    <a:pt x="0" y="1164"/>
+                  </a:lnTo>
+                  <a:lnTo>
+                    <a:pt x="2329" y="1164"/>
+                  </a:lnTo>
+                </a:path>
+              </a:pathLst>
+            </a:custGeom>
+            <a:solidFill>
+              <a:schemeClr val="accent3"/>
+            </a:solidFill>
+            <a:ln>
+              <a:noFill/>
+            </a:ln>
+            <a:extLst>
+              <a:ext uri="{91240B29-F687-4F45-9708-019B960494DF}">
+                <a14:hiddenLine xmlns:a14="http://schemas.microsoft.com/office/drawing/2010/main" w="9525">
+                  <a:solidFill>
+                    <a:srgbClr val="000000"/>
+                  </a:solidFill>
+                  <a:round/>
+                  <a:headEnd/>
+                  <a:tailEnd/>
+                </a14:hiddenLine>
+              </a:ext>
+            </a:extLst>
+          </p:spPr>
+          <p:txBody>
+            <a:bodyPr rot="0" vert="horz" wrap="square" lIns="91440" tIns="45720" rIns="91440" bIns="45720" anchor="t" anchorCtr="0" upright="1">
+              <a:noAutofit/>
+            </a:bodyPr>
+            <a:lstStyle/>
+            <a:p>
+              <a:endParaRPr lang="en-US" dirty="0"/>
+            </a:p>
+          </p:txBody>
+        </p:sp>
+      </p:grpSp>
+      <p:pic>
+        <p:nvPicPr>
+          <p:cNvPr id="9" name="Content Placeholder 8">
+            <a:extLst>
+              <a:ext uri="{FF2B5EF4-FFF2-40B4-BE49-F238E27FC236}">
+                <a16:creationId xmlns:a16="http://schemas.microsoft.com/office/drawing/2014/main" id="{3B9DC5E2-0FFF-844D-AEA7-07B97C317AE3}"/>
+              </a:ext>
+            </a:extLst>
+          </p:cNvPr>
+          <p:cNvPicPr>
+            <a:picLocks noGrp="1" noChangeAspect="1"/>
+          </p:cNvPicPr>
+          <p:nvPr>
+            <p:ph sz="quarter" idx="13"/>
+          </p:nvPr>
+        </p:nvPicPr>
+        <p:blipFill>
+          <a:blip r:embed="rId3"/>
+          <a:stretch>
+            <a:fillRect/>
+          </a:stretch>
+        </p:blipFill>
+        <p:spPr>
+          <a:xfrm>
+            <a:off x="4271944" y="2281238"/>
+            <a:ext cx="6581811" cy="3700462"/>
+          </a:xfrm>
+        </p:spPr>
+      </p:pic>
+    </p:spTree>
+    <p:extLst>
+      <p:ext uri="{BB962C8B-B14F-4D97-AF65-F5344CB8AC3E}">
+        <p14:creationId xmlns:p14="http://schemas.microsoft.com/office/powerpoint/2010/main" val="1137540820"/>
+      </p:ext>
+    </p:extLst>
+  </p:cSld>
+  <p:clrMapOvr>
+    <a:masterClrMapping/>
+  </p:clrMapOvr>
+</p:sld>
+</file>
+
+<file path=ppt/slides/slide11.xml><?xml version="1.0" encoding="utf-8"?>
+<p:sld xmlns:a="http://schemas.openxmlformats.org/drawingml/2006/main" xmlns:r="http://schemas.openxmlformats.org/officeDocument/2006/relationships" xmlns:p="http://schemas.openxmlformats.org/presentationml/2006/main">
+  <p:cSld>
+    <p:spTree>
+      <p:nvGrpSpPr>
+        <p:cNvPr id="1" name="">
+          <a:extLst>
+            <a:ext uri="{FF2B5EF4-FFF2-40B4-BE49-F238E27FC236}">
+              <a16:creationId xmlns:a16="http://schemas.microsoft.com/office/drawing/2014/main" id="{7D6049C3-7B34-4AC9-94A5-A2AFC89C6EF4}"/>
+            </a:ext>
+          </a:extLst>
+        </p:cNvPr>
         <p:cNvGrpSpPr/>
         <p:nvPr/>
       </p:nvGrpSpPr>
@@ -10288,7 +10762,7 @@
           <p:cNvPr id="2" name="Title 1">
             <a:extLst>
               <a:ext uri="{FF2B5EF4-FFF2-40B4-BE49-F238E27FC236}">
-                <a16:creationId xmlns:a16="http://schemas.microsoft.com/office/drawing/2014/main" id="{60BD29B5-1B58-809F-FEA7-B82105E94664}"/>
+                <a16:creationId xmlns:a16="http://schemas.microsoft.com/office/drawing/2014/main" id="{3D4332DA-FF9D-BAFE-150B-BDC52E8F6D47}"/>
               </a:ext>
             </a:extLst>
           </p:cNvPr>
@@ -10299,29 +10773,31 @@
             <p:ph type="title"/>
           </p:nvPr>
         </p:nvSpPr>
-        <p:spPr>
-          <a:xfrm>
-            <a:off x="6318885" y="3499667"/>
-            <a:ext cx="4939666" cy="2542810"/>
-          </a:xfrm>
-        </p:spPr>
+        <p:spPr/>
         <p:txBody>
           <a:bodyPr/>
           <a:lstStyle/>
           <a:p>
             <a:r>
-              <a:rPr lang="en-US" dirty="0"/>
-              <a:t>Navigating Q&amp;A sessions</a:t>
+              <a:rPr lang="en-US" b="0" dirty="0">
+                <a:ea typeface="+mj-lt"/>
+                <a:cs typeface="+mj-lt"/>
+              </a:rPr>
+              <a:t>System Architecture and Technologies Used</a:t>
             </a:r>
+            <a:endParaRPr lang="en-US" dirty="0">
+              <a:ea typeface="+mj-lt"/>
+              <a:cs typeface="+mj-lt"/>
+            </a:endParaRPr>
           </a:p>
         </p:txBody>
       </p:sp>
       <p:sp>
         <p:nvSpPr>
-          <p:cNvPr id="4" name="Content Placeholder 3">
+          <p:cNvPr id="3" name="Content Placeholder 2">
             <a:extLst>
               <a:ext uri="{FF2B5EF4-FFF2-40B4-BE49-F238E27FC236}">
-                <a16:creationId xmlns:a16="http://schemas.microsoft.com/office/drawing/2014/main" id="{07C3632C-2D2E-7026-33B8-EE42DA4BDB5C}"/>
+                <a16:creationId xmlns:a16="http://schemas.microsoft.com/office/drawing/2014/main" id="{EED2B76A-D691-7ADC-06B4-06C9FBD88C14}"/>
               </a:ext>
             </a:extLst>
           </p:cNvPr>
@@ -10329,59 +10805,22 @@
             <a:spLocks noGrp="1"/>
           </p:cNvSpPr>
           <p:nvPr>
-            <p:ph sz="quarter" idx="14"/>
+            <p:ph sz="quarter" idx="13"/>
           </p:nvPr>
         </p:nvSpPr>
-        <p:spPr>
-          <a:xfrm>
-            <a:off x="603885" y="457201"/>
-            <a:ext cx="5198269" cy="2305050"/>
-          </a:xfrm>
-        </p:spPr>
+        <p:spPr/>
         <p:txBody>
           <a:bodyPr/>
           <a:lstStyle/>
           <a:p>
-            <a:endParaRPr lang="en-US" dirty="0"/>
-          </a:p>
-        </p:txBody>
-      </p:sp>
-      <p:sp>
-        <p:nvSpPr>
-          <p:cNvPr id="3" name="Content Placeholder 2">
-            <a:extLst>
-              <a:ext uri="{FF2B5EF4-FFF2-40B4-BE49-F238E27FC236}">
-                <a16:creationId xmlns:a16="http://schemas.microsoft.com/office/drawing/2014/main" id="{8B599B60-BF79-A832-6AD4-6C6FC6CE4317}"/>
-              </a:ext>
-            </a:extLst>
-          </p:cNvPr>
-          <p:cNvSpPr>
-            <a:spLocks noGrp="1"/>
-          </p:cNvSpPr>
-          <p:nvPr>
-            <p:ph sz="quarter" idx="15"/>
-          </p:nvPr>
-        </p:nvSpPr>
-        <p:spPr>
-          <a:xfrm>
-            <a:off x="594360" y="2810595"/>
-            <a:ext cx="5198269" cy="3319513"/>
-          </a:xfrm>
-        </p:spPr>
-        <p:txBody>
-          <a:bodyPr>
-            <a:normAutofit/>
-          </a:bodyPr>
-          <a:lstStyle/>
-          <a:p>
-            <a:endParaRPr lang="en-US" dirty="0"/>
+            <a:endParaRPr lang="en-US"/>
           </a:p>
         </p:txBody>
       </p:sp>
     </p:spTree>
     <p:extLst>
       <p:ext uri="{BB962C8B-B14F-4D97-AF65-F5344CB8AC3E}">
-        <p14:creationId xmlns:p14="http://schemas.microsoft.com/office/powerpoint/2010/main" val="3088225330"/>
+        <p14:creationId xmlns:p14="http://schemas.microsoft.com/office/powerpoint/2010/main" val="2669473244"/>
       </p:ext>
     </p:extLst>
   </p:cSld>
@@ -10391,7 +10830,196 @@
 </p:sld>
 </file>
 
-<file path=ppt/slides/slide11.xml><?xml version="1.0" encoding="utf-8"?>
+<file path=ppt/slides/slide12.xml><?xml version="1.0" encoding="utf-8"?>
+<p:sld xmlns:a="http://schemas.openxmlformats.org/drawingml/2006/main" xmlns:r="http://schemas.openxmlformats.org/officeDocument/2006/relationships" xmlns:p="http://schemas.openxmlformats.org/presentationml/2006/main">
+  <p:cSld>
+    <p:spTree>
+      <p:nvGrpSpPr>
+        <p:cNvPr id="1" name="">
+          <a:extLst>
+            <a:ext uri="{FF2B5EF4-FFF2-40B4-BE49-F238E27FC236}">
+              <a16:creationId xmlns:a16="http://schemas.microsoft.com/office/drawing/2014/main" id="{021D1314-CFC0-2269-9DB6-13EFC8319C67}"/>
+            </a:ext>
+          </a:extLst>
+        </p:cNvPr>
+        <p:cNvGrpSpPr/>
+        <p:nvPr/>
+      </p:nvGrpSpPr>
+      <p:grpSpPr>
+        <a:xfrm>
+          <a:off x="0" y="0"/>
+          <a:ext cx="0" cy="0"/>
+          <a:chOff x="0" y="0"/>
+          <a:chExt cx="0" cy="0"/>
+        </a:xfrm>
+      </p:grpSpPr>
+      <p:sp>
+        <p:nvSpPr>
+          <p:cNvPr id="2" name="Title 1">
+            <a:extLst>
+              <a:ext uri="{FF2B5EF4-FFF2-40B4-BE49-F238E27FC236}">
+                <a16:creationId xmlns:a16="http://schemas.microsoft.com/office/drawing/2014/main" id="{BDD25B5A-063B-B28D-E2CC-14ABCFA9B1A6}"/>
+              </a:ext>
+            </a:extLst>
+          </p:cNvPr>
+          <p:cNvSpPr>
+            <a:spLocks noGrp="1"/>
+          </p:cNvSpPr>
+          <p:nvPr>
+            <p:ph type="title"/>
+          </p:nvPr>
+        </p:nvSpPr>
+        <p:spPr/>
+        <p:txBody>
+          <a:bodyPr/>
+          <a:lstStyle/>
+          <a:p>
+            <a:r>
+              <a:rPr lang="en-US" b="0" dirty="0">
+                <a:ea typeface="+mj-lt"/>
+                <a:cs typeface="+mj-lt"/>
+              </a:rPr>
+              <a:t>Key Features, Use case and Impact</a:t>
+            </a:r>
+            <a:endParaRPr lang="en-US" dirty="0">
+              <a:ea typeface="+mj-lt"/>
+              <a:cs typeface="+mj-lt"/>
+            </a:endParaRPr>
+          </a:p>
+        </p:txBody>
+      </p:sp>
+      <p:sp>
+        <p:nvSpPr>
+          <p:cNvPr id="3" name="Content Placeholder 2">
+            <a:extLst>
+              <a:ext uri="{FF2B5EF4-FFF2-40B4-BE49-F238E27FC236}">
+                <a16:creationId xmlns:a16="http://schemas.microsoft.com/office/drawing/2014/main" id="{6D1D7307-E315-66F3-98EC-55E998BB8349}"/>
+              </a:ext>
+            </a:extLst>
+          </p:cNvPr>
+          <p:cNvSpPr>
+            <a:spLocks noGrp="1"/>
+          </p:cNvSpPr>
+          <p:nvPr>
+            <p:ph sz="quarter" idx="13"/>
+          </p:nvPr>
+        </p:nvSpPr>
+        <p:spPr/>
+        <p:txBody>
+          <a:bodyPr/>
+          <a:lstStyle/>
+          <a:p>
+            <a:endParaRPr lang="en-US"/>
+          </a:p>
+        </p:txBody>
+      </p:sp>
+    </p:spTree>
+    <p:extLst>
+      <p:ext uri="{BB962C8B-B14F-4D97-AF65-F5344CB8AC3E}">
+        <p14:creationId xmlns:p14="http://schemas.microsoft.com/office/powerpoint/2010/main" val="2556481047"/>
+      </p:ext>
+    </p:extLst>
+  </p:cSld>
+  <p:clrMapOvr>
+    <a:masterClrMapping/>
+  </p:clrMapOvr>
+</p:sld>
+</file>
+
+<file path=ppt/slides/slide13.xml><?xml version="1.0" encoding="utf-8"?>
+<p:sld xmlns:a="http://schemas.openxmlformats.org/drawingml/2006/main" xmlns:r="http://schemas.openxmlformats.org/officeDocument/2006/relationships" xmlns:p="http://schemas.openxmlformats.org/presentationml/2006/main">
+  <p:cSld>
+    <p:spTree>
+      <p:nvGrpSpPr>
+        <p:cNvPr id="1" name="">
+          <a:extLst>
+            <a:ext uri="{FF2B5EF4-FFF2-40B4-BE49-F238E27FC236}">
+              <a16:creationId xmlns:a16="http://schemas.microsoft.com/office/drawing/2014/main" id="{6BDD5983-E095-2A56-6D62-5D18168AC099}"/>
+            </a:ext>
+          </a:extLst>
+        </p:cNvPr>
+        <p:cNvGrpSpPr/>
+        <p:nvPr/>
+      </p:nvGrpSpPr>
+      <p:grpSpPr>
+        <a:xfrm>
+          <a:off x="0" y="0"/>
+          <a:ext cx="0" cy="0"/>
+          <a:chOff x="0" y="0"/>
+          <a:chExt cx="0" cy="0"/>
+        </a:xfrm>
+      </p:grpSpPr>
+      <p:sp>
+        <p:nvSpPr>
+          <p:cNvPr id="2" name="Title 1">
+            <a:extLst>
+              <a:ext uri="{FF2B5EF4-FFF2-40B4-BE49-F238E27FC236}">
+                <a16:creationId xmlns:a16="http://schemas.microsoft.com/office/drawing/2014/main" id="{F7CF52E0-2925-AF10-2255-987806D855A1}"/>
+              </a:ext>
+            </a:extLst>
+          </p:cNvPr>
+          <p:cNvSpPr>
+            <a:spLocks noGrp="1"/>
+          </p:cNvSpPr>
+          <p:nvPr>
+            <p:ph type="title"/>
+          </p:nvPr>
+        </p:nvSpPr>
+        <p:spPr/>
+        <p:txBody>
+          <a:bodyPr/>
+          <a:lstStyle/>
+          <a:p>
+            <a:r>
+              <a:rPr lang="en-US" b="0">
+                <a:ea typeface="+mj-lt"/>
+                <a:cs typeface="+mj-lt"/>
+              </a:rPr>
+              <a:t>Challenges and Future Work</a:t>
+            </a:r>
+            <a:endParaRPr lang="en-US"/>
+          </a:p>
+        </p:txBody>
+      </p:sp>
+      <p:sp>
+        <p:nvSpPr>
+          <p:cNvPr id="3" name="Content Placeholder 2">
+            <a:extLst>
+              <a:ext uri="{FF2B5EF4-FFF2-40B4-BE49-F238E27FC236}">
+                <a16:creationId xmlns:a16="http://schemas.microsoft.com/office/drawing/2014/main" id="{B47ED826-A355-6285-59F1-91DC46C03168}"/>
+              </a:ext>
+            </a:extLst>
+          </p:cNvPr>
+          <p:cNvSpPr>
+            <a:spLocks noGrp="1"/>
+          </p:cNvSpPr>
+          <p:nvPr>
+            <p:ph sz="quarter" idx="13"/>
+          </p:nvPr>
+        </p:nvSpPr>
+        <p:spPr/>
+        <p:txBody>
+          <a:bodyPr/>
+          <a:lstStyle/>
+          <a:p>
+            <a:endParaRPr lang="en-US"/>
+          </a:p>
+        </p:txBody>
+      </p:sp>
+    </p:spTree>
+    <p:extLst>
+      <p:ext uri="{BB962C8B-B14F-4D97-AF65-F5344CB8AC3E}">
+        <p14:creationId xmlns:p14="http://schemas.microsoft.com/office/powerpoint/2010/main" val="476344069"/>
+      </p:ext>
+    </p:extLst>
+  </p:cSld>
+  <p:clrMapOvr>
+    <a:masterClrMapping/>
+  </p:clrMapOvr>
+</p:sld>
+</file>
+
+<file path=ppt/slides/slide14.xml><?xml version="1.0" encoding="utf-8"?>
 <p:sld xmlns:a="http://schemas.openxmlformats.org/drawingml/2006/main" xmlns:r="http://schemas.openxmlformats.org/officeDocument/2006/relationships" xmlns:p="http://schemas.openxmlformats.org/presentationml/2006/main">
   <p:cSld>
     <p:spTree>
@@ -10413,7 +11041,7 @@
           <p:cNvPr id="2" name="Title 1">
             <a:extLst>
               <a:ext uri="{FF2B5EF4-FFF2-40B4-BE49-F238E27FC236}">
-                <a16:creationId xmlns:a16="http://schemas.microsoft.com/office/drawing/2014/main" id="{F52A871D-B15E-C971-7C85-0AF173E38781}"/>
+                <a16:creationId xmlns:a16="http://schemas.microsoft.com/office/drawing/2014/main" id="{F0759DC4-8B30-98A0-5BAB-C78BA4A4AD55}"/>
               </a:ext>
             </a:extLst>
           </p:cNvPr>
@@ -10426,8 +11054,8 @@
         </p:nvSpPr>
         <p:spPr>
           <a:xfrm>
-            <a:off x="575310" y="278129"/>
-            <a:ext cx="5063490" cy="2354026"/>
+            <a:off x="594360" y="198408"/>
+            <a:ext cx="10972800" cy="1574317"/>
           </a:xfrm>
         </p:spPr>
         <p:txBody>
@@ -10436,7 +11064,7 @@
           <a:p>
             <a:r>
               <a:rPr lang="en-US" dirty="0"/>
-              <a:t>Speaking impact</a:t>
+              <a:t>Final tips &amp; takeaways</a:t>
             </a:r>
           </a:p>
         </p:txBody>
@@ -10446,7 +11074,7 @@
           <p:cNvPr id="3" name="Content Placeholder 2">
             <a:extLst>
               <a:ext uri="{FF2B5EF4-FFF2-40B4-BE49-F238E27FC236}">
-                <a16:creationId xmlns:a16="http://schemas.microsoft.com/office/drawing/2014/main" id="{34F2E863-4A4C-76FE-444A-083F93043389}"/>
+                <a16:creationId xmlns:a16="http://schemas.microsoft.com/office/drawing/2014/main" id="{4096FB3A-B62C-3DAB-4FD1-B4EBDD650AEF}"/>
               </a:ext>
             </a:extLst>
           </p:cNvPr>
@@ -10454,63 +11082,137 @@
             <a:spLocks noGrp="1"/>
           </p:cNvSpPr>
           <p:nvPr>
-            <p:ph sz="quarter" idx="16"/>
+            <p:ph sz="quarter" idx="13"/>
           </p:nvPr>
         </p:nvSpPr>
         <p:spPr>
           <a:xfrm>
-            <a:off x="593725" y="3279775"/>
-            <a:ext cx="5045075" cy="2994025"/>
+            <a:off x="595523" y="2676525"/>
+            <a:ext cx="5746750" cy="3597470"/>
           </a:xfrm>
         </p:spPr>
         <p:txBody>
-          <a:bodyPr>
-            <a:normAutofit/>
-          </a:bodyPr>
+          <a:bodyPr/>
           <a:lstStyle/>
           <a:p>
+            <a:r>
+              <a:rPr lang="en-US" dirty="0"/>
+              <a:t>Consistent rehearsal</a:t>
+            </a:r>
+          </a:p>
+          <a:p>
+            <a:pPr lvl="1"/>
+            <a:r>
+              <a:rPr lang="en-US" dirty="0"/>
+              <a:t>Strengthen your familiarity</a:t>
+            </a:r>
+          </a:p>
+          <a:p>
+            <a:r>
+              <a:rPr lang="en-US" dirty="0"/>
+              <a:t>Refine delivery style</a:t>
+            </a:r>
+          </a:p>
+          <a:p>
+            <a:pPr lvl="1"/>
+            <a:r>
+              <a:rPr lang="en-US" dirty="0"/>
+              <a:t>Pacing, tone, and emphasis</a:t>
+            </a:r>
+          </a:p>
+          <a:p>
+            <a:r>
+              <a:rPr lang="en-US" dirty="0"/>
+              <a:t>Timing and transitions</a:t>
+            </a:r>
+          </a:p>
+          <a:p>
+            <a:pPr lvl="1"/>
+            <a:r>
+              <a:rPr lang="en-US" dirty="0"/>
+              <a:t>Aim for seamless, professional delivery</a:t>
+            </a:r>
+          </a:p>
+          <a:p>
+            <a:r>
+              <a:rPr lang="en-US" dirty="0"/>
+              <a:t>Practice audience</a:t>
+            </a:r>
+          </a:p>
+          <a:p>
+            <a:pPr lvl="1"/>
+            <a:r>
+              <a:rPr lang="en-US" dirty="0"/>
+              <a:t>Enlist colleagues to listen &amp; provide feedback</a:t>
+            </a:r>
+          </a:p>
+          <a:p>
+            <a:pPr lvl="1"/>
             <a:endParaRPr lang="en-US" dirty="0"/>
           </a:p>
         </p:txBody>
       </p:sp>
-      <p:pic>
-        <p:nvPicPr>
-          <p:cNvPr id="5" name="Picture Placeholder 52" descr="Hanging lightbulbs">
+      <p:sp>
+        <p:nvSpPr>
+          <p:cNvPr id="4" name="Content Placeholder 3">
             <a:extLst>
               <a:ext uri="{FF2B5EF4-FFF2-40B4-BE49-F238E27FC236}">
-                <a16:creationId xmlns:a16="http://schemas.microsoft.com/office/drawing/2014/main" id="{F2B2501C-600C-11B3-1ECD-912D988906A5}"/>
+                <a16:creationId xmlns:a16="http://schemas.microsoft.com/office/drawing/2014/main" id="{43E198AA-251D-4446-30C4-8F2FA7F6A72C}"/>
               </a:ext>
             </a:extLst>
           </p:cNvPr>
-          <p:cNvPicPr>
-            <a:picLocks noGrp="1" noChangeAspect="1"/>
-          </p:cNvPicPr>
+          <p:cNvSpPr>
+            <a:spLocks noGrp="1"/>
+          </p:cNvSpPr>
           <p:nvPr>
-            <p:ph type="pic" sz="quarter" idx="15"/>
+            <p:ph sz="quarter" idx="14"/>
           </p:nvPr>
-        </p:nvPicPr>
-        <p:blipFill>
-          <a:blip r:embed="rId3">
-            <a:extLst>
-              <a:ext uri="{28A0092B-C50C-407E-A947-70E740481C1C}">
-                <a14:useLocalDpi xmlns:a14="http://schemas.microsoft.com/office/drawing/2010/main" val="0"/>
-              </a:ext>
-            </a:extLst>
-          </a:blip>
-          <a:srcRect l="16" r="16"/>
-          <a:stretch/>
-        </p:blipFill>
+        </p:nvSpPr>
         <p:spPr>
           <a:xfrm>
-            <a:off x="6096000" y="0"/>
-            <a:ext cx="6118225" cy="6858000"/>
+            <a:off x="7620000" y="2676525"/>
+            <a:ext cx="3947160" cy="3597470"/>
           </a:xfrm>
         </p:spPr>
-      </p:pic>
+        <p:txBody>
+          <a:bodyPr/>
+          <a:lstStyle/>
+          <a:p>
+            <a:r>
+              <a:rPr lang="en-US" dirty="0"/>
+              <a:t>Seek feedback</a:t>
+            </a:r>
+          </a:p>
+          <a:p>
+            <a:r>
+              <a:rPr lang="en-US" dirty="0"/>
+              <a:t>Reflect on performance</a:t>
+            </a:r>
+          </a:p>
+          <a:p>
+            <a:r>
+              <a:rPr lang="en-US" dirty="0"/>
+              <a:t>Explore new techniques</a:t>
+            </a:r>
+          </a:p>
+          <a:p>
+            <a:r>
+              <a:rPr lang="en-US" dirty="0"/>
+              <a:t>Set personal goals</a:t>
+            </a:r>
+          </a:p>
+          <a:p>
+            <a:r>
+              <a:rPr lang="en-US" dirty="0"/>
+              <a:t>Iterate and adapt</a:t>
+            </a:r>
+          </a:p>
+        </p:txBody>
+      </p:sp>
     </p:spTree>
     <p:extLst>
       <p:ext uri="{BB962C8B-B14F-4D97-AF65-F5344CB8AC3E}">
-        <p14:creationId xmlns:p14="http://schemas.microsoft.com/office/powerpoint/2010/main" val="298364507"/>
+        <p14:creationId xmlns:p14="http://schemas.microsoft.com/office/powerpoint/2010/main" val="1850768898"/>
       </p:ext>
     </p:extLst>
   </p:cSld>
@@ -10520,7 +11222,7 @@
 </p:sld>
 </file>
 
-<file path=ppt/slides/slide12.xml><?xml version="1.0" encoding="utf-8"?>
+<file path=ppt/slides/slide15.xml><?xml version="1.0" encoding="utf-8"?>
 <p:sld xmlns:a="http://schemas.openxmlformats.org/drawingml/2006/main" xmlns:r="http://schemas.openxmlformats.org/officeDocument/2006/relationships" xmlns:p="http://schemas.openxmlformats.org/presentationml/2006/main">
   <p:cSld>
     <p:spTree>
@@ -10542,209 +11244,6 @@
           <p:cNvPr id="2" name="Title 1">
             <a:extLst>
               <a:ext uri="{FF2B5EF4-FFF2-40B4-BE49-F238E27FC236}">
-                <a16:creationId xmlns:a16="http://schemas.microsoft.com/office/drawing/2014/main" id="{F0759DC4-8B30-98A0-5BAB-C78BA4A4AD55}"/>
-              </a:ext>
-            </a:extLst>
-          </p:cNvPr>
-          <p:cNvSpPr>
-            <a:spLocks noGrp="1"/>
-          </p:cNvSpPr>
-          <p:nvPr>
-            <p:ph type="title"/>
-          </p:nvPr>
-        </p:nvSpPr>
-        <p:spPr>
-          <a:xfrm>
-            <a:off x="594360" y="198408"/>
-            <a:ext cx="10972800" cy="1574317"/>
-          </a:xfrm>
-        </p:spPr>
-        <p:txBody>
-          <a:bodyPr/>
-          <a:lstStyle/>
-          <a:p>
-            <a:r>
-              <a:rPr lang="en-US" dirty="0"/>
-              <a:t>Final tips &amp; takeaways</a:t>
-            </a:r>
-          </a:p>
-        </p:txBody>
-      </p:sp>
-      <p:sp>
-        <p:nvSpPr>
-          <p:cNvPr id="3" name="Content Placeholder 2">
-            <a:extLst>
-              <a:ext uri="{FF2B5EF4-FFF2-40B4-BE49-F238E27FC236}">
-                <a16:creationId xmlns:a16="http://schemas.microsoft.com/office/drawing/2014/main" id="{4096FB3A-B62C-3DAB-4FD1-B4EBDD650AEF}"/>
-              </a:ext>
-            </a:extLst>
-          </p:cNvPr>
-          <p:cNvSpPr>
-            <a:spLocks noGrp="1"/>
-          </p:cNvSpPr>
-          <p:nvPr>
-            <p:ph sz="quarter" idx="13"/>
-          </p:nvPr>
-        </p:nvSpPr>
-        <p:spPr>
-          <a:xfrm>
-            <a:off x="595523" y="2676525"/>
-            <a:ext cx="5746750" cy="3597470"/>
-          </a:xfrm>
-        </p:spPr>
-        <p:txBody>
-          <a:bodyPr/>
-          <a:lstStyle/>
-          <a:p>
-            <a:r>
-              <a:rPr lang="en-US" dirty="0"/>
-              <a:t>Consistent rehearsal</a:t>
-            </a:r>
-          </a:p>
-          <a:p>
-            <a:pPr lvl="1"/>
-            <a:r>
-              <a:rPr lang="en-US" dirty="0"/>
-              <a:t>Strengthen your familiarity</a:t>
-            </a:r>
-          </a:p>
-          <a:p>
-            <a:r>
-              <a:rPr lang="en-US" dirty="0"/>
-              <a:t>Refine delivery style</a:t>
-            </a:r>
-          </a:p>
-          <a:p>
-            <a:pPr lvl="1"/>
-            <a:r>
-              <a:rPr lang="en-US" dirty="0"/>
-              <a:t>Pacing, tone, and emphasis</a:t>
-            </a:r>
-          </a:p>
-          <a:p>
-            <a:r>
-              <a:rPr lang="en-US" dirty="0"/>
-              <a:t>Timing and transitions</a:t>
-            </a:r>
-          </a:p>
-          <a:p>
-            <a:pPr lvl="1"/>
-            <a:r>
-              <a:rPr lang="en-US" dirty="0"/>
-              <a:t>Aim for seamless, professional delivery</a:t>
-            </a:r>
-          </a:p>
-          <a:p>
-            <a:r>
-              <a:rPr lang="en-US" dirty="0"/>
-              <a:t>Practice audience</a:t>
-            </a:r>
-          </a:p>
-          <a:p>
-            <a:pPr lvl="1"/>
-            <a:r>
-              <a:rPr lang="en-US" dirty="0"/>
-              <a:t>Enlist colleagues to listen &amp; provide feedback</a:t>
-            </a:r>
-          </a:p>
-          <a:p>
-            <a:pPr lvl="1"/>
-            <a:endParaRPr lang="en-US" dirty="0"/>
-          </a:p>
-        </p:txBody>
-      </p:sp>
-      <p:sp>
-        <p:nvSpPr>
-          <p:cNvPr id="4" name="Content Placeholder 3">
-            <a:extLst>
-              <a:ext uri="{FF2B5EF4-FFF2-40B4-BE49-F238E27FC236}">
-                <a16:creationId xmlns:a16="http://schemas.microsoft.com/office/drawing/2014/main" id="{43E198AA-251D-4446-30C4-8F2FA7F6A72C}"/>
-              </a:ext>
-            </a:extLst>
-          </p:cNvPr>
-          <p:cNvSpPr>
-            <a:spLocks noGrp="1"/>
-          </p:cNvSpPr>
-          <p:nvPr>
-            <p:ph sz="quarter" idx="14"/>
-          </p:nvPr>
-        </p:nvSpPr>
-        <p:spPr>
-          <a:xfrm>
-            <a:off x="7620000" y="2676525"/>
-            <a:ext cx="3947160" cy="3597470"/>
-          </a:xfrm>
-        </p:spPr>
-        <p:txBody>
-          <a:bodyPr/>
-          <a:lstStyle/>
-          <a:p>
-            <a:r>
-              <a:rPr lang="en-US" dirty="0"/>
-              <a:t>Seek feedback</a:t>
-            </a:r>
-          </a:p>
-          <a:p>
-            <a:r>
-              <a:rPr lang="en-US" dirty="0"/>
-              <a:t>Reflect on performance</a:t>
-            </a:r>
-          </a:p>
-          <a:p>
-            <a:r>
-              <a:rPr lang="en-US" dirty="0"/>
-              <a:t>Explore new techniques</a:t>
-            </a:r>
-          </a:p>
-          <a:p>
-            <a:r>
-              <a:rPr lang="en-US" dirty="0"/>
-              <a:t>Set personal goals</a:t>
-            </a:r>
-          </a:p>
-          <a:p>
-            <a:r>
-              <a:rPr lang="en-US" dirty="0"/>
-              <a:t>Iterate and adapt</a:t>
-            </a:r>
-          </a:p>
-        </p:txBody>
-      </p:sp>
-    </p:spTree>
-    <p:extLst>
-      <p:ext uri="{BB962C8B-B14F-4D97-AF65-F5344CB8AC3E}">
-        <p14:creationId xmlns:p14="http://schemas.microsoft.com/office/powerpoint/2010/main" val="1850768898"/>
-      </p:ext>
-    </p:extLst>
-  </p:cSld>
-  <p:clrMapOvr>
-    <a:masterClrMapping/>
-  </p:clrMapOvr>
-</p:sld>
-</file>
-
-<file path=ppt/slides/slide13.xml><?xml version="1.0" encoding="utf-8"?>
-<p:sld xmlns:a="http://schemas.openxmlformats.org/drawingml/2006/main" xmlns:r="http://schemas.openxmlformats.org/officeDocument/2006/relationships" xmlns:p="http://schemas.openxmlformats.org/presentationml/2006/main">
-  <p:cSld>
-    <p:spTree>
-      <p:nvGrpSpPr>
-        <p:cNvPr id="1" name=""/>
-        <p:cNvGrpSpPr/>
-        <p:nvPr/>
-      </p:nvGrpSpPr>
-      <p:grpSpPr>
-        <a:xfrm>
-          <a:off x="0" y="0"/>
-          <a:ext cx="0" cy="0"/>
-          <a:chOff x="0" y="0"/>
-          <a:chExt cx="0" cy="0"/>
-        </a:xfrm>
-      </p:grpSpPr>
-      <p:sp>
-        <p:nvSpPr>
-          <p:cNvPr id="2" name="Title 1">
-            <a:extLst>
-              <a:ext uri="{FF2B5EF4-FFF2-40B4-BE49-F238E27FC236}">
                 <a16:creationId xmlns:a16="http://schemas.microsoft.com/office/drawing/2014/main" id="{F810C1B7-6E4E-3DEE-50C0-1CA3B14303EE}"/>
               </a:ext>
             </a:extLst>
@@ -10796,11 +11295,17 @@
           </a:xfrm>
         </p:spPr>
         <p:txBody>
-          <a:bodyPr/>
+          <a:bodyPr vert="horz" lIns="0" tIns="0" rIns="0" bIns="0" rtlCol="0" anchor="t">
+            <a:noAutofit/>
+          </a:bodyPr>
           <a:lstStyle/>
           <a:p>
             <a:r>
-              <a:rPr lang="en-US" dirty="0"/>
+              <a:rPr lang="en-US" dirty="0">
+                <a:solidFill>
+                  <a:srgbClr val="132602"/>
+                </a:solidFill>
+              </a:rPr>
               <a:t>Team 4</a:t>
             </a:r>
           </a:p>
@@ -10861,7 +11366,7 @@
         <p:spPr>
           <a:xfrm>
             <a:off x="594360" y="189572"/>
-            <a:ext cx="6787747" cy="1593507"/>
+            <a:ext cx="9792614" cy="1521621"/>
           </a:xfrm>
         </p:spPr>
         <p:txBody>
@@ -10869,9 +11374,41 @@
           <a:lstStyle/>
           <a:p>
             <a:r>
-              <a:rPr lang="en-US" dirty="0"/>
-              <a:t>Members</a:t>
+              <a:rPr lang="en-US" sz="3600" b="0" dirty="0">
+                <a:solidFill>
+                  <a:srgbClr val="000000"/>
+                </a:solidFill>
+              </a:rPr>
+              <a:t>Topic: AI-Powered Multi-Agent Tutoring System</a:t>
             </a:r>
+            <a:endParaRPr lang="en-US" sz="3600" b="0" dirty="0">
+              <a:solidFill>
+                <a:srgbClr val="FFFFFF"/>
+              </a:solidFill>
+            </a:endParaRPr>
+          </a:p>
+          <a:p>
+            <a:r>
+              <a:rPr lang="en-US" sz="3600" b="0" dirty="0">
+                <a:solidFill>
+                  <a:srgbClr val="000000"/>
+                </a:solidFill>
+              </a:rPr>
+              <a:t>Enhancing Learning through AI </a:t>
+            </a:r>
+            <a:r>
+              <a:rPr lang="en-US" sz="3600" b="0">
+                <a:solidFill>
+                  <a:srgbClr val="000000"/>
+                </a:solidFill>
+              </a:rPr>
+              <a:t>Collaboration</a:t>
+            </a:r>
+            <a:endParaRPr lang="en-US" sz="3600" b="0">
+              <a:solidFill>
+                <a:srgbClr val="FFFFFF"/>
+              </a:solidFill>
+            </a:endParaRPr>
           </a:p>
         </p:txBody>
       </p:sp>
@@ -10898,31 +11435,144 @@
           </a:xfrm>
         </p:spPr>
         <p:txBody>
-          <a:bodyPr tIns="457200"/>
+          <a:bodyPr vert="horz" lIns="0" tIns="457200" rIns="0" bIns="0" rtlCol="0" anchor="t">
+            <a:normAutofit/>
+          </a:bodyPr>
           <a:lstStyle/>
           <a:p>
+            <a:pPr marL="0" indent="0">
+              <a:buNone/>
+            </a:pPr>
             <a:r>
-              <a:rPr lang="en-US" dirty="0"/>
+              <a:rPr lang="en-US">
+                <a:solidFill>
+                  <a:srgbClr val="132602"/>
+                </a:solidFill>
+              </a:rPr>
+              <a:t>Members</a:t>
+            </a:r>
+          </a:p>
+          <a:p>
+            <a:pPr marL="283210" indent="-283210"/>
+            <a:r>
+              <a:rPr lang="en-US">
+                <a:solidFill>
+                  <a:srgbClr val="132602"/>
+                </a:solidFill>
+              </a:rPr>
               <a:t>Megha Narendra Simha</a:t>
             </a:r>
           </a:p>
           <a:p>
+            <a:pPr marL="283210" indent="-283210"/>
             <a:r>
-              <a:rPr lang="en-US" dirty="0"/>
+              <a:rPr lang="en-US" dirty="0">
+                <a:solidFill>
+                  <a:srgbClr val="132602"/>
+                </a:solidFill>
+              </a:rPr>
               <a:t>Neha Arora</a:t>
             </a:r>
           </a:p>
           <a:p>
+            <a:pPr marL="283210" indent="-283210"/>
             <a:r>
-              <a:rPr lang="en-US" dirty="0"/>
+              <a:rPr lang="en-US">
+                <a:solidFill>
+                  <a:srgbClr val="132602"/>
+                </a:solidFill>
+              </a:rPr>
               <a:t>Pratham Balaji</a:t>
             </a:r>
           </a:p>
           <a:p>
+            <a:pPr marL="283210" indent="-283210"/>
             <a:r>
-              <a:rPr lang="en-US" dirty="0"/>
+              <a:rPr lang="en-US" dirty="0">
+                <a:solidFill>
+                  <a:srgbClr val="132602"/>
+                </a:solidFill>
+              </a:rPr>
               <a:t>Eshwar</a:t>
             </a:r>
+          </a:p>
+        </p:txBody>
+      </p:sp>
+      <p:sp>
+        <p:nvSpPr>
+          <p:cNvPr id="4" name="TextBox 3">
+            <a:extLst>
+              <a:ext uri="{FF2B5EF4-FFF2-40B4-BE49-F238E27FC236}">
+                <a16:creationId xmlns:a16="http://schemas.microsoft.com/office/drawing/2014/main" id="{A2D4A2DF-FB67-45F4-71BD-0BA6EE1960C0}"/>
+              </a:ext>
+            </a:extLst>
+          </p:cNvPr>
+          <p:cNvSpPr txBox="1"/>
+          <p:nvPr/>
+        </p:nvSpPr>
+        <p:spPr>
+          <a:xfrm>
+            <a:off x="7226060" y="3200400"/>
+            <a:ext cx="4756030" cy="1568635"/>
+          </a:xfrm>
+          <a:prstGeom prst="rect">
+            <a:avLst/>
+          </a:prstGeom>
+          <a:noFill/>
+        </p:spPr>
+        <p:txBody>
+          <a:bodyPr rot="0" spcFirstLastPara="0" vertOverflow="overflow" horzOverflow="overflow" vert="horz" wrap="square" lIns="91440" tIns="45720" rIns="91440" bIns="45720" numCol="1" spcCol="0" rtlCol="0" fromWordArt="0" anchor="t" anchorCtr="0" forceAA="0" compatLnSpc="1">
+            <a:prstTxWarp prst="textNoShape">
+              <a:avLst/>
+            </a:prstTxWarp>
+            <a:spAutoFit/>
+          </a:bodyPr>
+          <a:lstStyle/>
+          <a:p>
+            <a:pPr>
+              <a:lnSpc>
+                <a:spcPts val="2325"/>
+              </a:lnSpc>
+            </a:pPr>
+            <a:r>
+              <a:rPr lang="en-US" sz="3600" dirty="0">
+                <a:latin typeface="Franklin Gothic Demi"/>
+                <a:cs typeface="Segoe UI"/>
+              </a:rPr>
+              <a:t>AI-Powered Multi-Agent Tutoring System​</a:t>
+            </a:r>
+            <a:endParaRPr lang="en-US"/>
+          </a:p>
+          <a:p>
+            <a:pPr>
+              <a:lnSpc>
+                <a:spcPct val="80000"/>
+              </a:lnSpc>
+              <a:spcBef>
+                <a:spcPct val="0"/>
+              </a:spcBef>
+            </a:pPr>
+            <a:r>
+              <a:rPr lang="en-US" sz="3600" dirty="0" err="1">
+                <a:solidFill>
+                  <a:srgbClr val="FFFFFF"/>
+                </a:solidFill>
+                <a:latin typeface="Franklin Gothic Demi"/>
+                <a:cs typeface="Segoe UI"/>
+              </a:rPr>
+              <a:t>cing</a:t>
+            </a:r>
+            <a:r>
+              <a:rPr lang="en-US" sz="3600" dirty="0">
+                <a:latin typeface="Franklin Gothic Demi"/>
+                <a:cs typeface="Segoe UI"/>
+              </a:rPr>
+              <a:t> Learning through AI Collaboration</a:t>
+            </a:r>
+            <a:endParaRPr lang="en-US">
+              <a:latin typeface="Franklin Gothic Book"/>
+              <a:cs typeface="Segoe UI"/>
+            </a:endParaRPr>
           </a:p>
         </p:txBody>
       </p:sp>
@@ -10975,7 +11625,7 @@
         <p:spPr>
           <a:xfrm>
             <a:off x="594360" y="189572"/>
-            <a:ext cx="6787747" cy="1593507"/>
+            <a:ext cx="6787747" cy="775063"/>
           </a:xfrm>
         </p:spPr>
         <p:txBody>
@@ -11007,40 +11657,109 @@
         </p:nvSpPr>
         <p:spPr>
           <a:xfrm>
-            <a:off x="593725" y="2281238"/>
-            <a:ext cx="6788150" cy="3709987"/>
+            <a:off x="3472392" y="1138238"/>
+            <a:ext cx="9412816" cy="5177542"/>
           </a:xfrm>
         </p:spPr>
         <p:txBody>
-          <a:bodyPr tIns="457200"/>
+          <a:bodyPr vert="horz" lIns="0" tIns="457200" rIns="0" bIns="0" rtlCol="0" anchor="t">
+            <a:noAutofit/>
+          </a:bodyPr>
           <a:lstStyle/>
           <a:p>
+            <a:pPr marL="283210" indent="-283210"/>
             <a:r>
-              <a:rPr lang="en-US" dirty="0"/>
+              <a:rPr lang="en-US" sz="2000" dirty="0">
+                <a:solidFill>
+                  <a:srgbClr val="132602"/>
+                </a:solidFill>
+                <a:ea typeface="+mn-lt"/>
+                <a:cs typeface="+mn-lt"/>
+              </a:rPr>
               <a:t>Introduction</a:t>
             </a:r>
           </a:p>
           <a:p>
+            <a:pPr marL="283210" indent="-283210"/>
             <a:r>
-              <a:rPr lang="en-US" dirty="0"/>
-              <a:t>Building confidence</a:t>
+              <a:rPr lang="en-US" sz="2000" dirty="0">
+                <a:solidFill>
+                  <a:srgbClr val="132602"/>
+                </a:solidFill>
+                <a:ea typeface="+mn-lt"/>
+                <a:cs typeface="+mn-lt"/>
+              </a:rPr>
+              <a:t>Problem Statement</a:t>
             </a:r>
-          </a:p>
-          <a:p>
+            <a:endParaRPr lang="en-US" sz="2000" dirty="0">
+              <a:solidFill>
+                <a:srgbClr val="132602"/>
+              </a:solidFill>
+            </a:endParaRPr>
+          </a:p>
+          <a:p>
+            <a:pPr marL="283210" indent="-283210"/>
             <a:r>
-              <a:rPr lang="en-US" dirty="0"/>
-              <a:t>Engaging the audience</a:t>
+              <a:rPr lang="en-US" sz="2000" dirty="0">
+                <a:solidFill>
+                  <a:srgbClr val="132602"/>
+                </a:solidFill>
+                <a:ea typeface="+mn-lt"/>
+                <a:cs typeface="+mn-lt"/>
+              </a:rPr>
+              <a:t>Solution Overview</a:t>
             </a:r>
           </a:p>
           <a:p>
+            <a:pPr marL="283210" indent="-283210"/>
             <a:r>
-              <a:rPr lang="en-US" dirty="0"/>
-              <a:t>Visual aids</a:t>
+              <a:rPr lang="en-US" sz="2000" dirty="0">
+                <a:solidFill>
+                  <a:srgbClr val="132602"/>
+                </a:solidFill>
+                <a:ea typeface="+mn-lt"/>
+                <a:cs typeface="+mn-lt"/>
+              </a:rPr>
+              <a:t>System Architecture and Technologies Used</a:t>
             </a:r>
           </a:p>
           <a:p>
+            <a:pPr marL="283210" indent="-283210"/>
             <a:r>
-              <a:rPr lang="en-US" dirty="0"/>
+              <a:rPr lang="en-US" sz="2000" dirty="0">
+                <a:solidFill>
+                  <a:srgbClr val="132602"/>
+                </a:solidFill>
+                <a:ea typeface="+mn-lt"/>
+                <a:cs typeface="+mn-lt"/>
+              </a:rPr>
+              <a:t>Key Features, Use case and Impact</a:t>
+            </a:r>
+            <a:endParaRPr lang="en-US" sz="2000" dirty="0">
+              <a:solidFill>
+                <a:srgbClr val="132602"/>
+              </a:solidFill>
+            </a:endParaRPr>
+          </a:p>
+          <a:p>
+            <a:pPr marL="283210" indent="-283210"/>
+            <a:r>
+              <a:rPr lang="en-US" sz="2000" dirty="0">
+                <a:solidFill>
+                  <a:srgbClr val="132602"/>
+                </a:solidFill>
+              </a:rPr>
+              <a:t>Challenge and Future Work</a:t>
+            </a:r>
+          </a:p>
+          <a:p>
+            <a:pPr marL="283210" indent="-283210"/>
+            <a:r>
+              <a:rPr lang="en-US" sz="2000" dirty="0">
+                <a:solidFill>
+                  <a:srgbClr val="132602"/>
+                </a:solidFill>
+              </a:rPr>
               <a:t>Final tips &amp; takeaways</a:t>
             </a:r>
           </a:p>
@@ -11076,46 +11795,232 @@
           <a:chExt cx="0" cy="0"/>
         </a:xfrm>
       </p:grpSpPr>
-      <p:pic>
-        <p:nvPicPr>
-          <p:cNvPr id="11" name="Picture Placeholder 10" descr="A close-up of a plant">
+      <p:sp>
+        <p:nvSpPr>
+          <p:cNvPr id="2" name="Title 1">
             <a:extLst>
               <a:ext uri="{FF2B5EF4-FFF2-40B4-BE49-F238E27FC236}">
-                <a16:creationId xmlns:a16="http://schemas.microsoft.com/office/drawing/2014/main" id="{8DB431A1-9806-9CFE-0E5F-1A5611C2A666}"/>
+                <a16:creationId xmlns:a16="http://schemas.microsoft.com/office/drawing/2014/main" id="{33C1C790-F44D-BCEE-ACF4-477612AF2ADC}"/>
               </a:ext>
             </a:extLst>
           </p:cNvPr>
-          <p:cNvPicPr>
-            <a:picLocks noGrp="1" noChangeAspect="1"/>
-          </p:cNvPicPr>
+          <p:cNvSpPr>
+            <a:spLocks noGrp="1"/>
+          </p:cNvSpPr>
           <p:nvPr>
-            <p:ph type="pic" sz="quarter" idx="13"/>
+            <p:ph type="title"/>
           </p:nvPr>
-        </p:nvPicPr>
-        <p:blipFill>
-          <a:blip r:embed="rId3">
-            <a:extLst>
-              <a:ext uri="{28A0092B-C50C-407E-A947-70E740481C1C}">
-                <a14:useLocalDpi xmlns:a14="http://schemas.microsoft.com/office/drawing/2010/main" val="0"/>
-              </a:ext>
-            </a:extLst>
-          </a:blip>
-          <a:srcRect l="23" r="23"/>
-          <a:stretch/>
-        </p:blipFill>
+        </p:nvSpPr>
+        <p:spPr/>
+        <p:txBody>
+          <a:bodyPr/>
+          <a:lstStyle/>
+          <a:p>
+            <a:r>
+              <a:rPr lang="en-US" b="0" dirty="0">
+                <a:ea typeface="+mj-lt"/>
+                <a:cs typeface="+mj-lt"/>
+              </a:rPr>
+              <a:t>Introduction</a:t>
+            </a:r>
+            <a:endParaRPr lang="en-US" dirty="0">
+              <a:ea typeface="+mj-lt"/>
+              <a:cs typeface="+mj-lt"/>
+            </a:endParaRPr>
+          </a:p>
+        </p:txBody>
+      </p:sp>
+      <p:sp>
+        <p:nvSpPr>
+          <p:cNvPr id="3" name="Content Placeholder 2">
+            <a:extLst>
+              <a:ext uri="{FF2B5EF4-FFF2-40B4-BE49-F238E27FC236}">
+                <a16:creationId xmlns:a16="http://schemas.microsoft.com/office/drawing/2014/main" id="{68BD034A-DE4B-5A84-E259-AEC668839FD1}"/>
+              </a:ext>
+            </a:extLst>
+          </p:cNvPr>
+          <p:cNvSpPr>
+            <a:spLocks noGrp="1"/>
+          </p:cNvSpPr>
+          <p:nvPr>
+            <p:ph sz="quarter" idx="13"/>
+          </p:nvPr>
+        </p:nvSpPr>
         <p:spPr>
           <a:xfrm>
-            <a:off x="0" y="0"/>
-            <a:ext cx="12192000" cy="6880225"/>
+            <a:off x="594359" y="2281918"/>
+            <a:ext cx="8918524" cy="3708517"/>
           </a:xfrm>
         </p:spPr>
-      </p:pic>
+        <p:txBody>
+          <a:bodyPr vert="horz" lIns="0" tIns="228600" rIns="0" bIns="0" rtlCol="0" anchor="t">
+            <a:normAutofit fontScale="85000" lnSpcReduction="20000"/>
+          </a:bodyPr>
+          <a:lstStyle/>
+          <a:p>
+            <a:pPr marL="0" indent="0">
+              <a:buNone/>
+            </a:pPr>
+            <a:r>
+              <a:rPr lang="en-US">
+                <a:solidFill>
+                  <a:srgbClr val="132602"/>
+                </a:solidFill>
+                <a:ea typeface="+mn-lt"/>
+                <a:cs typeface="+mn-lt"/>
+              </a:rPr>
+              <a:t>Overview of the Project:</a:t>
+            </a:r>
+            <a:endParaRPr lang="en-US">
+              <a:solidFill>
+                <a:srgbClr val="132602"/>
+              </a:solidFill>
+            </a:endParaRPr>
+          </a:p>
+          <a:p>
+            <a:pPr marL="283210" indent="-283210"/>
+            <a:r>
+              <a:rPr lang="en-US" b="0">
+                <a:solidFill>
+                  <a:srgbClr val="132602"/>
+                </a:solidFill>
+                <a:ea typeface="+mn-lt"/>
+                <a:cs typeface="+mn-lt"/>
+              </a:rPr>
+              <a:t>This project aims to create an AI-powered tutoring system designed to offer personalized learning experiences for students.</a:t>
+            </a:r>
+            <a:endParaRPr lang="en-US">
+              <a:solidFill>
+                <a:srgbClr val="132602"/>
+              </a:solidFill>
+            </a:endParaRPr>
+          </a:p>
+          <a:p>
+            <a:pPr marL="283210" indent="-283210"/>
+            <a:r>
+              <a:rPr lang="en-US" b="0">
+                <a:solidFill>
+                  <a:srgbClr val="132602"/>
+                </a:solidFill>
+                <a:ea typeface="+mn-lt"/>
+                <a:cs typeface="+mn-lt"/>
+              </a:rPr>
+              <a:t>It leverages multi-agent collaboration where different AI agents (instructors, peers, and progress trackers) work together.</a:t>
+            </a:r>
+            <a:endParaRPr lang="en-US">
+              <a:solidFill>
+                <a:srgbClr val="132602"/>
+              </a:solidFill>
+            </a:endParaRPr>
+          </a:p>
+          <a:p>
+            <a:pPr marL="0" indent="0">
+              <a:buNone/>
+            </a:pPr>
+            <a:r>
+              <a:rPr lang="en-US">
+                <a:solidFill>
+                  <a:srgbClr val="132602"/>
+                </a:solidFill>
+                <a:ea typeface="+mn-lt"/>
+                <a:cs typeface="+mn-lt"/>
+              </a:rPr>
+              <a:t>Purpose:</a:t>
+            </a:r>
+            <a:endParaRPr lang="en-US">
+              <a:solidFill>
+                <a:srgbClr val="132602"/>
+              </a:solidFill>
+            </a:endParaRPr>
+          </a:p>
+          <a:p>
+            <a:pPr marL="283210" indent="-283210"/>
+            <a:r>
+              <a:rPr lang="en-US" b="0">
+                <a:solidFill>
+                  <a:srgbClr val="132602"/>
+                </a:solidFill>
+                <a:ea typeface="+mn-lt"/>
+                <a:cs typeface="+mn-lt"/>
+              </a:rPr>
+              <a:t>To enhance traditional tutoring methods by integrating AI-driven, scalable learning solutions.</a:t>
+            </a:r>
+            <a:endParaRPr lang="en-US">
+              <a:solidFill>
+                <a:srgbClr val="132602"/>
+              </a:solidFill>
+            </a:endParaRPr>
+          </a:p>
+          <a:p>
+            <a:pPr marL="283210" indent="-283210"/>
+            <a:r>
+              <a:rPr lang="en-US" b="0">
+                <a:solidFill>
+                  <a:srgbClr val="132602"/>
+                </a:solidFill>
+                <a:ea typeface="+mn-lt"/>
+                <a:cs typeface="+mn-lt"/>
+              </a:rPr>
+              <a:t>Allow for interdisciplinary connections between different subjects, aiding students in their learning journey.</a:t>
+            </a:r>
+            <a:endParaRPr lang="en-US">
+              <a:solidFill>
+                <a:srgbClr val="132602"/>
+              </a:solidFill>
+            </a:endParaRPr>
+          </a:p>
+          <a:p>
+            <a:pPr marL="283210" indent="-283210"/>
+            <a:endParaRPr lang="en-US" dirty="0">
+              <a:solidFill>
+                <a:srgbClr val="132602"/>
+              </a:solidFill>
+            </a:endParaRPr>
+          </a:p>
+        </p:txBody>
+      </p:sp>
+    </p:spTree>
+    <p:extLst>
+      <p:ext uri="{BB962C8B-B14F-4D97-AF65-F5344CB8AC3E}">
+        <p14:creationId xmlns:p14="http://schemas.microsoft.com/office/powerpoint/2010/main" val="2570524255"/>
+      </p:ext>
+    </p:extLst>
+  </p:cSld>
+  <p:clrMapOvr>
+    <a:masterClrMapping/>
+  </p:clrMapOvr>
+</p:sld>
+</file>
+
+<file path=ppt/slides/slide5.xml><?xml version="1.0" encoding="utf-8"?>
+<p:sld xmlns:a="http://schemas.openxmlformats.org/drawingml/2006/main" xmlns:r="http://schemas.openxmlformats.org/officeDocument/2006/relationships" xmlns:p="http://schemas.openxmlformats.org/presentationml/2006/main">
+  <p:cSld>
+    <p:spTree>
+      <p:nvGrpSpPr>
+        <p:cNvPr id="1" name="">
+          <a:extLst>
+            <a:ext uri="{FF2B5EF4-FFF2-40B4-BE49-F238E27FC236}">
+              <a16:creationId xmlns:a16="http://schemas.microsoft.com/office/drawing/2014/main" id="{84399A8A-F3AB-9936-EE79-15E97BFDC073}"/>
+            </a:ext>
+          </a:extLst>
+        </p:cNvPr>
+        <p:cNvGrpSpPr/>
+        <p:nvPr/>
+      </p:nvGrpSpPr>
+      <p:grpSpPr>
+        <a:xfrm>
+          <a:off x="0" y="0"/>
+          <a:ext cx="0" cy="0"/>
+          <a:chOff x="0" y="0"/>
+          <a:chExt cx="0" cy="0"/>
+        </a:xfrm>
+      </p:grpSpPr>
       <p:sp>
         <p:nvSpPr>
-          <p:cNvPr id="3" name="Title 2">
+          <p:cNvPr id="2" name="Title 1">
             <a:extLst>
               <a:ext uri="{FF2B5EF4-FFF2-40B4-BE49-F238E27FC236}">
-                <a16:creationId xmlns:a16="http://schemas.microsoft.com/office/drawing/2014/main" id="{9C37279A-330D-886F-340D-494A5005E5FC}"/>
+                <a16:creationId xmlns:a16="http://schemas.microsoft.com/office/drawing/2014/main" id="{06AFDCE7-41BB-7285-2A79-7298D9799CFE}"/>
               </a:ext>
             </a:extLst>
           </p:cNvPr>
@@ -11128,22 +12033,237 @@
         </p:nvSpPr>
         <p:spPr>
           <a:xfrm>
-            <a:off x="6309359" y="444933"/>
-            <a:ext cx="5477479" cy="3291840"/>
+            <a:off x="298027" y="189572"/>
+            <a:ext cx="6787747" cy="859730"/>
           </a:xfrm>
         </p:spPr>
         <p:txBody>
           <a:bodyPr/>
           <a:lstStyle/>
           <a:p>
-            <a:endParaRPr lang="en-US" dirty="0"/>
+            <a:r>
+              <a:rPr lang="en-US" b="0" dirty="0">
+                <a:ea typeface="+mj-lt"/>
+                <a:cs typeface="+mj-lt"/>
+              </a:rPr>
+              <a:t>Problem Statement</a:t>
+            </a:r>
+            <a:endParaRPr lang="en-US" dirty="0">
+              <a:ea typeface="+mj-lt"/>
+              <a:cs typeface="+mj-lt"/>
+            </a:endParaRPr>
+          </a:p>
+        </p:txBody>
+      </p:sp>
+      <p:sp>
+        <p:nvSpPr>
+          <p:cNvPr id="3" name="Content Placeholder 2">
+            <a:extLst>
+              <a:ext uri="{FF2B5EF4-FFF2-40B4-BE49-F238E27FC236}">
+                <a16:creationId xmlns:a16="http://schemas.microsoft.com/office/drawing/2014/main" id="{74A6C76A-D1EB-1B8D-5751-45D3BF63B141}"/>
+              </a:ext>
+            </a:extLst>
+          </p:cNvPr>
+          <p:cNvSpPr>
+            <a:spLocks noGrp="1"/>
+          </p:cNvSpPr>
+          <p:nvPr>
+            <p:ph sz="quarter" idx="13"/>
+          </p:nvPr>
+        </p:nvSpPr>
+        <p:spPr>
+          <a:xfrm>
+            <a:off x="425026" y="1054251"/>
+            <a:ext cx="11331524" cy="3708517"/>
+          </a:xfrm>
+        </p:spPr>
+        <p:txBody>
+          <a:bodyPr vert="horz" lIns="0" tIns="228600" rIns="0" bIns="0" rtlCol="0" anchor="t">
+            <a:noAutofit/>
+          </a:bodyPr>
+          <a:lstStyle/>
+          <a:p>
+            <a:pPr marL="0" indent="0">
+              <a:buNone/>
+            </a:pPr>
+            <a:r>
+              <a:rPr lang="en-US" sz="1800">
+                <a:solidFill>
+                  <a:srgbClr val="132602"/>
+                </a:solidFill>
+                <a:ea typeface="+mn-lt"/>
+                <a:cs typeface="+mn-lt"/>
+              </a:rPr>
+              <a:t>Challenges in Traditional Tutoring:</a:t>
+            </a:r>
+            <a:endParaRPr lang="en-US" sz="1800">
+              <a:solidFill>
+                <a:srgbClr val="132602"/>
+              </a:solidFill>
+            </a:endParaRPr>
+          </a:p>
+          <a:p>
+            <a:pPr marL="283210" indent="-283210"/>
+            <a:r>
+              <a:rPr lang="en-US" sz="1800" b="0">
+                <a:solidFill>
+                  <a:srgbClr val="132602"/>
+                </a:solidFill>
+                <a:ea typeface="+mn-lt"/>
+                <a:cs typeface="+mn-lt"/>
+              </a:rPr>
+              <a:t>Traditional tutoring can be time-consuming, resource-intensive, and often lacks scalability.</a:t>
+            </a:r>
+            <a:endParaRPr lang="en-US" sz="1800">
+              <a:solidFill>
+                <a:srgbClr val="132602"/>
+              </a:solidFill>
+            </a:endParaRPr>
+          </a:p>
+          <a:p>
+            <a:pPr marL="283210" indent="-283210"/>
+            <a:r>
+              <a:rPr lang="en-US" sz="1800" b="0">
+                <a:solidFill>
+                  <a:srgbClr val="132602"/>
+                </a:solidFill>
+                <a:ea typeface="+mn-lt"/>
+                <a:cs typeface="+mn-lt"/>
+              </a:rPr>
+              <a:t>Limited capacity for personalized learning paths for each student.</a:t>
+            </a:r>
+            <a:endParaRPr lang="en-US" sz="1800">
+              <a:solidFill>
+                <a:srgbClr val="132602"/>
+              </a:solidFill>
+            </a:endParaRPr>
+          </a:p>
+          <a:p>
+            <a:pPr marL="0" indent="0">
+              <a:buNone/>
+            </a:pPr>
+            <a:r>
+              <a:rPr lang="en-US" sz="1800">
+                <a:solidFill>
+                  <a:srgbClr val="132602"/>
+                </a:solidFill>
+                <a:ea typeface="+mn-lt"/>
+                <a:cs typeface="+mn-lt"/>
+              </a:rPr>
+              <a:t>Need for Scalable Learning Solutions:</a:t>
+            </a:r>
+            <a:endParaRPr lang="en-US" sz="1800">
+              <a:solidFill>
+                <a:srgbClr val="132602"/>
+              </a:solidFill>
+            </a:endParaRPr>
+          </a:p>
+          <a:p>
+            <a:pPr marL="283210" indent="-283210"/>
+            <a:r>
+              <a:rPr lang="en-US" sz="1800" b="0">
+                <a:solidFill>
+                  <a:srgbClr val="132602"/>
+                </a:solidFill>
+                <a:ea typeface="+mn-lt"/>
+                <a:cs typeface="+mn-lt"/>
+              </a:rPr>
+              <a:t>With increasing class sizes and diverse student needs, a scalable solution is crucial.</a:t>
+            </a:r>
+            <a:endParaRPr lang="en-US" sz="1800">
+              <a:solidFill>
+                <a:srgbClr val="132602"/>
+              </a:solidFill>
+            </a:endParaRPr>
+          </a:p>
+          <a:p>
+            <a:pPr marL="283210" indent="-283210"/>
+            <a:r>
+              <a:rPr lang="en-US" sz="1800" b="0">
+                <a:solidFill>
+                  <a:srgbClr val="132602"/>
+                </a:solidFill>
+                <a:ea typeface="+mn-lt"/>
+                <a:cs typeface="+mn-lt"/>
+              </a:rPr>
+              <a:t>AI can automate personalized learning paths for each student, making it more efficient.</a:t>
+            </a:r>
+            <a:endParaRPr lang="en-US" sz="1800">
+              <a:solidFill>
+                <a:srgbClr val="132602"/>
+              </a:solidFill>
+            </a:endParaRPr>
+          </a:p>
+          <a:p>
+            <a:pPr marL="0" indent="0">
+              <a:buNone/>
+            </a:pPr>
+            <a:r>
+              <a:rPr lang="en-US" sz="1800">
+                <a:solidFill>
+                  <a:srgbClr val="132602"/>
+                </a:solidFill>
+                <a:ea typeface="+mn-lt"/>
+                <a:cs typeface="+mn-lt"/>
+              </a:rPr>
+              <a:t>How AI Can Help:</a:t>
+            </a:r>
+            <a:endParaRPr lang="en-US" sz="1800">
+              <a:solidFill>
+                <a:srgbClr val="132602"/>
+              </a:solidFill>
+            </a:endParaRPr>
+          </a:p>
+          <a:p>
+            <a:pPr marL="283210" indent="-283210"/>
+            <a:r>
+              <a:rPr lang="en-US" sz="1800" b="0">
+                <a:solidFill>
+                  <a:srgbClr val="132602"/>
+                </a:solidFill>
+                <a:ea typeface="+mn-lt"/>
+                <a:cs typeface="+mn-lt"/>
+              </a:rPr>
+              <a:t>AI allows for real-time adaptability, helping the system provide specific content based on a student's learning pace and style.</a:t>
+            </a:r>
+            <a:endParaRPr lang="en-US" sz="1800">
+              <a:solidFill>
+                <a:srgbClr val="132602"/>
+              </a:solidFill>
+            </a:endParaRPr>
+          </a:p>
+          <a:p>
+            <a:pPr marL="283210" indent="-283210"/>
+            <a:r>
+              <a:rPr lang="en-US" sz="1800" b="0">
+                <a:solidFill>
+                  <a:srgbClr val="132602"/>
+                </a:solidFill>
+                <a:ea typeface="+mn-lt"/>
+                <a:cs typeface="+mn-lt"/>
+              </a:rPr>
+              <a:t>AI agents can identify gaps in students' knowledge and suggest appropriate interventions.</a:t>
+            </a:r>
+            <a:endParaRPr lang="en-US" sz="1800">
+              <a:solidFill>
+                <a:srgbClr val="132602"/>
+              </a:solidFill>
+            </a:endParaRPr>
+          </a:p>
+          <a:p>
+            <a:pPr marL="283210" indent="-283210"/>
+            <a:endParaRPr lang="en-US" sz="1800" dirty="0">
+              <a:solidFill>
+                <a:srgbClr val="132602"/>
+              </a:solidFill>
+            </a:endParaRPr>
           </a:p>
         </p:txBody>
       </p:sp>
     </p:spTree>
     <p:extLst>
       <p:ext uri="{BB962C8B-B14F-4D97-AF65-F5344CB8AC3E}">
-        <p14:creationId xmlns:p14="http://schemas.microsoft.com/office/powerpoint/2010/main" val="2249372667"/>
+        <p14:creationId xmlns:p14="http://schemas.microsoft.com/office/powerpoint/2010/main" val="2055859236"/>
       </p:ext>
     </p:extLst>
   </p:cSld>
@@ -11153,7 +12273,7 @@
 </p:sld>
 </file>
 
-<file path=ppt/slides/slide5.xml><?xml version="1.0" encoding="utf-8"?>
+<file path=ppt/slides/slide6.xml><?xml version="1.0" encoding="utf-8"?>
 <p:sld xmlns:a="http://schemas.openxmlformats.org/drawingml/2006/main" xmlns:r="http://schemas.openxmlformats.org/officeDocument/2006/relationships" xmlns:p="http://schemas.openxmlformats.org/presentationml/2006/main">
   <p:cSld>
     <p:spTree>
@@ -11587,7 +12707,7 @@
 </p:sld>
 </file>
 
-<file path=ppt/slides/slide6.xml><?xml version="1.0" encoding="utf-8"?>
+<file path=ppt/slides/slide7.xml><?xml version="1.0" encoding="utf-8"?>
 <p:sld xmlns:a="http://schemas.openxmlformats.org/drawingml/2006/main" xmlns:r="http://schemas.openxmlformats.org/officeDocument/2006/relationships" xmlns:p="http://schemas.openxmlformats.org/presentationml/2006/main">
   <p:cSld>
     <p:spTree>
@@ -11638,7 +12758,7 @@
           <a:p>
             <a:r>
               <a:rPr lang="en-US" dirty="0"/>
-              <a:t>Instructor</a:t>
+              <a:t>Instructor Page</a:t>
             </a:r>
           </a:p>
         </p:txBody>
@@ -12050,7 +13170,7 @@
 </p:sld>
 </file>
 
-<file path=ppt/slides/slide7.xml><?xml version="1.0" encoding="utf-8"?>
+<file path=ppt/slides/slide8.xml><?xml version="1.0" encoding="utf-8"?>
 <p:sld xmlns:a="http://schemas.openxmlformats.org/drawingml/2006/main" xmlns:r="http://schemas.openxmlformats.org/officeDocument/2006/relationships" xmlns:p="http://schemas.openxmlformats.org/presentationml/2006/main">
   <p:cSld>
     <p:spTree>
@@ -12101,7 +13221,7 @@
           <a:p>
             <a:r>
               <a:rPr lang="en-US" dirty="0"/>
-              <a:t>Peer Learning</a:t>
+              <a:t>Peer Learning Page</a:t>
             </a:r>
           </a:p>
         </p:txBody>
@@ -12480,7 +13600,7 @@
 </p:sld>
 </file>
 
-<file path=ppt/slides/slide8.xml><?xml version="1.0" encoding="utf-8"?>
+<file path=ppt/slides/slide9.xml><?xml version="1.0" encoding="utf-8"?>
 <p:sld xmlns:a="http://schemas.openxmlformats.org/drawingml/2006/main" xmlns:r="http://schemas.openxmlformats.org/officeDocument/2006/relationships" xmlns:p="http://schemas.openxmlformats.org/presentationml/2006/main">
   <p:cSld>
     <p:spTree>
@@ -12531,7 +13651,7 @@
           <a:p>
             <a:r>
               <a:rPr lang="en-US" dirty="0"/>
-              <a:t>Quiz</a:t>
+              <a:t>Quiz Page</a:t>
             </a:r>
           </a:p>
         </p:txBody>
@@ -12901,436 +14021,6 @@
     <p:extLst>
       <p:ext uri="{BB962C8B-B14F-4D97-AF65-F5344CB8AC3E}">
         <p14:creationId xmlns:p14="http://schemas.microsoft.com/office/powerpoint/2010/main" val="1491656235"/>
-      </p:ext>
-    </p:extLst>
-  </p:cSld>
-  <p:clrMapOvr>
-    <a:masterClrMapping/>
-  </p:clrMapOvr>
-</p:sld>
-</file>
-
-<file path=ppt/slides/slide9.xml><?xml version="1.0" encoding="utf-8"?>
-<p:sld xmlns:a="http://schemas.openxmlformats.org/drawingml/2006/main" xmlns:r="http://schemas.openxmlformats.org/officeDocument/2006/relationships" xmlns:p="http://schemas.openxmlformats.org/presentationml/2006/main">
-  <p:cSld>
-    <p:spTree>
-      <p:nvGrpSpPr>
-        <p:cNvPr id="1" name="">
-          <a:extLst>
-            <a:ext uri="{FF2B5EF4-FFF2-40B4-BE49-F238E27FC236}">
-              <a16:creationId xmlns:a16="http://schemas.microsoft.com/office/drawing/2014/main" id="{7CF8A8BB-0BFF-40E0-CBC8-DBEB4CF4B65A}"/>
-            </a:ext>
-          </a:extLst>
-        </p:cNvPr>
-        <p:cNvGrpSpPr/>
-        <p:nvPr/>
-      </p:nvGrpSpPr>
-      <p:grpSpPr>
-        <a:xfrm>
-          <a:off x="0" y="0"/>
-          <a:ext cx="0" cy="0"/>
-          <a:chOff x="0" y="0"/>
-          <a:chExt cx="0" cy="0"/>
-        </a:xfrm>
-      </p:grpSpPr>
-      <p:sp>
-        <p:nvSpPr>
-          <p:cNvPr id="3" name="Title 2">
-            <a:extLst>
-              <a:ext uri="{FF2B5EF4-FFF2-40B4-BE49-F238E27FC236}">
-                <a16:creationId xmlns:a16="http://schemas.microsoft.com/office/drawing/2014/main" id="{30C27267-ABD1-CF21-E262-A7A0F4EE79EC}"/>
-              </a:ext>
-            </a:extLst>
-          </p:cNvPr>
-          <p:cNvSpPr>
-            <a:spLocks noGrp="1"/>
-          </p:cNvSpPr>
-          <p:nvPr>
-            <p:ph type="title"/>
-          </p:nvPr>
-        </p:nvSpPr>
-        <p:spPr>
-          <a:xfrm>
-            <a:off x="594360" y="102875"/>
-            <a:ext cx="10873740" cy="1680205"/>
-          </a:xfrm>
-        </p:spPr>
-        <p:txBody>
-          <a:bodyPr/>
-          <a:lstStyle/>
-          <a:p>
-            <a:r>
-              <a:rPr lang="en-US" dirty="0"/>
-              <a:t>AI Tutor</a:t>
-            </a:r>
-          </a:p>
-        </p:txBody>
-      </p:sp>
-      <p:grpSp>
-        <p:nvGrpSpPr>
-          <p:cNvPr id="19" name="Group 18">
-            <a:extLst>
-              <a:ext uri="{FF2B5EF4-FFF2-40B4-BE49-F238E27FC236}">
-                <a16:creationId xmlns:a16="http://schemas.microsoft.com/office/drawing/2014/main" id="{DFEE702C-51D9-AEA4-9701-00B133F14707}"/>
-              </a:ext>
-              <a:ext uri="{C183D7F6-B498-43B3-948B-1728B52AA6E4}">
-                <adec:decorative xmlns:adec="http://schemas.microsoft.com/office/drawing/2017/decorative" val="1"/>
-              </a:ext>
-            </a:extLst>
-          </p:cNvPr>
-          <p:cNvGrpSpPr>
-            <a:grpSpLocks/>
-          </p:cNvGrpSpPr>
-          <p:nvPr/>
-        </p:nvGrpSpPr>
-        <p:grpSpPr bwMode="auto">
-          <a:xfrm rot="16200000" flipV="1">
-            <a:off x="0" y="3900132"/>
-            <a:ext cx="2959226" cy="2959226"/>
-            <a:chOff x="0" y="12289"/>
-            <a:chExt cx="3550" cy="3551"/>
-          </a:xfrm>
-        </p:grpSpPr>
-        <p:sp>
-          <p:nvSpPr>
-            <p:cNvPr id="20" name="Freeform 19">
-              <a:extLst>
-                <a:ext uri="{FF2B5EF4-FFF2-40B4-BE49-F238E27FC236}">
-                  <a16:creationId xmlns:a16="http://schemas.microsoft.com/office/drawing/2014/main" id="{85A57D55-6882-3CCF-E90D-0B91AE9EE1D1}"/>
-                </a:ext>
-              </a:extLst>
-            </p:cNvPr>
-            <p:cNvSpPr>
-              <a:spLocks/>
-            </p:cNvSpPr>
-            <p:nvPr/>
-          </p:nvSpPr>
-          <p:spPr bwMode="auto">
-            <a:xfrm>
-              <a:off x="0" y="12289"/>
-              <a:ext cx="1789" cy="2386"/>
-            </a:xfrm>
-            <a:custGeom>
-              <a:avLst/>
-              <a:gdLst>
-                <a:gd name="T0" fmla="*/ 0 w 1789"/>
-                <a:gd name="T1" fmla="+- 0 12290 12290"/>
-                <a:gd name="T2" fmla="*/ 12290 h 2386"/>
-                <a:gd name="T3" fmla="*/ 0 w 1789"/>
-                <a:gd name="T4" fmla="+- 0 13484 12290"/>
-                <a:gd name="T5" fmla="*/ 13484 h 2386"/>
-                <a:gd name="T6" fmla="*/ 1192 w 1789"/>
-                <a:gd name="T7" fmla="+- 0 14676 12290"/>
-                <a:gd name="T8" fmla="*/ 14676 h 2386"/>
-                <a:gd name="T9" fmla="*/ 1789 w 1789"/>
-                <a:gd name="T10" fmla="+- 0 14079 12290"/>
-                <a:gd name="T11" fmla="*/ 14079 h 2386"/>
-                <a:gd name="T12" fmla="*/ 0 w 1789"/>
-                <a:gd name="T13" fmla="+- 0 12290 12290"/>
-                <a:gd name="T14" fmla="*/ 12290 h 2386"/>
-              </a:gdLst>
-              <a:ahLst/>
-              <a:cxnLst>
-                <a:cxn ang="0">
-                  <a:pos x="T0" y="T2"/>
-                </a:cxn>
-                <a:cxn ang="0">
-                  <a:pos x="T3" y="T5"/>
-                </a:cxn>
-                <a:cxn ang="0">
-                  <a:pos x="T6" y="T8"/>
-                </a:cxn>
-                <a:cxn ang="0">
-                  <a:pos x="T9" y="T11"/>
-                </a:cxn>
-                <a:cxn ang="0">
-                  <a:pos x="T12" y="T14"/>
-                </a:cxn>
-              </a:cxnLst>
-              <a:rect l="0" t="0" r="r" b="b"/>
-              <a:pathLst>
-                <a:path w="1789" h="2386">
-                  <a:moveTo>
-                    <a:pt x="0" y="0"/>
-                  </a:moveTo>
-                  <a:lnTo>
-                    <a:pt x="0" y="1194"/>
-                  </a:lnTo>
-                  <a:lnTo>
-                    <a:pt x="1192" y="2386"/>
-                  </a:lnTo>
-                  <a:lnTo>
-                    <a:pt x="1789" y="1789"/>
-                  </a:lnTo>
-                  <a:lnTo>
-                    <a:pt x="0" y="0"/>
-                  </a:lnTo>
-                  <a:close/>
-                </a:path>
-              </a:pathLst>
-            </a:custGeom>
-            <a:solidFill>
-              <a:schemeClr val="accent6"/>
-            </a:solidFill>
-            <a:ln>
-              <a:noFill/>
-            </a:ln>
-            <a:extLst>
-              <a:ext uri="{91240B29-F687-4F45-9708-019B960494DF}">
-                <a14:hiddenLine xmlns:a14="http://schemas.microsoft.com/office/drawing/2010/main" w="9525">
-                  <a:solidFill>
-                    <a:srgbClr val="000000"/>
-                  </a:solidFill>
-                  <a:round/>
-                  <a:headEnd/>
-                  <a:tailEnd/>
-                </a14:hiddenLine>
-              </a:ext>
-            </a:extLst>
-          </p:spPr>
-          <p:txBody>
-            <a:bodyPr rot="0" vert="horz" wrap="square" lIns="91440" tIns="45720" rIns="91440" bIns="45720" anchor="t" anchorCtr="0" upright="1">
-              <a:noAutofit/>
-            </a:bodyPr>
-            <a:lstStyle/>
-            <a:p>
-              <a:endParaRPr lang="en-US" dirty="0"/>
-            </a:p>
-          </p:txBody>
-        </p:sp>
-        <p:sp>
-          <p:nvSpPr>
-            <p:cNvPr id="21" name="Freeform 20">
-              <a:extLst>
-                <a:ext uri="{FF2B5EF4-FFF2-40B4-BE49-F238E27FC236}">
-                  <a16:creationId xmlns:a16="http://schemas.microsoft.com/office/drawing/2014/main" id="{6E265836-F2F7-D56A-695E-91B42B03C000}"/>
-                </a:ext>
-              </a:extLst>
-            </p:cNvPr>
-            <p:cNvSpPr>
-              <a:spLocks/>
-            </p:cNvSpPr>
-            <p:nvPr/>
-          </p:nvSpPr>
-          <p:spPr bwMode="auto">
-            <a:xfrm>
-              <a:off x="0" y="14678"/>
-              <a:ext cx="1162" cy="1162"/>
-            </a:xfrm>
-            <a:custGeom>
-              <a:avLst/>
-              <a:gdLst>
-                <a:gd name="T0" fmla="*/ 0 w 1162"/>
-                <a:gd name="T1" fmla="+- 0 14679 14679"/>
-                <a:gd name="T2" fmla="*/ 14679 h 1162"/>
-                <a:gd name="T3" fmla="*/ 0 w 1162"/>
-                <a:gd name="T4" fmla="+- 0 15840 14679"/>
-                <a:gd name="T5" fmla="*/ 15840 h 1162"/>
-                <a:gd name="T6" fmla="*/ 1161 w 1162"/>
-                <a:gd name="T7" fmla="+- 0 15840 14679"/>
-                <a:gd name="T8" fmla="*/ 15840 h 1162"/>
-                <a:gd name="T9" fmla="*/ 0 w 1162"/>
-                <a:gd name="T10" fmla="+- 0 14679 14679"/>
-                <a:gd name="T11" fmla="*/ 14679 h 1162"/>
-              </a:gdLst>
-              <a:ahLst/>
-              <a:cxnLst>
-                <a:cxn ang="0">
-                  <a:pos x="T0" y="T2"/>
-                </a:cxn>
-                <a:cxn ang="0">
-                  <a:pos x="T3" y="T5"/>
-                </a:cxn>
-                <a:cxn ang="0">
-                  <a:pos x="T6" y="T8"/>
-                </a:cxn>
-                <a:cxn ang="0">
-                  <a:pos x="T9" y="T11"/>
-                </a:cxn>
-              </a:cxnLst>
-              <a:rect l="0" t="0" r="r" b="b"/>
-              <a:pathLst>
-                <a:path w="1162" h="1162">
-                  <a:moveTo>
-                    <a:pt x="0" y="0"/>
-                  </a:moveTo>
-                  <a:lnTo>
-                    <a:pt x="0" y="1161"/>
-                  </a:lnTo>
-                  <a:lnTo>
-                    <a:pt x="1161" y="1161"/>
-                  </a:lnTo>
-                  <a:lnTo>
-                    <a:pt x="0" y="0"/>
-                  </a:lnTo>
-                  <a:close/>
-                </a:path>
-              </a:pathLst>
-            </a:custGeom>
-            <a:solidFill>
-              <a:schemeClr val="tx2"/>
-            </a:solidFill>
-            <a:ln>
-              <a:noFill/>
-            </a:ln>
-            <a:extLst>
-              <a:ext uri="{91240B29-F687-4F45-9708-019B960494DF}">
-                <a14:hiddenLine xmlns:a14="http://schemas.microsoft.com/office/drawing/2010/main" w="9525">
-                  <a:solidFill>
-                    <a:srgbClr val="000000"/>
-                  </a:solidFill>
-                  <a:round/>
-                  <a:headEnd/>
-                  <a:tailEnd/>
-                </a14:hiddenLine>
-              </a:ext>
-            </a:extLst>
-          </p:spPr>
-          <p:txBody>
-            <a:bodyPr rot="0" vert="horz" wrap="square" lIns="91440" tIns="45720" rIns="91440" bIns="45720" anchor="t" anchorCtr="0" upright="1">
-              <a:noAutofit/>
-            </a:bodyPr>
-            <a:lstStyle/>
-            <a:p>
-              <a:endParaRPr lang="en-US" dirty="0"/>
-            </a:p>
-          </p:txBody>
-        </p:sp>
-        <p:sp>
-          <p:nvSpPr>
-            <p:cNvPr id="22" name="Freeform 21">
-              <a:extLst>
-                <a:ext uri="{FF2B5EF4-FFF2-40B4-BE49-F238E27FC236}">
-                  <a16:creationId xmlns:a16="http://schemas.microsoft.com/office/drawing/2014/main" id="{7AFEDFB6-3A0E-3FAF-7DD0-97D0441EA183}"/>
-                </a:ext>
-              </a:extLst>
-            </p:cNvPr>
-            <p:cNvSpPr>
-              <a:spLocks/>
-            </p:cNvSpPr>
-            <p:nvPr/>
-          </p:nvSpPr>
-          <p:spPr bwMode="auto">
-            <a:xfrm>
-              <a:off x="1221" y="14675"/>
-              <a:ext cx="2329" cy="1165"/>
-            </a:xfrm>
-            <a:custGeom>
-              <a:avLst/>
-              <a:gdLst>
-                <a:gd name="T0" fmla="+- 0 3550 1221"/>
-                <a:gd name="T1" fmla="*/ T0 w 2329"/>
-                <a:gd name="T2" fmla="+- 0 15840 14676"/>
-                <a:gd name="T3" fmla="*/ 15840 h 1165"/>
-                <a:gd name="T4" fmla="+- 0 2386 1221"/>
-                <a:gd name="T5" fmla="*/ T4 w 2329"/>
-                <a:gd name="T6" fmla="+- 0 14676 14676"/>
-                <a:gd name="T7" fmla="*/ 14676 h 1165"/>
-                <a:gd name="T8" fmla="+- 0 1221 1221"/>
-                <a:gd name="T9" fmla="*/ T8 w 2329"/>
-                <a:gd name="T10" fmla="+- 0 15840 14676"/>
-                <a:gd name="T11" fmla="*/ 15840 h 1165"/>
-                <a:gd name="T12" fmla="+- 0 3550 1221"/>
-                <a:gd name="T13" fmla="*/ T12 w 2329"/>
-                <a:gd name="T14" fmla="+- 0 15840 14676"/>
-                <a:gd name="T15" fmla="*/ 15840 h 1165"/>
-              </a:gdLst>
-              <a:ahLst/>
-              <a:cxnLst>
-                <a:cxn ang="0">
-                  <a:pos x="T1" y="T3"/>
-                </a:cxn>
-                <a:cxn ang="0">
-                  <a:pos x="T5" y="T7"/>
-                </a:cxn>
-                <a:cxn ang="0">
-                  <a:pos x="T9" y="T11"/>
-                </a:cxn>
-                <a:cxn ang="0">
-                  <a:pos x="T13" y="T15"/>
-                </a:cxn>
-              </a:cxnLst>
-              <a:rect l="0" t="0" r="r" b="b"/>
-              <a:pathLst>
-                <a:path w="2329" h="1165">
-                  <a:moveTo>
-                    <a:pt x="2329" y="1164"/>
-                  </a:moveTo>
-                  <a:lnTo>
-                    <a:pt x="1165" y="0"/>
-                  </a:lnTo>
-                  <a:lnTo>
-                    <a:pt x="0" y="1164"/>
-                  </a:lnTo>
-                  <a:lnTo>
-                    <a:pt x="2329" y="1164"/>
-                  </a:lnTo>
-                </a:path>
-              </a:pathLst>
-            </a:custGeom>
-            <a:solidFill>
-              <a:schemeClr val="accent3"/>
-            </a:solidFill>
-            <a:ln>
-              <a:noFill/>
-            </a:ln>
-            <a:extLst>
-              <a:ext uri="{91240B29-F687-4F45-9708-019B960494DF}">
-                <a14:hiddenLine xmlns:a14="http://schemas.microsoft.com/office/drawing/2010/main" w="9525">
-                  <a:solidFill>
-                    <a:srgbClr val="000000"/>
-                  </a:solidFill>
-                  <a:round/>
-                  <a:headEnd/>
-                  <a:tailEnd/>
-                </a14:hiddenLine>
-              </a:ext>
-            </a:extLst>
-          </p:spPr>
-          <p:txBody>
-            <a:bodyPr rot="0" vert="horz" wrap="square" lIns="91440" tIns="45720" rIns="91440" bIns="45720" anchor="t" anchorCtr="0" upright="1">
-              <a:noAutofit/>
-            </a:bodyPr>
-            <a:lstStyle/>
-            <a:p>
-              <a:endParaRPr lang="en-US" dirty="0"/>
-            </a:p>
-          </p:txBody>
-        </p:sp>
-      </p:grpSp>
-      <p:pic>
-        <p:nvPicPr>
-          <p:cNvPr id="9" name="Content Placeholder 8">
-            <a:extLst>
-              <a:ext uri="{FF2B5EF4-FFF2-40B4-BE49-F238E27FC236}">
-                <a16:creationId xmlns:a16="http://schemas.microsoft.com/office/drawing/2014/main" id="{3B9DC5E2-0FFF-844D-AEA7-07B97C317AE3}"/>
-              </a:ext>
-            </a:extLst>
-          </p:cNvPr>
-          <p:cNvPicPr>
-            <a:picLocks noGrp="1" noChangeAspect="1"/>
-          </p:cNvPicPr>
-          <p:nvPr>
-            <p:ph sz="quarter" idx="13"/>
-          </p:nvPr>
-        </p:nvPicPr>
-        <p:blipFill>
-          <a:blip r:embed="rId3"/>
-          <a:stretch>
-            <a:fillRect/>
-          </a:stretch>
-        </p:blipFill>
-        <p:spPr>
-          <a:xfrm>
-            <a:off x="4271944" y="2281238"/>
-            <a:ext cx="6581811" cy="3700462"/>
-          </a:xfrm>
-        </p:spPr>
-      </p:pic>
-    </p:spTree>
-    <p:extLst>
-      <p:ext uri="{BB962C8B-B14F-4D97-AF65-F5344CB8AC3E}">
-        <p14:creationId xmlns:p14="http://schemas.microsoft.com/office/powerpoint/2010/main" val="1137540820"/>
       </p:ext>
     </p:extLst>
   </p:cSld>
@@ -14132,6 +14822,26 @@
 </file>
 
 <file path=customXml/item1.xml><?xml version="1.0" encoding="utf-8"?>
+<p:properties xmlns:p="http://schemas.microsoft.com/office/2006/metadata/properties" xmlns:xsi="http://www.w3.org/2001/XMLSchema-instance" xmlns:pc="http://schemas.microsoft.com/office/infopath/2007/PartnerControls">
+  <documentManagement>
+    <Background xmlns="71af3243-3dd4-4a8d-8c0d-dd76da1f02a5">false</Background>
+    <Status xmlns="71af3243-3dd4-4a8d-8c0d-dd76da1f02a5">Not started</Status>
+    <_ip_UnifiedCompliancePolicyUIAction xmlns="http://schemas.microsoft.com/sharepoint/v3" xsi:nil="true"/>
+    <Image xmlns="71af3243-3dd4-4a8d-8c0d-dd76da1f02a5">
+      <Url xsi:nil="true"/>
+      <Description xsi:nil="true"/>
+    </Image>
+    <_ip_UnifiedCompliancePolicyProperties xmlns="http://schemas.microsoft.com/sharepoint/v3" xsi:nil="true"/>
+    <ImageTagsTaxHTField xmlns="71af3243-3dd4-4a8d-8c0d-dd76da1f02a5">
+      <Terms xmlns="http://schemas.microsoft.com/office/infopath/2007/PartnerControls"/>
+    </ImageTagsTaxHTField>
+    <TaxCatchAll xmlns="230e9df3-be65-4c73-a93b-d1236ebd677e" xsi:nil="true"/>
+    <MediaServiceKeyPoints xmlns="71af3243-3dd4-4a8d-8c0d-dd76da1f02a5" xsi:nil="true"/>
+  </documentManagement>
+</p:properties>
+</file>
+
+<file path=customXml/item2.xml><?xml version="1.0" encoding="utf-8"?>
 <?mso-contentType ?>
 <FormTemplates xmlns="http://schemas.microsoft.com/sharepoint/v3/contenttype/forms">
   <Display>DocumentLibraryForm</Display>
@@ -14140,7 +14850,7 @@
 </FormTemplates>
 </file>
 
-<file path=customXml/item2.xml><?xml version="1.0" encoding="utf-8"?>
+<file path=customXml/item3.xml><?xml version="1.0" encoding="utf-8"?>
 <ct:contentTypeSchema xmlns:ct="http://schemas.microsoft.com/office/2006/metadata/contentType" xmlns:ma="http://schemas.microsoft.com/office/2006/metadata/properties/metaAttributes" ct:_="" ma:_="" ma:contentTypeName="Document" ma:contentTypeID="0x01010079F111ED35F8CC479449609E8A0923A6" ma:contentTypeVersion="28" ma:contentTypeDescription="Create a new document." ma:contentTypeScope="" ma:versionID="60f5a4f2d2b0abadcf532d48ebf9cb71">
   <xsd:schema xmlns:xsd="http://www.w3.org/2001/XMLSchema" xmlns:xs="http://www.w3.org/2001/XMLSchema" xmlns:p="http://schemas.microsoft.com/office/2006/metadata/properties" xmlns:ns1="http://schemas.microsoft.com/sharepoint/v3" xmlns:ns2="71af3243-3dd4-4a8d-8c0d-dd76da1f02a5" xmlns:ns3="16c05727-aa75-4e4a-9b5f-8a80a1165891" xmlns:ns4="230e9df3-be65-4c73-a93b-d1236ebd677e" targetNamespace="http://schemas.microsoft.com/office/2006/metadata/properties" ma:root="true" ma:fieldsID="7dd78129e6a1811f84807ad11c651531" ns1:_="" ns2:_="" ns3:_="" ns4:_="">
     <xsd:import namespace="http://schemas.microsoft.com/sharepoint/v3"/>
@@ -14452,27 +15162,19 @@
 </ct:contentTypeSchema>
 </file>
 
-<file path=customXml/item3.xml><?xml version="1.0" encoding="utf-8"?>
-<p:properties xmlns:p="http://schemas.microsoft.com/office/2006/metadata/properties" xmlns:xsi="http://www.w3.org/2001/XMLSchema-instance" xmlns:pc="http://schemas.microsoft.com/office/infopath/2007/PartnerControls">
-  <documentManagement>
-    <Background xmlns="71af3243-3dd4-4a8d-8c0d-dd76da1f02a5">false</Background>
-    <Status xmlns="71af3243-3dd4-4a8d-8c0d-dd76da1f02a5">Not started</Status>
-    <_ip_UnifiedCompliancePolicyUIAction xmlns="http://schemas.microsoft.com/sharepoint/v3" xsi:nil="true"/>
-    <Image xmlns="71af3243-3dd4-4a8d-8c0d-dd76da1f02a5">
-      <Url xsi:nil="true"/>
-      <Description xsi:nil="true"/>
-    </Image>
-    <_ip_UnifiedCompliancePolicyProperties xmlns="http://schemas.microsoft.com/sharepoint/v3" xsi:nil="true"/>
-    <ImageTagsTaxHTField xmlns="71af3243-3dd4-4a8d-8c0d-dd76da1f02a5">
-      <Terms xmlns="http://schemas.microsoft.com/office/infopath/2007/PartnerControls"/>
-    </ImageTagsTaxHTField>
-    <TaxCatchAll xmlns="230e9df3-be65-4c73-a93b-d1236ebd677e" xsi:nil="true"/>
-    <MediaServiceKeyPoints xmlns="71af3243-3dd4-4a8d-8c0d-dd76da1f02a5" xsi:nil="true"/>
-  </documentManagement>
-</p:properties>
+<file path=customXml/itemProps1.xml><?xml version="1.0" encoding="utf-8"?>
+<ds:datastoreItem xmlns:ds="http://schemas.openxmlformats.org/officeDocument/2006/customXml" ds:itemID="{4F4B194E-8B30-4377-8C59-ECFB902D2A26}">
+  <ds:schemaRefs>
+    <ds:schemaRef ds:uri="http://schemas.microsoft.com/office/2006/metadata/properties"/>
+    <ds:schemaRef ds:uri="http://schemas.microsoft.com/office/infopath/2007/PartnerControls"/>
+    <ds:schemaRef ds:uri="71af3243-3dd4-4a8d-8c0d-dd76da1f02a5"/>
+    <ds:schemaRef ds:uri="http://schemas.microsoft.com/sharepoint/v3"/>
+    <ds:schemaRef ds:uri="230e9df3-be65-4c73-a93b-d1236ebd677e"/>
+  </ds:schemaRefs>
+</ds:datastoreItem>
 </file>
 
-<file path=customXml/itemProps1.xml><?xml version="1.0" encoding="utf-8"?>
+<file path=customXml/itemProps2.xml><?xml version="1.0" encoding="utf-8"?>
 <ds:datastoreItem xmlns:ds="http://schemas.openxmlformats.org/officeDocument/2006/customXml" ds:itemID="{C21FFAC0-05A2-416A-B06C-C248395482CF}">
   <ds:schemaRefs>
     <ds:schemaRef ds:uri="http://schemas.microsoft.com/sharepoint/v3/contenttype/forms"/>
@@ -14480,7 +15182,7 @@
 </ds:datastoreItem>
 </file>
 
-<file path=customXml/itemProps2.xml><?xml version="1.0" encoding="utf-8"?>
+<file path=customXml/itemProps3.xml><?xml version="1.0" encoding="utf-8"?>
 <ds:datastoreItem xmlns:ds="http://schemas.openxmlformats.org/officeDocument/2006/customXml" ds:itemID="{92DB9E12-8AC3-4138-BF4D-720A5525AB10}">
   <ds:schemaRefs>
     <ds:schemaRef ds:uri="http://schemas.microsoft.com/office/2006/metadata/contentType"/>
@@ -14501,18 +15203,6 @@
 </ds:datastoreItem>
 </file>
 
-<file path=customXml/itemProps3.xml><?xml version="1.0" encoding="utf-8"?>
-<ds:datastoreItem xmlns:ds="http://schemas.openxmlformats.org/officeDocument/2006/customXml" ds:itemID="{4F4B194E-8B30-4377-8C59-ECFB902D2A26}">
-  <ds:schemaRefs>
-    <ds:schemaRef ds:uri="http://schemas.microsoft.com/office/2006/metadata/properties"/>
-    <ds:schemaRef ds:uri="http://schemas.microsoft.com/office/infopath/2007/PartnerControls"/>
-    <ds:schemaRef ds:uri="71af3243-3dd4-4a8d-8c0d-dd76da1f02a5"/>
-    <ds:schemaRef ds:uri="http://schemas.microsoft.com/sharepoint/v3"/>
-    <ds:schemaRef ds:uri="230e9df3-be65-4c73-a93b-d1236ebd677e"/>
-  </ds:schemaRefs>
-</ds:datastoreItem>
-</file>
-
 <file path=docMetadata/LabelInfo.xml><?xml version="1.0" encoding="utf-8"?>
 <clbl:labelList xmlns:clbl="http://schemas.microsoft.com/office/2020/mipLabelMetadata"/>
 </file>
--- a/Seattle Data AI Security Hackathon.pptx
+++ b/Seattle Data AI Security Hackathon.pptx
@@ -5,10 +5,10 @@
     <p:sldMasterId id="2147483658" r:id="rId4"/>
   </p:sldMasterIdLst>
   <p:notesMasterIdLst>
-    <p:notesMasterId r:id="rId20"/>
+    <p:notesMasterId r:id="rId21"/>
   </p:notesMasterIdLst>
   <p:handoutMasterIdLst>
-    <p:handoutMasterId r:id="rId21"/>
+    <p:handoutMasterId r:id="rId22"/>
   </p:handoutMasterIdLst>
   <p:sldIdLst>
     <p:sldId id="410" r:id="rId5"/>
@@ -21,11 +21,12 @@
     <p:sldId id="413" r:id="rId12"/>
     <p:sldId id="415" r:id="rId13"/>
     <p:sldId id="416" r:id="rId14"/>
-    <p:sldId id="419" r:id="rId15"/>
-    <p:sldId id="420" r:id="rId16"/>
-    <p:sldId id="421" r:id="rId17"/>
-    <p:sldId id="404" r:id="rId18"/>
-    <p:sldId id="398" r:id="rId19"/>
+    <p:sldId id="422" r:id="rId15"/>
+    <p:sldId id="419" r:id="rId16"/>
+    <p:sldId id="420" r:id="rId17"/>
+    <p:sldId id="421" r:id="rId18"/>
+    <p:sldId id="404" r:id="rId19"/>
+    <p:sldId id="398" r:id="rId20"/>
   </p:sldIdLst>
   <p:sldSz cx="12192000" cy="6858000"/>
   <p:notesSz cx="6858000" cy="9144000"/>
@@ -150,7 +151,10 @@
 <file path=ppt/revisionInfo.xml><?xml version="1.0" encoding="utf-8"?>
 <p1510:revInfo xmlns:a="http://schemas.openxmlformats.org/drawingml/2006/main" xmlns:r="http://schemas.openxmlformats.org/officeDocument/2006/relationships" xmlns:p1510="http://schemas.microsoft.com/office/powerpoint/2015/10/main">
   <p1510:revLst>
+    <p1510:client id="{03D97992-66D9-4724-8B36-225BAF327F50}" v="110" dt="2025-04-03T17:22:50.169"/>
+    <p1510:client id="{7724F2AC-24FE-3E3E-DBD4-60841A06EA6E}" v="66" dt="2025-04-03T17:51:03.037"/>
     <p1510:client id="{D18FD9AE-72FF-6BE0-52B2-A231360C3954}" v="202" dt="2025-04-03T06:56:12.554"/>
+    <p1510:client id="{E66247C0-88B3-FFA1-F0FB-59A193045EA6}" v="92" dt="2025-04-03T17:45:30.381"/>
   </p1510:revLst>
 </p1510:revInfo>
 </file>
@@ -422,6 +426,276 @@
       </pc:sldChg>
     </pc:docChg>
   </pc:docChgLst>
+  <pc:docChgLst>
+    <pc:chgData name="Megha Narendra Simha" userId="S::narendrasimhamegha@cityuniversity.edu::232387a7-bc30-4e81-9c8b-48dd3bad174d" providerId="AD" clId="Web-{E66247C0-88B3-FFA1-F0FB-59A193045EA6}"/>
+    <pc:docChg chg="modSld">
+      <pc:chgData name="Megha Narendra Simha" userId="S::narendrasimhamegha@cityuniversity.edu::232387a7-bc30-4e81-9c8b-48dd3bad174d" providerId="AD" clId="Web-{E66247C0-88B3-FFA1-F0FB-59A193045EA6}" dt="2025-04-03T17:45:30.381" v="83" actId="20577"/>
+      <pc:docMkLst>
+        <pc:docMk/>
+      </pc:docMkLst>
+      <pc:sldChg chg="delSp modSp">
+        <pc:chgData name="Megha Narendra Simha" userId="S::narendrasimhamegha@cityuniversity.edu::232387a7-bc30-4e81-9c8b-48dd3bad174d" providerId="AD" clId="Web-{E66247C0-88B3-FFA1-F0FB-59A193045EA6}" dt="2025-04-03T17:45:30.381" v="83" actId="20577"/>
+        <pc:sldMkLst>
+          <pc:docMk/>
+          <pc:sldMk cId="1850768898" sldId="404"/>
+        </pc:sldMkLst>
+        <pc:spChg chg="mod">
+          <ac:chgData name="Megha Narendra Simha" userId="S::narendrasimhamegha@cityuniversity.edu::232387a7-bc30-4e81-9c8b-48dd3bad174d" providerId="AD" clId="Web-{E66247C0-88B3-FFA1-F0FB-59A193045EA6}" dt="2025-04-03T17:44:55.865" v="74" actId="14100"/>
+          <ac:spMkLst>
+            <pc:docMk/>
+            <pc:sldMk cId="1850768898" sldId="404"/>
+            <ac:spMk id="2" creationId="{F0759DC4-8B30-98A0-5BAB-C78BA4A4AD55}"/>
+          </ac:spMkLst>
+        </pc:spChg>
+        <pc:spChg chg="mod">
+          <ac:chgData name="Megha Narendra Simha" userId="S::narendrasimhamegha@cityuniversity.edu::232387a7-bc30-4e81-9c8b-48dd3bad174d" providerId="AD" clId="Web-{E66247C0-88B3-FFA1-F0FB-59A193045EA6}" dt="2025-04-03T17:45:30.381" v="83" actId="20577"/>
+          <ac:spMkLst>
+            <pc:docMk/>
+            <pc:sldMk cId="1850768898" sldId="404"/>
+            <ac:spMk id="3" creationId="{4096FB3A-B62C-3DAB-4FD1-B4EBDD650AEF}"/>
+          </ac:spMkLst>
+        </pc:spChg>
+        <pc:spChg chg="del mod">
+          <ac:chgData name="Megha Narendra Simha" userId="S::narendrasimhamegha@cityuniversity.edu::232387a7-bc30-4e81-9c8b-48dd3bad174d" providerId="AD" clId="Web-{E66247C0-88B3-FFA1-F0FB-59A193045EA6}" dt="2025-04-03T17:42:50.894" v="69"/>
+          <ac:spMkLst>
+            <pc:docMk/>
+            <pc:sldMk cId="1850768898" sldId="404"/>
+            <ac:spMk id="4" creationId="{43E198AA-251D-4446-30C4-8F2FA7F6A72C}"/>
+          </ac:spMkLst>
+        </pc:spChg>
+      </pc:sldChg>
+      <pc:sldChg chg="modSp">
+        <pc:chgData name="Megha Narendra Simha" userId="S::narendrasimhamegha@cityuniversity.edu::232387a7-bc30-4e81-9c8b-48dd3bad174d" providerId="AD" clId="Web-{E66247C0-88B3-FFA1-F0FB-59A193045EA6}" dt="2025-04-03T17:41:12.080" v="20" actId="14100"/>
+        <pc:sldMkLst>
+          <pc:docMk/>
+          <pc:sldMk cId="2669473244" sldId="419"/>
+        </pc:sldMkLst>
+        <pc:spChg chg="mod">
+          <ac:chgData name="Megha Narendra Simha" userId="S::narendrasimhamegha@cityuniversity.edu::232387a7-bc30-4e81-9c8b-48dd3bad174d" providerId="AD" clId="Web-{E66247C0-88B3-FFA1-F0FB-59A193045EA6}" dt="2025-04-03T17:41:12.080" v="20" actId="14100"/>
+          <ac:spMkLst>
+            <pc:docMk/>
+            <pc:sldMk cId="2669473244" sldId="419"/>
+            <ac:spMk id="3" creationId="{EED2B76A-D691-7ADC-06B4-06C9FBD88C14}"/>
+          </ac:spMkLst>
+        </pc:spChg>
+      </pc:sldChg>
+      <pc:sldChg chg="modSp">
+        <pc:chgData name="Megha Narendra Simha" userId="S::narendrasimhamegha@cityuniversity.edu::232387a7-bc30-4e81-9c8b-48dd3bad174d" providerId="AD" clId="Web-{E66247C0-88B3-FFA1-F0FB-59A193045EA6}" dt="2025-04-03T17:42:12.721" v="64" actId="20577"/>
+        <pc:sldMkLst>
+          <pc:docMk/>
+          <pc:sldMk cId="2556481047" sldId="420"/>
+        </pc:sldMkLst>
+        <pc:spChg chg="mod">
+          <ac:chgData name="Megha Narendra Simha" userId="S::narendrasimhamegha@cityuniversity.edu::232387a7-bc30-4e81-9c8b-48dd3bad174d" providerId="AD" clId="Web-{E66247C0-88B3-FFA1-F0FB-59A193045EA6}" dt="2025-04-03T17:42:12.721" v="64" actId="20577"/>
+          <ac:spMkLst>
+            <pc:docMk/>
+            <pc:sldMk cId="2556481047" sldId="420"/>
+            <ac:spMk id="3" creationId="{6D1D7307-E315-66F3-98EC-55E998BB8349}"/>
+          </ac:spMkLst>
+        </pc:spChg>
+      </pc:sldChg>
+    </pc:docChg>
+  </pc:docChgLst>
+  <pc:docChgLst>
+    <pc:chgData name="Megha Narendra Simha" userId="S::narendrasimhamegha@cityuniversity.edu::232387a7-bc30-4e81-9c8b-48dd3bad174d" providerId="AD" clId="Web-{7724F2AC-24FE-3E3E-DBD4-60841A06EA6E}"/>
+    <pc:docChg chg="addSld modSld">
+      <pc:chgData name="Megha Narendra Simha" userId="S::narendrasimhamegha@cityuniversity.edu::232387a7-bc30-4e81-9c8b-48dd3bad174d" providerId="AD" clId="Web-{7724F2AC-24FE-3E3E-DBD4-60841A06EA6E}" dt="2025-04-03T17:51:03.037" v="51" actId="20577"/>
+      <pc:docMkLst>
+        <pc:docMk/>
+      </pc:docMkLst>
+      <pc:sldChg chg="addSp modSp">
+        <pc:chgData name="Megha Narendra Simha" userId="S::narendrasimhamegha@cityuniversity.edu::232387a7-bc30-4e81-9c8b-48dd3bad174d" providerId="AD" clId="Web-{7724F2AC-24FE-3E3E-DBD4-60841A06EA6E}" dt="2025-04-03T17:48:31.064" v="25" actId="20577"/>
+        <pc:sldMkLst>
+          <pc:docMk/>
+          <pc:sldMk cId="3200312026" sldId="391"/>
+        </pc:sldMkLst>
+        <pc:spChg chg="add mod">
+          <ac:chgData name="Megha Narendra Simha" userId="S::narendrasimhamegha@cityuniversity.edu::232387a7-bc30-4e81-9c8b-48dd3bad174d" providerId="AD" clId="Web-{7724F2AC-24FE-3E3E-DBD4-60841A06EA6E}" dt="2025-04-03T17:48:31.064" v="25" actId="20577"/>
+          <ac:spMkLst>
+            <pc:docMk/>
+            <pc:sldMk cId="3200312026" sldId="391"/>
+            <ac:spMk id="2" creationId="{D860617C-64CF-E9A3-B5AE-71F253D6CC11}"/>
+          </ac:spMkLst>
+        </pc:spChg>
+        <pc:spChg chg="mod">
+          <ac:chgData name="Megha Narendra Simha" userId="S::narendrasimhamegha@cityuniversity.edu::232387a7-bc30-4e81-9c8b-48dd3bad174d" providerId="AD" clId="Web-{7724F2AC-24FE-3E3E-DBD4-60841A06EA6E}" dt="2025-04-03T17:48:02.126" v="16" actId="20577"/>
+          <ac:spMkLst>
+            <pc:docMk/>
+            <pc:sldMk cId="3200312026" sldId="391"/>
+            <ac:spMk id="3" creationId="{545D3755-C3E2-975E-DE68-CDECC4B526EC}"/>
+          </ac:spMkLst>
+        </pc:spChg>
+      </pc:sldChg>
+      <pc:sldChg chg="modSp">
+        <pc:chgData name="Megha Narendra Simha" userId="S::narendrasimhamegha@cityuniversity.edu::232387a7-bc30-4e81-9c8b-48dd3bad174d" providerId="AD" clId="Web-{7724F2AC-24FE-3E3E-DBD4-60841A06EA6E}" dt="2025-04-03T17:51:03.037" v="51" actId="20577"/>
+        <pc:sldMkLst>
+          <pc:docMk/>
+          <pc:sldMk cId="1850768898" sldId="404"/>
+        </pc:sldMkLst>
+        <pc:spChg chg="mod">
+          <ac:chgData name="Megha Narendra Simha" userId="S::narendrasimhamegha@cityuniversity.edu::232387a7-bc30-4e81-9c8b-48dd3bad174d" providerId="AD" clId="Web-{7724F2AC-24FE-3E3E-DBD4-60841A06EA6E}" dt="2025-04-03T17:51:03.037" v="51" actId="20577"/>
+          <ac:spMkLst>
+            <pc:docMk/>
+            <pc:sldMk cId="1850768898" sldId="404"/>
+            <ac:spMk id="3" creationId="{4096FB3A-B62C-3DAB-4FD1-B4EBDD650AEF}"/>
+          </ac:spMkLst>
+        </pc:spChg>
+      </pc:sldChg>
+      <pc:sldChg chg="addSp modSp">
+        <pc:chgData name="Megha Narendra Simha" userId="S::narendrasimhamegha@cityuniversity.edu::232387a7-bc30-4e81-9c8b-48dd3bad174d" providerId="AD" clId="Web-{7724F2AC-24FE-3E3E-DBD4-60841A06EA6E}" dt="2025-04-03T17:49:02.112" v="29" actId="20577"/>
+        <pc:sldMkLst>
+          <pc:docMk/>
+          <pc:sldMk cId="3569758777" sldId="412"/>
+        </pc:sldMkLst>
+        <pc:spChg chg="add mod">
+          <ac:chgData name="Megha Narendra Simha" userId="S::narendrasimhamegha@cityuniversity.edu::232387a7-bc30-4e81-9c8b-48dd3bad174d" providerId="AD" clId="Web-{7724F2AC-24FE-3E3E-DBD4-60841A06EA6E}" dt="2025-04-03T17:49:02.112" v="29" actId="20577"/>
+          <ac:spMkLst>
+            <pc:docMk/>
+            <pc:sldMk cId="3569758777" sldId="412"/>
+            <ac:spMk id="5" creationId="{A553355E-6DC3-AB23-860B-DFB953BAF06D}"/>
+          </ac:spMkLst>
+        </pc:spChg>
+      </pc:sldChg>
+      <pc:sldChg chg="addSp modSp">
+        <pc:chgData name="Megha Narendra Simha" userId="S::narendrasimhamegha@cityuniversity.edu::232387a7-bc30-4e81-9c8b-48dd3bad174d" providerId="AD" clId="Web-{7724F2AC-24FE-3E3E-DBD4-60841A06EA6E}" dt="2025-04-03T17:49:14.112" v="33" actId="20577"/>
+        <pc:sldMkLst>
+          <pc:docMk/>
+          <pc:sldMk cId="776542160" sldId="413"/>
+        </pc:sldMkLst>
+        <pc:spChg chg="add mod">
+          <ac:chgData name="Megha Narendra Simha" userId="S::narendrasimhamegha@cityuniversity.edu::232387a7-bc30-4e81-9c8b-48dd3bad174d" providerId="AD" clId="Web-{7724F2AC-24FE-3E3E-DBD4-60841A06EA6E}" dt="2025-04-03T17:49:14.112" v="33" actId="20577"/>
+          <ac:spMkLst>
+            <pc:docMk/>
+            <pc:sldMk cId="776542160" sldId="413"/>
+            <ac:spMk id="5" creationId="{D3DAF8C3-8F47-4CAE-3ED7-B344740412F7}"/>
+          </ac:spMkLst>
+        </pc:spChg>
+      </pc:sldChg>
+      <pc:sldChg chg="addSp modSp">
+        <pc:chgData name="Megha Narendra Simha" userId="S::narendrasimhamegha@cityuniversity.edu::232387a7-bc30-4e81-9c8b-48dd3bad174d" providerId="AD" clId="Web-{7724F2AC-24FE-3E3E-DBD4-60841A06EA6E}" dt="2025-04-03T17:49:30.128" v="37" actId="20577"/>
+        <pc:sldMkLst>
+          <pc:docMk/>
+          <pc:sldMk cId="1491656235" sldId="415"/>
+        </pc:sldMkLst>
+        <pc:spChg chg="add mod">
+          <ac:chgData name="Megha Narendra Simha" userId="S::narendrasimhamegha@cityuniversity.edu::232387a7-bc30-4e81-9c8b-48dd3bad174d" providerId="AD" clId="Web-{7724F2AC-24FE-3E3E-DBD4-60841A06EA6E}" dt="2025-04-03T17:49:30.128" v="37" actId="20577"/>
+          <ac:spMkLst>
+            <pc:docMk/>
+            <pc:sldMk cId="1491656235" sldId="415"/>
+            <ac:spMk id="4" creationId="{13271B73-530B-639C-513B-B910B5C0D1C9}"/>
+          </ac:spMkLst>
+        </pc:spChg>
+      </pc:sldChg>
+      <pc:sldChg chg="addSp modSp">
+        <pc:chgData name="Megha Narendra Simha" userId="S::narendrasimhamegha@cityuniversity.edu::232387a7-bc30-4e81-9c8b-48dd3bad174d" providerId="AD" clId="Web-{7724F2AC-24FE-3E3E-DBD4-60841A06EA6E}" dt="2025-04-03T17:49:45.488" v="41" actId="20577"/>
+        <pc:sldMkLst>
+          <pc:docMk/>
+          <pc:sldMk cId="1137540820" sldId="416"/>
+        </pc:sldMkLst>
+        <pc:spChg chg="add mod">
+          <ac:chgData name="Megha Narendra Simha" userId="S::narendrasimhamegha@cityuniversity.edu::232387a7-bc30-4e81-9c8b-48dd3bad174d" providerId="AD" clId="Web-{7724F2AC-24FE-3E3E-DBD4-60841A06EA6E}" dt="2025-04-03T17:49:45.488" v="41" actId="20577"/>
+          <ac:spMkLst>
+            <pc:docMk/>
+            <pc:sldMk cId="1137540820" sldId="416"/>
+            <ac:spMk id="4" creationId="{67298D1B-4BD3-FADA-A0FC-C8E0F1B9B115}"/>
+          </ac:spMkLst>
+        </pc:spChg>
+      </pc:sldChg>
+      <pc:sldChg chg="addSp delSp modSp new">
+        <pc:chgData name="Megha Narendra Simha" userId="S::narendrasimhamegha@cityuniversity.edu::232387a7-bc30-4e81-9c8b-48dd3bad174d" providerId="AD" clId="Web-{7724F2AC-24FE-3E3E-DBD4-60841A06EA6E}" dt="2025-04-03T17:50:28.583" v="45" actId="20577"/>
+        <pc:sldMkLst>
+          <pc:docMk/>
+          <pc:sldMk cId="3445109077" sldId="422"/>
+        </pc:sldMkLst>
+        <pc:spChg chg="mod">
+          <ac:chgData name="Megha Narendra Simha" userId="S::narendrasimhamegha@cityuniversity.edu::232387a7-bc30-4e81-9c8b-48dd3bad174d" providerId="AD" clId="Web-{7724F2AC-24FE-3E3E-DBD4-60841A06EA6E}" dt="2025-04-03T17:45:55.810" v="14" actId="20577"/>
+          <ac:spMkLst>
+            <pc:docMk/>
+            <pc:sldMk cId="3445109077" sldId="422"/>
+            <ac:spMk id="2" creationId="{5163ACFA-F295-D7CA-6E0C-020B04F97D7B}"/>
+          </ac:spMkLst>
+        </pc:spChg>
+        <pc:spChg chg="del">
+          <ac:chgData name="Megha Narendra Simha" userId="S::narendrasimhamegha@cityuniversity.edu::232387a7-bc30-4e81-9c8b-48dd3bad174d" providerId="AD" clId="Web-{7724F2AC-24FE-3E3E-DBD4-60841A06EA6E}" dt="2025-04-03T17:35:12.919" v="1"/>
+          <ac:spMkLst>
+            <pc:docMk/>
+            <pc:sldMk cId="3445109077" sldId="422"/>
+            <ac:spMk id="3" creationId="{5930AC63-EF37-5B03-0860-ECB6940CFEEB}"/>
+          </ac:spMkLst>
+        </pc:spChg>
+        <pc:spChg chg="add mod">
+          <ac:chgData name="Megha Narendra Simha" userId="S::narendrasimhamegha@cityuniversity.edu::232387a7-bc30-4e81-9c8b-48dd3bad174d" providerId="AD" clId="Web-{7724F2AC-24FE-3E3E-DBD4-60841A06EA6E}" dt="2025-04-03T17:50:28.583" v="45" actId="20577"/>
+          <ac:spMkLst>
+            <pc:docMk/>
+            <pc:sldMk cId="3445109077" sldId="422"/>
+            <ac:spMk id="6" creationId="{76992D44-BA42-D782-0C1F-5A47F4A544A7}"/>
+          </ac:spMkLst>
+        </pc:spChg>
+        <pc:picChg chg="add mod ord">
+          <ac:chgData name="Megha Narendra Simha" userId="S::narendrasimhamegha@cityuniversity.edu::232387a7-bc30-4e81-9c8b-48dd3bad174d" providerId="AD" clId="Web-{7724F2AC-24FE-3E3E-DBD4-60841A06EA6E}" dt="2025-04-03T17:35:12.919" v="1"/>
+          <ac:picMkLst>
+            <pc:docMk/>
+            <pc:sldMk cId="3445109077" sldId="422"/>
+            <ac:picMk id="4" creationId="{341056E5-E02C-42A7-38A6-6D970BA4BCFC}"/>
+          </ac:picMkLst>
+        </pc:picChg>
+      </pc:sldChg>
+    </pc:docChg>
+  </pc:docChgLst>
+  <pc:docChgLst>
+    <pc:chgData name="Neha Arora" userId="S::aroraneha@cityuniversity.edu::f6e3beef-008b-402c-8167-7ef2aaf4ac87" providerId="AD" clId="Web-{03D97992-66D9-4724-8B36-225BAF327F50}"/>
+    <pc:docChg chg="modSld">
+      <pc:chgData name="Neha Arora" userId="S::aroraneha@cityuniversity.edu::f6e3beef-008b-402c-8167-7ef2aaf4ac87" providerId="AD" clId="Web-{03D97992-66D9-4724-8B36-225BAF327F50}" dt="2025-04-03T17:22:50.169" v="137" actId="14100"/>
+      <pc:docMkLst>
+        <pc:docMk/>
+      </pc:docMkLst>
+      <pc:sldChg chg="modSp">
+        <pc:chgData name="Neha Arora" userId="S::aroraneha@cityuniversity.edu::f6e3beef-008b-402c-8167-7ef2aaf4ac87" providerId="AD" clId="Web-{03D97992-66D9-4724-8B36-225BAF327F50}" dt="2025-04-03T17:21:27.027" v="130" actId="20577"/>
+        <pc:sldMkLst>
+          <pc:docMk/>
+          <pc:sldMk cId="2669473244" sldId="419"/>
+        </pc:sldMkLst>
+        <pc:spChg chg="mod">
+          <ac:chgData name="Neha Arora" userId="S::aroraneha@cityuniversity.edu::f6e3beef-008b-402c-8167-7ef2aaf4ac87" providerId="AD" clId="Web-{03D97992-66D9-4724-8B36-225BAF327F50}" dt="2025-04-03T17:21:27.027" v="130" actId="20577"/>
+          <ac:spMkLst>
+            <pc:docMk/>
+            <pc:sldMk cId="2669473244" sldId="419"/>
+            <ac:spMk id="3" creationId="{EED2B76A-D691-7ADC-06B4-06C9FBD88C14}"/>
+          </ac:spMkLst>
+        </pc:spChg>
+      </pc:sldChg>
+      <pc:sldChg chg="modSp">
+        <pc:chgData name="Neha Arora" userId="S::aroraneha@cityuniversity.edu::f6e3beef-008b-402c-8167-7ef2aaf4ac87" providerId="AD" clId="Web-{03D97992-66D9-4724-8B36-225BAF327F50}" dt="2025-04-03T17:20:55.948" v="118" actId="20577"/>
+        <pc:sldMkLst>
+          <pc:docMk/>
+          <pc:sldMk cId="2556481047" sldId="420"/>
+        </pc:sldMkLst>
+        <pc:spChg chg="mod">
+          <ac:chgData name="Neha Arora" userId="S::aroraneha@cityuniversity.edu::f6e3beef-008b-402c-8167-7ef2aaf4ac87" providerId="AD" clId="Web-{03D97992-66D9-4724-8B36-225BAF327F50}" dt="2025-04-03T17:20:55.948" v="118" actId="20577"/>
+          <ac:spMkLst>
+            <pc:docMk/>
+            <pc:sldMk cId="2556481047" sldId="420"/>
+            <ac:spMk id="3" creationId="{6D1D7307-E315-66F3-98EC-55E998BB8349}"/>
+          </ac:spMkLst>
+        </pc:spChg>
+      </pc:sldChg>
+      <pc:sldChg chg="modSp">
+        <pc:chgData name="Neha Arora" userId="S::aroraneha@cityuniversity.edu::f6e3beef-008b-402c-8167-7ef2aaf4ac87" providerId="AD" clId="Web-{03D97992-66D9-4724-8B36-225BAF327F50}" dt="2025-04-03T17:22:50.169" v="137" actId="14100"/>
+        <pc:sldMkLst>
+          <pc:docMk/>
+          <pc:sldMk cId="476344069" sldId="421"/>
+        </pc:sldMkLst>
+        <pc:spChg chg="mod">
+          <ac:chgData name="Neha Arora" userId="S::aroraneha@cityuniversity.edu::f6e3beef-008b-402c-8167-7ef2aaf4ac87" providerId="AD" clId="Web-{03D97992-66D9-4724-8B36-225BAF327F50}" dt="2025-04-03T17:22:50.169" v="137" actId="14100"/>
+          <ac:spMkLst>
+            <pc:docMk/>
+            <pc:sldMk cId="476344069" sldId="421"/>
+            <ac:spMk id="3" creationId="{B47ED826-A355-6285-59F1-91DC46C03168}"/>
+          </ac:spMkLst>
+        </pc:spChg>
+      </pc:sldChg>
+    </pc:docChg>
+  </pc:docChgLst>
 </pc:chgInfo>
 </file>
 
@@ -482,9 +756,9 @@
           <a:p>
             <a:fld id="{1EBEDD12-BCD5-485B-BCBC-34BB01D7923C}" type="datetimeFigureOut">
               <a:rPr lang="en-US" smtClean="0"/>
-              <a:t>4/2/2025</a:t>
+              <a:t>4/3/2025</a:t>
             </a:fld>
-            <a:endParaRPr lang="en-US" dirty="0"/>
+            <a:endParaRPr lang="en-US"/>
           </a:p>
         </p:txBody>
       </p:sp>
@@ -525,7 +799,7 @@
               <a:rPr lang="en-US" smtClean="0"/>
               <a:t>‹#›</a:t>
             </a:fld>
-            <a:endParaRPr lang="en-US" dirty="0"/>
+            <a:endParaRPr lang="en-US"/>
           </a:p>
         </p:txBody>
       </p:sp>
@@ -562,7 +836,7 @@
             </a:lvl1pPr>
           </a:lstStyle>
           <a:p>
-            <a:endParaRPr lang="en-US" dirty="0"/>
+            <a:endParaRPr lang="en-US"/>
           </a:p>
         </p:txBody>
       </p:sp>
@@ -599,7 +873,7 @@
             </a:lvl1pPr>
           </a:lstStyle>
           <a:p>
-            <a:endParaRPr lang="en-US" dirty="0"/>
+            <a:endParaRPr lang="en-US"/>
           </a:p>
         </p:txBody>
       </p:sp>
@@ -663,7 +937,7 @@
             </a:lvl1pPr>
           </a:lstStyle>
           <a:p>
-            <a:endParaRPr lang="en-US" dirty="0"/>
+            <a:endParaRPr lang="en-US"/>
           </a:p>
         </p:txBody>
       </p:sp>
@@ -696,9 +970,9 @@
           <a:p>
             <a:fld id="{6EE7A52F-9D89-7442-A8E9-48D1527B5F6B}" type="datetimeFigureOut">
               <a:rPr lang="en-US" smtClean="0"/>
-              <a:t>4/2/2025</a:t>
+              <a:t>4/3/2025</a:t>
             </a:fld>
-            <a:endParaRPr lang="en-US" dirty="0"/>
+            <a:endParaRPr lang="en-US"/>
           </a:p>
         </p:txBody>
       </p:sp>
@@ -731,7 +1005,7 @@
           <a:bodyPr vert="horz" lIns="91440" tIns="45720" rIns="91440" bIns="45720" rtlCol="0" anchor="ctr"/>
           <a:lstStyle/>
           <a:p>
-            <a:endParaRPr lang="en-US" dirty="0"/>
+            <a:endParaRPr lang="en-US"/>
           </a:p>
         </p:txBody>
       </p:sp>
@@ -821,7 +1095,7 @@
             </a:lvl1pPr>
           </a:lstStyle>
           <a:p>
-            <a:endParaRPr lang="en-US" dirty="0"/>
+            <a:endParaRPr lang="en-US"/>
           </a:p>
         </p:txBody>
       </p:sp>
@@ -856,7 +1130,7 @@
               <a:rPr lang="en-US" smtClean="0"/>
               <a:t>‹#›</a:t>
             </a:fld>
-            <a:endParaRPr lang="en-US" dirty="0"/>
+            <a:endParaRPr lang="en-US"/>
           </a:p>
         </p:txBody>
       </p:sp>
@@ -1007,7 +1281,7 @@
           <a:bodyPr/>
           <a:lstStyle/>
           <a:p>
-            <a:endParaRPr lang="en-US" dirty="0"/>
+            <a:endParaRPr lang="en-US"/>
           </a:p>
         </p:txBody>
       </p:sp>
@@ -1030,7 +1304,7 @@
               <a:rPr lang="en-US" smtClean="0"/>
               <a:t>1</a:t>
             </a:fld>
-            <a:endParaRPr lang="en-US" dirty="0"/>
+            <a:endParaRPr lang="en-US"/>
           </a:p>
         </p:txBody>
       </p:sp>
@@ -1091,7 +1365,7 @@
           <a:bodyPr/>
           <a:lstStyle/>
           <a:p>
-            <a:endParaRPr lang="en-US" dirty="0"/>
+            <a:endParaRPr lang="en-US"/>
           </a:p>
         </p:txBody>
       </p:sp>
@@ -1112,9 +1386,9 @@
           <a:p>
             <a:fld id="{A89C7E07-3C67-C64C-8DA0-0404F6303970}" type="slidenum">
               <a:rPr lang="en-US" smtClean="0"/>
-              <a:t>15</a:t>
+              <a:t>16</a:t>
             </a:fld>
-            <a:endParaRPr lang="en-US" dirty="0"/>
+            <a:endParaRPr lang="en-US"/>
           </a:p>
         </p:txBody>
       </p:sp>
@@ -1193,7 +1467,7 @@
           <a:bodyPr/>
           <a:lstStyle/>
           <a:p>
-            <a:endParaRPr lang="en-US" dirty="0"/>
+            <a:endParaRPr lang="en-US"/>
           </a:p>
         </p:txBody>
       </p:sp>
@@ -1222,7 +1496,7 @@
               <a:rPr lang="en-US" smtClean="0"/>
               <a:t>2</a:t>
             </a:fld>
-            <a:endParaRPr lang="en-US" dirty="0"/>
+            <a:endParaRPr lang="en-US"/>
           </a:p>
         </p:txBody>
       </p:sp>
@@ -1283,7 +1557,7 @@
           <a:bodyPr/>
           <a:lstStyle/>
           <a:p>
-            <a:endParaRPr lang="en-US" dirty="0"/>
+            <a:endParaRPr lang="en-US"/>
           </a:p>
         </p:txBody>
       </p:sp>
@@ -1306,7 +1580,7 @@
               <a:rPr lang="en-US" smtClean="0"/>
               <a:t>3</a:t>
             </a:fld>
-            <a:endParaRPr lang="en-US" dirty="0"/>
+            <a:endParaRPr lang="en-US"/>
           </a:p>
         </p:txBody>
       </p:sp>
@@ -1367,7 +1641,7 @@
           <a:bodyPr/>
           <a:lstStyle/>
           <a:p>
-            <a:endParaRPr lang="en-US" dirty="0"/>
+            <a:endParaRPr lang="en-US"/>
           </a:p>
         </p:txBody>
       </p:sp>
@@ -1390,7 +1664,7 @@
               <a:rPr lang="en-US" smtClean="0"/>
               <a:t>6</a:t>
             </a:fld>
-            <a:endParaRPr lang="en-US" dirty="0"/>
+            <a:endParaRPr lang="en-US"/>
           </a:p>
         </p:txBody>
       </p:sp>
@@ -1469,7 +1743,7 @@
           <a:bodyPr/>
           <a:lstStyle/>
           <a:p>
-            <a:endParaRPr lang="en-US" dirty="0"/>
+            <a:endParaRPr lang="en-US"/>
           </a:p>
         </p:txBody>
       </p:sp>
@@ -1498,7 +1772,7 @@
               <a:rPr lang="en-US" smtClean="0"/>
               <a:t>7</a:t>
             </a:fld>
-            <a:endParaRPr lang="en-US" dirty="0"/>
+            <a:endParaRPr lang="en-US"/>
           </a:p>
         </p:txBody>
       </p:sp>
@@ -1577,7 +1851,7 @@
           <a:bodyPr/>
           <a:lstStyle/>
           <a:p>
-            <a:endParaRPr lang="en-US" dirty="0"/>
+            <a:endParaRPr lang="en-US"/>
           </a:p>
         </p:txBody>
       </p:sp>
@@ -1606,7 +1880,7 @@
               <a:rPr lang="en-US" smtClean="0"/>
               <a:t>8</a:t>
             </a:fld>
-            <a:endParaRPr lang="en-US" dirty="0"/>
+            <a:endParaRPr lang="en-US"/>
           </a:p>
         </p:txBody>
       </p:sp>
@@ -1685,7 +1959,7 @@
           <a:bodyPr/>
           <a:lstStyle/>
           <a:p>
-            <a:endParaRPr lang="en-US" dirty="0"/>
+            <a:endParaRPr lang="en-US"/>
           </a:p>
         </p:txBody>
       </p:sp>
@@ -1714,7 +1988,7 @@
               <a:rPr lang="en-US" smtClean="0"/>
               <a:t>9</a:t>
             </a:fld>
-            <a:endParaRPr lang="en-US" dirty="0"/>
+            <a:endParaRPr lang="en-US"/>
           </a:p>
         </p:txBody>
       </p:sp>
@@ -1793,7 +2067,7 @@
           <a:bodyPr/>
           <a:lstStyle/>
           <a:p>
-            <a:endParaRPr lang="en-US" dirty="0"/>
+            <a:endParaRPr lang="en-US"/>
           </a:p>
         </p:txBody>
       </p:sp>
@@ -1822,7 +2096,7 @@
               <a:rPr lang="en-US" smtClean="0"/>
               <a:t>10</a:t>
             </a:fld>
-            <a:endParaRPr lang="en-US" dirty="0"/>
+            <a:endParaRPr lang="en-US"/>
           </a:p>
         </p:txBody>
       </p:sp>
@@ -1883,7 +2157,7 @@
           <a:bodyPr/>
           <a:lstStyle/>
           <a:p>
-            <a:endParaRPr lang="en-US" dirty="0"/>
+            <a:endParaRPr lang="en-US"/>
           </a:p>
         </p:txBody>
       </p:sp>
@@ -1904,9 +2178,9 @@
           <a:p>
             <a:fld id="{A89C7E07-3C67-C64C-8DA0-0404F6303970}" type="slidenum">
               <a:rPr lang="en-US" smtClean="0"/>
-              <a:t>14</a:t>
+              <a:t>15</a:t>
             </a:fld>
-            <a:endParaRPr lang="en-US" dirty="0"/>
+            <a:endParaRPr lang="en-US"/>
           </a:p>
         </p:txBody>
       </p:sp>
@@ -1992,7 +2266,7 @@
           </a:lstStyle>
           <a:p>
             <a:r>
-              <a:rPr lang="en-US" dirty="0"/>
+              <a:rPr lang="en-US"/>
               <a:t>Click to add title </a:t>
             </a:r>
           </a:p>
@@ -2126,7 +2400,7 @@
             </a:bodyPr>
             <a:lstStyle/>
             <a:p>
-              <a:endParaRPr lang="en-US" dirty="0"/>
+              <a:endParaRPr lang="en-US"/>
             </a:p>
           </p:txBody>
         </p:sp>
@@ -2224,7 +2498,7 @@
             </a:bodyPr>
             <a:lstStyle/>
             <a:p>
-              <a:endParaRPr lang="en-US" dirty="0"/>
+              <a:endParaRPr lang="en-US"/>
             </a:p>
           </p:txBody>
         </p:sp>
@@ -2325,7 +2599,7 @@
             </a:bodyPr>
             <a:lstStyle/>
             <a:p>
-              <a:endParaRPr lang="en-US" dirty="0"/>
+              <a:endParaRPr lang="en-US"/>
             </a:p>
           </p:txBody>
         </p:sp>
@@ -2544,7 +2818,7 @@
             </a:bodyPr>
             <a:lstStyle/>
             <a:p>
-              <a:endParaRPr lang="en-US" dirty="0"/>
+              <a:endParaRPr lang="en-US"/>
             </a:p>
           </p:txBody>
         </p:sp>
@@ -2642,7 +2916,7 @@
             </a:bodyPr>
             <a:lstStyle/>
             <a:p>
-              <a:endParaRPr lang="en-US" dirty="0"/>
+              <a:endParaRPr lang="en-US"/>
             </a:p>
           </p:txBody>
         </p:sp>
@@ -2743,7 +3017,7 @@
             </a:bodyPr>
             <a:lstStyle/>
             <a:p>
-              <a:endParaRPr lang="en-US" dirty="0"/>
+              <a:endParaRPr lang="en-US"/>
             </a:p>
           </p:txBody>
         </p:sp>
@@ -2789,7 +3063,7 @@
           </a:lstStyle>
           <a:p>
             <a:r>
-              <a:rPr lang="en-US" dirty="0"/>
+              <a:rPr lang="en-US"/>
               <a:t>Click to add title </a:t>
             </a:r>
           </a:p>
@@ -2910,35 +3184,35 @@
           <a:p>
             <a:pPr lvl="0"/>
             <a:r>
-              <a:rPr lang="en-US" dirty="0"/>
+              <a:rPr lang="en-US"/>
               <a:t>Click to add content</a:t>
             </a:r>
           </a:p>
           <a:p>
             <a:pPr lvl="1"/>
             <a:r>
-              <a:rPr lang="en-US" dirty="0"/>
+              <a:rPr lang="en-US"/>
               <a:t>Second level</a:t>
             </a:r>
           </a:p>
           <a:p>
             <a:pPr lvl="2"/>
             <a:r>
-              <a:rPr lang="en-US" dirty="0"/>
+              <a:rPr lang="en-US"/>
               <a:t>Third level</a:t>
             </a:r>
           </a:p>
           <a:p>
             <a:pPr lvl="3"/>
             <a:r>
-              <a:rPr lang="en-US" dirty="0"/>
+              <a:rPr lang="en-US"/>
               <a:t>Fourth level</a:t>
             </a:r>
           </a:p>
           <a:p>
             <a:pPr lvl="4"/>
             <a:r>
-              <a:rPr lang="en-US" dirty="0"/>
+              <a:rPr lang="en-US"/>
               <a:t>Fifth level</a:t>
             </a:r>
           </a:p>
@@ -3006,35 +3280,35 @@
           <a:p>
             <a:pPr lvl="0"/>
             <a:r>
-              <a:rPr lang="en-US" dirty="0"/>
+              <a:rPr lang="en-US"/>
               <a:t>Click to add content</a:t>
             </a:r>
           </a:p>
           <a:p>
             <a:pPr lvl="1"/>
             <a:r>
-              <a:rPr lang="en-US" dirty="0"/>
+              <a:rPr lang="en-US"/>
               <a:t>Second level</a:t>
             </a:r>
           </a:p>
           <a:p>
             <a:pPr lvl="2"/>
             <a:r>
-              <a:rPr lang="en-US" dirty="0"/>
+              <a:rPr lang="en-US"/>
               <a:t>Third level</a:t>
             </a:r>
           </a:p>
           <a:p>
             <a:pPr lvl="3"/>
             <a:r>
-              <a:rPr lang="en-US" dirty="0"/>
+              <a:rPr lang="en-US"/>
               <a:t>Fourth level</a:t>
             </a:r>
           </a:p>
           <a:p>
             <a:pPr lvl="4"/>
             <a:r>
-              <a:rPr lang="en-US" dirty="0"/>
+              <a:rPr lang="en-US"/>
               <a:t>Fifth level</a:t>
             </a:r>
           </a:p>
@@ -3066,7 +3340,7 @@
               <a:pPr/>
               <a:t>‹#›</a:t>
             </a:fld>
-            <a:endParaRPr lang="en-US" dirty="0">
+            <a:endParaRPr lang="en-US">
               <a:latin typeface="+mn-lt"/>
             </a:endParaRPr>
           </a:p>
@@ -3093,7 +3367,7 @@
           <a:bodyPr/>
           <a:lstStyle/>
           <a:p>
-            <a:endParaRPr lang="en-US" dirty="0">
+            <a:endParaRPr lang="en-US">
               <a:latin typeface="+mn-lt"/>
             </a:endParaRPr>
           </a:p>
@@ -3316,7 +3590,7 @@
             </a:bodyPr>
             <a:lstStyle/>
             <a:p>
-              <a:endParaRPr lang="en-US" dirty="0"/>
+              <a:endParaRPr lang="en-US"/>
             </a:p>
           </p:txBody>
         </p:sp>
@@ -3414,7 +3688,7 @@
             </a:bodyPr>
             <a:lstStyle/>
             <a:p>
-              <a:endParaRPr lang="en-US" dirty="0"/>
+              <a:endParaRPr lang="en-US"/>
             </a:p>
           </p:txBody>
         </p:sp>
@@ -3515,7 +3789,7 @@
             </a:bodyPr>
             <a:lstStyle/>
             <a:p>
-              <a:endParaRPr lang="en-US" dirty="0"/>
+              <a:endParaRPr lang="en-US"/>
             </a:p>
           </p:txBody>
         </p:sp>
@@ -3561,7 +3835,7 @@
           </a:lstStyle>
           <a:p>
             <a:r>
-              <a:rPr lang="en-US" dirty="0"/>
+              <a:rPr lang="en-US"/>
               <a:t>Click to add title </a:t>
             </a:r>
           </a:p>
@@ -3677,35 +3951,35 @@
           <a:p>
             <a:pPr lvl="0"/>
             <a:r>
-              <a:rPr lang="en-US" dirty="0"/>
+              <a:rPr lang="en-US"/>
               <a:t>Click to add content</a:t>
             </a:r>
           </a:p>
           <a:p>
             <a:pPr lvl="1"/>
             <a:r>
-              <a:rPr lang="en-US" dirty="0"/>
+              <a:rPr lang="en-US"/>
               <a:t>Second level</a:t>
             </a:r>
           </a:p>
           <a:p>
             <a:pPr lvl="2"/>
             <a:r>
-              <a:rPr lang="en-US" dirty="0"/>
+              <a:rPr lang="en-US"/>
               <a:t>Third level</a:t>
             </a:r>
           </a:p>
           <a:p>
             <a:pPr lvl="3"/>
             <a:r>
-              <a:rPr lang="en-US" dirty="0"/>
+              <a:rPr lang="en-US"/>
               <a:t>Fourth level</a:t>
             </a:r>
           </a:p>
           <a:p>
             <a:pPr lvl="4"/>
             <a:r>
-              <a:rPr lang="en-US" dirty="0"/>
+              <a:rPr lang="en-US"/>
               <a:t>Fifth level</a:t>
             </a:r>
           </a:p>
@@ -3774,35 +4048,35 @@
           <a:p>
             <a:pPr lvl="0"/>
             <a:r>
-              <a:rPr lang="en-US" dirty="0"/>
+              <a:rPr lang="en-US"/>
               <a:t>Click to add content</a:t>
             </a:r>
           </a:p>
           <a:p>
             <a:pPr lvl="1"/>
             <a:r>
-              <a:rPr lang="en-US" dirty="0"/>
+              <a:rPr lang="en-US"/>
               <a:t>Second level</a:t>
             </a:r>
           </a:p>
           <a:p>
             <a:pPr lvl="2"/>
             <a:r>
-              <a:rPr lang="en-US" dirty="0"/>
+              <a:rPr lang="en-US"/>
               <a:t>Third level</a:t>
             </a:r>
           </a:p>
           <a:p>
             <a:pPr lvl="3"/>
             <a:r>
-              <a:rPr lang="en-US" dirty="0"/>
+              <a:rPr lang="en-US"/>
               <a:t>Fourth level</a:t>
             </a:r>
           </a:p>
           <a:p>
             <a:pPr lvl="4"/>
             <a:r>
-              <a:rPr lang="en-US" dirty="0"/>
+              <a:rPr lang="en-US"/>
               <a:t>Fifth level</a:t>
             </a:r>
           </a:p>
@@ -3829,7 +4103,7 @@
           <a:bodyPr/>
           <a:lstStyle/>
           <a:p>
-            <a:endParaRPr lang="en-US" dirty="0">
+            <a:endParaRPr lang="en-US">
               <a:latin typeface="+mn-lt"/>
             </a:endParaRPr>
           </a:p>
@@ -3861,7 +4135,7 @@
               <a:pPr/>
               <a:t>‹#›</a:t>
             </a:fld>
-            <a:endParaRPr lang="en-US" dirty="0">
+            <a:endParaRPr lang="en-US">
               <a:latin typeface="+mn-lt"/>
             </a:endParaRPr>
           </a:p>
@@ -3997,7 +4271,7 @@
           </a:lstStyle>
           <a:p>
             <a:r>
-              <a:rPr lang="en-US" dirty="0"/>
+              <a:rPr lang="en-US"/>
               <a:t>Click to add title </a:t>
             </a:r>
           </a:p>
@@ -4039,7 +4313,6 @@
               <a:rPr lang="en-US"/>
               <a:t>Click icon to add table</a:t>
             </a:r>
-            <a:endParaRPr lang="en-US" dirty="0"/>
           </a:p>
         </p:txBody>
       </p:sp>
@@ -4069,7 +4342,7 @@
               <a:pPr/>
               <a:t>‹#›</a:t>
             </a:fld>
-            <a:endParaRPr lang="en-US" dirty="0">
+            <a:endParaRPr lang="en-US">
               <a:latin typeface="+mn-lt"/>
             </a:endParaRPr>
           </a:p>
@@ -4096,7 +4369,7 @@
           <a:bodyPr/>
           <a:lstStyle/>
           <a:p>
-            <a:endParaRPr lang="en-US" dirty="0">
+            <a:endParaRPr lang="en-US">
               <a:latin typeface="+mn-lt"/>
             </a:endParaRPr>
           </a:p>
@@ -4283,7 +4556,7 @@
           </a:lstStyle>
           <a:p>
             <a:r>
-              <a:rPr lang="en-US" dirty="0"/>
+              <a:rPr lang="en-US"/>
               <a:t>Click to add title </a:t>
             </a:r>
           </a:p>
@@ -4417,7 +4690,7 @@
             </a:bodyPr>
             <a:lstStyle/>
             <a:p>
-              <a:endParaRPr lang="en-US" dirty="0"/>
+              <a:endParaRPr lang="en-US"/>
             </a:p>
           </p:txBody>
         </p:sp>
@@ -4515,7 +4788,7 @@
             </a:bodyPr>
             <a:lstStyle/>
             <a:p>
-              <a:endParaRPr lang="en-US" dirty="0"/>
+              <a:endParaRPr lang="en-US"/>
             </a:p>
           </p:txBody>
         </p:sp>
@@ -4616,7 +4889,7 @@
             </a:bodyPr>
             <a:lstStyle/>
             <a:p>
-              <a:endParaRPr lang="en-US" dirty="0"/>
+              <a:endParaRPr lang="en-US"/>
             </a:p>
           </p:txBody>
         </p:sp>
@@ -4675,7 +4948,7 @@
           <a:p>
             <a:pPr lvl="0"/>
             <a:r>
-              <a:rPr lang="en-US" dirty="0"/>
+              <a:rPr lang="en-US"/>
               <a:t>Click to add text</a:t>
             </a:r>
           </a:p>
@@ -4929,7 +5202,7 @@
             </a:bodyPr>
             <a:lstStyle/>
             <a:p>
-              <a:endParaRPr lang="en-US" dirty="0"/>
+              <a:endParaRPr lang="en-US"/>
             </a:p>
           </p:txBody>
         </p:sp>
@@ -5041,7 +5314,7 @@
             </a:bodyPr>
             <a:lstStyle/>
             <a:p>
-              <a:endParaRPr lang="en-US" dirty="0"/>
+              <a:endParaRPr lang="en-US"/>
             </a:p>
           </p:txBody>
         </p:sp>
@@ -5139,7 +5412,7 @@
             </a:bodyPr>
             <a:lstStyle/>
             <a:p>
-              <a:endParaRPr lang="en-US" dirty="0"/>
+              <a:endParaRPr lang="en-US"/>
             </a:p>
           </p:txBody>
         </p:sp>
@@ -5239,7 +5512,7 @@
             </a:bodyPr>
             <a:lstStyle/>
             <a:p>
-              <a:endParaRPr lang="en-US" dirty="0"/>
+              <a:endParaRPr lang="en-US"/>
             </a:p>
           </p:txBody>
         </p:sp>
@@ -5350,7 +5623,7 @@
             </a:bodyPr>
             <a:lstStyle/>
             <a:p>
-              <a:endParaRPr lang="en-US" dirty="0"/>
+              <a:endParaRPr lang="en-US"/>
             </a:p>
           </p:txBody>
         </p:sp>
@@ -5393,7 +5666,7 @@
           </a:lstStyle>
           <a:p>
             <a:r>
-              <a:rPr lang="en-US" dirty="0"/>
+              <a:rPr lang="en-US"/>
               <a:t>Click to add title </a:t>
             </a:r>
           </a:p>
@@ -5474,35 +5747,35 @@
           <a:p>
             <a:pPr lvl="0"/>
             <a:r>
-              <a:rPr lang="en-US" dirty="0"/>
+              <a:rPr lang="en-US"/>
               <a:t>Click to add content</a:t>
             </a:r>
           </a:p>
           <a:p>
             <a:pPr lvl="1"/>
             <a:r>
-              <a:rPr lang="en-US" dirty="0"/>
+              <a:rPr lang="en-US"/>
               <a:t>Second level</a:t>
             </a:r>
           </a:p>
           <a:p>
             <a:pPr lvl="2"/>
             <a:r>
-              <a:rPr lang="en-US" dirty="0"/>
+              <a:rPr lang="en-US"/>
               <a:t>Third level</a:t>
             </a:r>
           </a:p>
           <a:p>
             <a:pPr lvl="3"/>
             <a:r>
-              <a:rPr lang="en-US" dirty="0"/>
+              <a:rPr lang="en-US"/>
               <a:t>Fourth level</a:t>
             </a:r>
           </a:p>
           <a:p>
             <a:pPr lvl="4"/>
             <a:r>
-              <a:rPr lang="en-US" dirty="0"/>
+              <a:rPr lang="en-US"/>
               <a:t>Fifth level</a:t>
             </a:r>
           </a:p>
@@ -5534,7 +5807,7 @@
               <a:pPr/>
               <a:t>‹#›</a:t>
             </a:fld>
-            <a:endParaRPr lang="en-US" dirty="0">
+            <a:endParaRPr lang="en-US">
               <a:latin typeface="+mn-lt"/>
             </a:endParaRPr>
           </a:p>
@@ -5561,7 +5834,7 @@
           <a:bodyPr/>
           <a:lstStyle/>
           <a:p>
-            <a:endParaRPr lang="en-US" dirty="0">
+            <a:endParaRPr lang="en-US">
               <a:latin typeface="+mn-lt"/>
             </a:endParaRPr>
           </a:p>
@@ -5773,7 +6046,6 @@
               <a:rPr lang="en-US"/>
               <a:t>Click icon to add picture</a:t>
             </a:r>
-            <a:endParaRPr lang="en-US" dirty="0"/>
           </a:p>
         </p:txBody>
       </p:sp>
@@ -5818,7 +6090,7 @@
           </a:lstStyle>
           <a:p>
             <a:r>
-              <a:rPr lang="en-US" dirty="0"/>
+              <a:rPr lang="en-US"/>
               <a:t>Click to add title </a:t>
             </a:r>
           </a:p>
@@ -5875,7 +6147,7 @@
           <a:lstStyle/>
           <a:p>
             <a:pPr algn="ctr"/>
-            <a:endParaRPr lang="en-US" dirty="0"/>
+            <a:endParaRPr lang="en-US"/>
           </a:p>
         </p:txBody>
       </p:sp>
@@ -5987,7 +6259,7 @@
           </a:lstStyle>
           <a:p>
             <a:r>
-              <a:rPr lang="en-US" dirty="0"/>
+              <a:rPr lang="en-US"/>
               <a:t>Click to add title </a:t>
             </a:r>
           </a:p>
@@ -6030,7 +6302,6 @@
               <a:rPr lang="en-US"/>
               <a:t>Click icon to add picture</a:t>
             </a:r>
-            <a:endParaRPr lang="en-US" dirty="0"/>
           </a:p>
         </p:txBody>
       </p:sp>
@@ -6088,7 +6359,7 @@
           <a:p>
             <a:pPr lvl="0"/>
             <a:r>
-              <a:rPr lang="en-US" dirty="0"/>
+              <a:rPr lang="en-US"/>
               <a:t>Click to add text</a:t>
             </a:r>
           </a:p>
@@ -6356,7 +6627,7 @@
             </a:bodyPr>
             <a:lstStyle/>
             <a:p>
-              <a:endParaRPr lang="en-US" dirty="0"/>
+              <a:endParaRPr lang="en-US"/>
             </a:p>
           </p:txBody>
         </p:sp>
@@ -6454,7 +6725,7 @@
             </a:bodyPr>
             <a:lstStyle/>
             <a:p>
-              <a:endParaRPr lang="en-US" dirty="0"/>
+              <a:endParaRPr lang="en-US"/>
             </a:p>
           </p:txBody>
         </p:sp>
@@ -6555,7 +6826,7 @@
             </a:bodyPr>
             <a:lstStyle/>
             <a:p>
-              <a:endParaRPr lang="en-US" dirty="0"/>
+              <a:endParaRPr lang="en-US"/>
             </a:p>
           </p:txBody>
         </p:sp>
@@ -6598,7 +6869,7 @@
           </a:lstStyle>
           <a:p>
             <a:r>
-              <a:rPr lang="en-US" dirty="0"/>
+              <a:rPr lang="en-US"/>
               <a:t>Click to add title </a:t>
             </a:r>
           </a:p>
@@ -6667,35 +6938,35 @@
           <a:p>
             <a:pPr lvl="0"/>
             <a:r>
-              <a:rPr lang="en-US" dirty="0"/>
+              <a:rPr lang="en-US"/>
               <a:t>Click to add content</a:t>
             </a:r>
           </a:p>
           <a:p>
             <a:pPr lvl="1"/>
             <a:r>
-              <a:rPr lang="en-US" dirty="0"/>
+              <a:rPr lang="en-US"/>
               <a:t>Second level</a:t>
             </a:r>
           </a:p>
           <a:p>
             <a:pPr lvl="2"/>
             <a:r>
-              <a:rPr lang="en-US" dirty="0"/>
+              <a:rPr lang="en-US"/>
               <a:t>Third level</a:t>
             </a:r>
           </a:p>
           <a:p>
             <a:pPr lvl="3"/>
             <a:r>
-              <a:rPr lang="en-US" dirty="0"/>
+              <a:rPr lang="en-US"/>
               <a:t>Fourth level</a:t>
             </a:r>
           </a:p>
           <a:p>
             <a:pPr lvl="4"/>
             <a:r>
-              <a:rPr lang="en-US" dirty="0"/>
+              <a:rPr lang="en-US"/>
               <a:t>Fifth level</a:t>
             </a:r>
           </a:p>
@@ -6727,7 +6998,7 @@
               <a:pPr/>
               <a:t>‹#›</a:t>
             </a:fld>
-            <a:endParaRPr lang="en-US" dirty="0">
+            <a:endParaRPr lang="en-US">
               <a:latin typeface="+mn-lt"/>
             </a:endParaRPr>
           </a:p>
@@ -6754,7 +7025,7 @@
           <a:bodyPr/>
           <a:lstStyle/>
           <a:p>
-            <a:endParaRPr lang="en-US" dirty="0">
+            <a:endParaRPr lang="en-US">
               <a:latin typeface="+mn-lt"/>
             </a:endParaRPr>
           </a:p>
@@ -6903,7 +7174,7 @@
           </a:lstStyle>
           <a:p>
             <a:r>
-              <a:rPr lang="en-US" dirty="0"/>
+              <a:rPr lang="en-US"/>
               <a:t>Click to add title </a:t>
             </a:r>
           </a:p>
@@ -7037,7 +7308,7 @@
             </a:bodyPr>
             <a:lstStyle/>
             <a:p>
-              <a:endParaRPr lang="en-US" dirty="0"/>
+              <a:endParaRPr lang="en-US"/>
             </a:p>
           </p:txBody>
         </p:sp>
@@ -7135,7 +7406,7 @@
             </a:bodyPr>
             <a:lstStyle/>
             <a:p>
-              <a:endParaRPr lang="en-US" dirty="0"/>
+              <a:endParaRPr lang="en-US"/>
             </a:p>
           </p:txBody>
         </p:sp>
@@ -7236,7 +7507,7 @@
             </a:bodyPr>
             <a:lstStyle/>
             <a:p>
-              <a:endParaRPr lang="en-US" dirty="0"/>
+              <a:endParaRPr lang="en-US"/>
             </a:p>
           </p:txBody>
         </p:sp>
@@ -7343,7 +7614,7 @@
           <a:p>
             <a:pPr lvl="0"/>
             <a:r>
-              <a:rPr lang="en-US" dirty="0"/>
+              <a:rPr lang="en-US"/>
               <a:t>Click to add text</a:t>
             </a:r>
           </a:p>
@@ -7515,7 +7786,7 @@
             </a:bodyPr>
             <a:lstStyle/>
             <a:p>
-              <a:endParaRPr lang="en-US" dirty="0"/>
+              <a:endParaRPr lang="en-US"/>
             </a:p>
           </p:txBody>
         </p:sp>
@@ -7613,7 +7884,7 @@
             </a:bodyPr>
             <a:lstStyle/>
             <a:p>
-              <a:endParaRPr lang="en-US" dirty="0"/>
+              <a:endParaRPr lang="en-US"/>
             </a:p>
           </p:txBody>
         </p:sp>
@@ -7714,7 +7985,7 @@
             </a:bodyPr>
             <a:lstStyle/>
             <a:p>
-              <a:endParaRPr lang="en-US" dirty="0"/>
+              <a:endParaRPr lang="en-US"/>
             </a:p>
           </p:txBody>
         </p:sp>
@@ -7760,7 +8031,7 @@
           </a:lstStyle>
           <a:p>
             <a:r>
-              <a:rPr lang="en-US" dirty="0"/>
+              <a:rPr lang="en-US"/>
               <a:t>Click to add title </a:t>
             </a:r>
           </a:p>
@@ -7829,35 +8100,35 @@
           <a:p>
             <a:pPr lvl="0"/>
             <a:r>
-              <a:rPr lang="en-US" dirty="0"/>
+              <a:rPr lang="en-US"/>
               <a:t>Click to add content</a:t>
             </a:r>
           </a:p>
           <a:p>
             <a:pPr lvl="1"/>
             <a:r>
-              <a:rPr lang="en-US" dirty="0"/>
+              <a:rPr lang="en-US"/>
               <a:t>Second level</a:t>
             </a:r>
           </a:p>
           <a:p>
             <a:pPr lvl="2"/>
             <a:r>
-              <a:rPr lang="en-US" dirty="0"/>
+              <a:rPr lang="en-US"/>
               <a:t>Third level</a:t>
             </a:r>
           </a:p>
           <a:p>
             <a:pPr lvl="3"/>
             <a:r>
-              <a:rPr lang="en-US" dirty="0"/>
+              <a:rPr lang="en-US"/>
               <a:t>Fourth level</a:t>
             </a:r>
           </a:p>
           <a:p>
             <a:pPr lvl="4"/>
             <a:r>
-              <a:rPr lang="en-US" dirty="0"/>
+              <a:rPr lang="en-US"/>
               <a:t>Fifth level</a:t>
             </a:r>
           </a:p>
@@ -7926,35 +8197,35 @@
           <a:p>
             <a:pPr lvl="0"/>
             <a:r>
-              <a:rPr lang="en-US" dirty="0"/>
+              <a:rPr lang="en-US"/>
               <a:t>Click to add content</a:t>
             </a:r>
           </a:p>
           <a:p>
             <a:pPr lvl="1"/>
             <a:r>
-              <a:rPr lang="en-US" dirty="0"/>
+              <a:rPr lang="en-US"/>
               <a:t>Second level</a:t>
             </a:r>
           </a:p>
           <a:p>
             <a:pPr lvl="2"/>
             <a:r>
-              <a:rPr lang="en-US" dirty="0"/>
+              <a:rPr lang="en-US"/>
               <a:t>Third level</a:t>
             </a:r>
           </a:p>
           <a:p>
             <a:pPr lvl="3"/>
             <a:r>
-              <a:rPr lang="en-US" dirty="0"/>
+              <a:rPr lang="en-US"/>
               <a:t>Fourth level</a:t>
             </a:r>
           </a:p>
           <a:p>
             <a:pPr lvl="4"/>
             <a:r>
-              <a:rPr lang="en-US" dirty="0"/>
+              <a:rPr lang="en-US"/>
               <a:t>Fifth level</a:t>
             </a:r>
           </a:p>
@@ -7986,7 +8257,7 @@
               <a:pPr/>
               <a:t>‹#›</a:t>
             </a:fld>
-            <a:endParaRPr lang="en-US" dirty="0">
+            <a:endParaRPr lang="en-US">
               <a:latin typeface="+mn-lt"/>
             </a:endParaRPr>
           </a:p>
@@ -8013,7 +8284,7 @@
           <a:bodyPr/>
           <a:lstStyle/>
           <a:p>
-            <a:endParaRPr lang="en-US" dirty="0">
+            <a:endParaRPr lang="en-US">
               <a:latin typeface="+mn-lt"/>
             </a:endParaRPr>
           </a:p>
@@ -8326,7 +8597,7 @@
             </a:bodyPr>
             <a:lstStyle/>
             <a:p>
-              <a:endParaRPr lang="en-US" dirty="0"/>
+              <a:endParaRPr lang="en-US"/>
             </a:p>
           </p:txBody>
         </p:sp>
@@ -8438,7 +8709,7 @@
             </a:bodyPr>
             <a:lstStyle/>
             <a:p>
-              <a:endParaRPr lang="en-US" dirty="0"/>
+              <a:endParaRPr lang="en-US"/>
             </a:p>
           </p:txBody>
         </p:sp>
@@ -8536,7 +8807,7 @@
             </a:bodyPr>
             <a:lstStyle/>
             <a:p>
-              <a:endParaRPr lang="en-US" dirty="0"/>
+              <a:endParaRPr lang="en-US"/>
             </a:p>
           </p:txBody>
         </p:sp>
@@ -8636,7 +8907,7 @@
             </a:bodyPr>
             <a:lstStyle/>
             <a:p>
-              <a:endParaRPr lang="en-US" dirty="0"/>
+              <a:endParaRPr lang="en-US"/>
             </a:p>
           </p:txBody>
         </p:sp>
@@ -8747,7 +9018,7 @@
             </a:bodyPr>
             <a:lstStyle/>
             <a:p>
-              <a:endParaRPr lang="en-US" dirty="0"/>
+              <a:endParaRPr lang="en-US"/>
             </a:p>
           </p:txBody>
         </p:sp>
@@ -8793,7 +9064,7 @@
           </a:lstStyle>
           <a:p>
             <a:r>
-              <a:rPr lang="en-US" dirty="0"/>
+              <a:rPr lang="en-US"/>
               <a:t>Click to add title </a:t>
             </a:r>
           </a:p>
@@ -8918,27 +9189,27 @@
           <a:p>
             <a:pPr lvl="0"/>
             <a:r>
-              <a:rPr lang="en-US" dirty="0"/>
+              <a:rPr lang="en-US"/>
               <a:t>Click to add content</a:t>
             </a:r>
           </a:p>
           <a:p>
             <a:pPr lvl="1"/>
             <a:r>
-              <a:rPr lang="en-US" dirty="0"/>
+              <a:rPr lang="en-US"/>
               <a:t>Second level</a:t>
             </a:r>
           </a:p>
           <a:p>
             <a:pPr lvl="2"/>
             <a:r>
-              <a:rPr lang="en-US" dirty="0"/>
+              <a:rPr lang="en-US"/>
               <a:t>Third level</a:t>
             </a:r>
           </a:p>
           <a:p>
             <a:pPr lvl="3"/>
-            <a:endParaRPr lang="en-US" dirty="0"/>
+            <a:endParaRPr lang="en-US"/>
           </a:p>
         </p:txBody>
       </p:sp>
@@ -9005,35 +9276,35 @@
           <a:p>
             <a:pPr lvl="0"/>
             <a:r>
-              <a:rPr lang="en-US" dirty="0"/>
+              <a:rPr lang="en-US"/>
               <a:t>Click to add content</a:t>
             </a:r>
           </a:p>
           <a:p>
             <a:pPr lvl="1"/>
             <a:r>
-              <a:rPr lang="en-US" dirty="0"/>
+              <a:rPr lang="en-US"/>
               <a:t>Second level</a:t>
             </a:r>
           </a:p>
           <a:p>
             <a:pPr lvl="2"/>
             <a:r>
-              <a:rPr lang="en-US" dirty="0"/>
+              <a:rPr lang="en-US"/>
               <a:t>Third level</a:t>
             </a:r>
           </a:p>
           <a:p>
             <a:pPr lvl="3"/>
             <a:r>
-              <a:rPr lang="en-US" dirty="0"/>
+              <a:rPr lang="en-US"/>
               <a:t>Fourth level</a:t>
             </a:r>
           </a:p>
           <a:p>
             <a:pPr lvl="4"/>
             <a:r>
-              <a:rPr lang="en-US" dirty="0"/>
+              <a:rPr lang="en-US"/>
               <a:t>Fifth level</a:t>
             </a:r>
           </a:p>
@@ -9065,7 +9336,7 @@
               <a:pPr/>
               <a:t>‹#›</a:t>
             </a:fld>
-            <a:endParaRPr lang="en-US" dirty="0">
+            <a:endParaRPr lang="en-US">
               <a:latin typeface="+mn-lt"/>
             </a:endParaRPr>
           </a:p>
@@ -9092,7 +9363,7 @@
           <a:bodyPr/>
           <a:lstStyle/>
           <a:p>
-            <a:endParaRPr lang="en-US" dirty="0">
+            <a:endParaRPr lang="en-US">
               <a:latin typeface="+mn-lt"/>
             </a:endParaRPr>
           </a:p>
@@ -9228,7 +9499,7 @@
           </a:lstStyle>
           <a:p>
             <a:r>
-              <a:rPr lang="en-US" dirty="0"/>
+              <a:rPr lang="en-US"/>
               <a:t>Click to add title </a:t>
             </a:r>
           </a:p>
@@ -9297,35 +9568,35 @@
           <a:p>
             <a:pPr lvl="0"/>
             <a:r>
-              <a:rPr lang="en-US" dirty="0"/>
+              <a:rPr lang="en-US"/>
               <a:t>Click to add content</a:t>
             </a:r>
           </a:p>
           <a:p>
             <a:pPr lvl="1"/>
             <a:r>
-              <a:rPr lang="en-US" dirty="0"/>
+              <a:rPr lang="en-US"/>
               <a:t>Second level</a:t>
             </a:r>
           </a:p>
           <a:p>
             <a:pPr lvl="2"/>
             <a:r>
-              <a:rPr lang="en-US" dirty="0"/>
+              <a:rPr lang="en-US"/>
               <a:t>Third level</a:t>
             </a:r>
           </a:p>
           <a:p>
             <a:pPr lvl="3"/>
             <a:r>
-              <a:rPr lang="en-US" dirty="0"/>
+              <a:rPr lang="en-US"/>
               <a:t>Fourth level</a:t>
             </a:r>
           </a:p>
           <a:p>
             <a:pPr lvl="4"/>
             <a:r>
-              <a:rPr lang="en-US" dirty="0"/>
+              <a:rPr lang="en-US"/>
               <a:t>Fifth level</a:t>
             </a:r>
           </a:p>
@@ -9420,7 +9691,6 @@
               <a:rPr lang="en-US"/>
               <a:t>Click icon to add picture</a:t>
             </a:r>
-            <a:endParaRPr lang="en-US" dirty="0"/>
           </a:p>
         </p:txBody>
       </p:sp>
@@ -9450,7 +9720,7 @@
               <a:pPr/>
               <a:t>‹#›</a:t>
             </a:fld>
-            <a:endParaRPr lang="en-US" dirty="0">
+            <a:endParaRPr lang="en-US">
               <a:latin typeface="+mn-lt"/>
             </a:endParaRPr>
           </a:p>
@@ -9477,7 +9747,7 @@
           <a:bodyPr/>
           <a:lstStyle/>
           <a:p>
-            <a:endParaRPr lang="en-US" dirty="0">
+            <a:endParaRPr lang="en-US">
               <a:latin typeface="+mn-lt"/>
             </a:endParaRPr>
           </a:p>
@@ -9636,7 +9906,6 @@
               <a:rPr lang="en-US"/>
               <a:t>Fifth level</a:t>
             </a:r>
-            <a:endParaRPr lang="en-US" dirty="0"/>
           </a:p>
         </p:txBody>
       </p:sp>
@@ -9675,7 +9944,6 @@
               <a:rPr lang="en-US"/>
               <a:t>Click to edit Master title style</a:t>
             </a:r>
-            <a:endParaRPr lang="en-US" dirty="0"/>
           </a:p>
         </p:txBody>
       </p:sp>
@@ -9717,7 +9985,7 @@
             </a:lvl1pPr>
           </a:lstStyle>
           <a:p>
-            <a:endParaRPr lang="en-US" dirty="0">
+            <a:endParaRPr lang="en-US">
               <a:latin typeface="+mn-lt"/>
             </a:endParaRPr>
           </a:p>
@@ -9766,7 +10034,7 @@
               <a:pPr/>
               <a:t>‹#›</a:t>
             </a:fld>
-            <a:endParaRPr lang="en-US" dirty="0"/>
+            <a:endParaRPr lang="en-US"/>
           </a:p>
         </p:txBody>
       </p:sp>
@@ -10268,26 +10536,26 @@
           <a:lstStyle/>
           <a:p>
             <a:r>
-              <a:rPr lang="en-US" dirty="0"/>
+              <a:rPr lang="en-US"/>
               <a:t>Seattle Data AI Security Hackathon</a:t>
             </a:r>
             <a:br>
-              <a:rPr lang="en-US" dirty="0"/>
+              <a:rPr lang="en-US"/>
             </a:br>
             <a:r>
-              <a:rPr lang="en-US" dirty="0"/>
+              <a:rPr lang="en-US"/>
               <a:t>Team 4</a:t>
             </a:r>
             <a:br>
-              <a:rPr lang="en-US" dirty="0"/>
+              <a:rPr lang="en-US"/>
             </a:br>
             <a:br>
-              <a:rPr lang="en-US" dirty="0"/>
+              <a:rPr lang="en-US"/>
             </a:br>
             <a:endParaRPr lang="en-US" sz="3600" b="0"/>
           </a:p>
           <a:p>
-            <a:endParaRPr lang="en-US" dirty="0"/>
+            <a:endParaRPr lang="en-US"/>
           </a:p>
         </p:txBody>
       </p:sp>
@@ -10354,7 +10622,7 @@
           <a:lstStyle/>
           <a:p>
             <a:r>
-              <a:rPr lang="en-US" dirty="0"/>
+              <a:rPr lang="en-US"/>
               <a:t>AI Tutor Page</a:t>
             </a:r>
           </a:p>
@@ -10488,7 +10756,7 @@
             </a:bodyPr>
             <a:lstStyle/>
             <a:p>
-              <a:endParaRPr lang="en-US" dirty="0"/>
+              <a:endParaRPr lang="en-US"/>
             </a:p>
           </p:txBody>
         </p:sp>
@@ -10586,7 +10854,7 @@
             </a:bodyPr>
             <a:lstStyle/>
             <a:p>
-              <a:endParaRPr lang="en-US" dirty="0"/>
+              <a:endParaRPr lang="en-US"/>
             </a:p>
           </p:txBody>
         </p:sp>
@@ -10687,7 +10955,7 @@
             </a:bodyPr>
             <a:lstStyle/>
             <a:p>
-              <a:endParaRPr lang="en-US" dirty="0"/>
+              <a:endParaRPr lang="en-US"/>
             </a:p>
           </p:txBody>
         </p:sp>
@@ -10721,6 +10989,52 @@
           </a:xfrm>
         </p:spPr>
       </p:pic>
+      <p:sp>
+        <p:nvSpPr>
+          <p:cNvPr id="4" name="TextBox 3">
+            <a:extLst>
+              <a:ext uri="{FF2B5EF4-FFF2-40B4-BE49-F238E27FC236}">
+                <a16:creationId xmlns:a16="http://schemas.microsoft.com/office/drawing/2014/main" id="{67298D1B-4BD3-FADA-A0FC-C8E0F1B9B115}"/>
+              </a:ext>
+            </a:extLst>
+          </p:cNvPr>
+          <p:cNvSpPr txBox="1"/>
+          <p:nvPr/>
+        </p:nvSpPr>
+        <p:spPr>
+          <a:xfrm>
+            <a:off x="588164" y="2561784"/>
+            <a:ext cx="2743200" cy="2031325"/>
+          </a:xfrm>
+          <a:prstGeom prst="rect">
+            <a:avLst/>
+          </a:prstGeom>
+          <a:noFill/>
+        </p:spPr>
+        <p:txBody>
+          <a:bodyPr rot="0" spcFirstLastPara="0" vertOverflow="overflow" horzOverflow="overflow" vert="horz" wrap="square" lIns="91440" tIns="45720" rIns="91440" bIns="45720" numCol="1" spcCol="0" rtlCol="0" fromWordArt="0" anchor="t" anchorCtr="0" forceAA="0" compatLnSpc="1">
+            <a:prstTxWarp prst="textNoShape">
+              <a:avLst/>
+            </a:prstTxWarp>
+            <a:spAutoFit/>
+          </a:bodyPr>
+          <a:lstStyle/>
+          <a:p>
+            <a:r>
+              <a:rPr lang="en-US">
+                <a:solidFill>
+                  <a:schemeClr val="bg2">
+                    <a:lumMod val="10000"/>
+                  </a:schemeClr>
+                </a:solidFill>
+                <a:ea typeface="+mn-lt"/>
+                <a:cs typeface="+mn-lt"/>
+              </a:rPr>
+              <a:t>Students can ask specific questions, and the AI tutor provides instant, tailored responses and explanations to help the student better understand the topic.</a:t>
+            </a:r>
+          </a:p>
+        </p:txBody>
+      </p:sp>
     </p:spTree>
     <p:extLst>
       <p:ext uri="{BB962C8B-B14F-4D97-AF65-F5344CB8AC3E}">
@@ -10735,6 +11049,139 @@
 </file>
 
 <file path=ppt/slides/slide11.xml><?xml version="1.0" encoding="utf-8"?>
+<p:sld xmlns:a="http://schemas.openxmlformats.org/drawingml/2006/main" xmlns:r="http://schemas.openxmlformats.org/officeDocument/2006/relationships" xmlns:p="http://schemas.openxmlformats.org/presentationml/2006/main">
+  <p:cSld>
+    <p:spTree>
+      <p:nvGrpSpPr>
+        <p:cNvPr id="1" name=""/>
+        <p:cNvGrpSpPr/>
+        <p:nvPr/>
+      </p:nvGrpSpPr>
+      <p:grpSpPr>
+        <a:xfrm>
+          <a:off x="0" y="0"/>
+          <a:ext cx="0" cy="0"/>
+          <a:chOff x="0" y="0"/>
+          <a:chExt cx="0" cy="0"/>
+        </a:xfrm>
+      </p:grpSpPr>
+      <p:sp>
+        <p:nvSpPr>
+          <p:cNvPr id="2" name="Title 1">
+            <a:extLst>
+              <a:ext uri="{FF2B5EF4-FFF2-40B4-BE49-F238E27FC236}">
+                <a16:creationId xmlns:a16="http://schemas.microsoft.com/office/drawing/2014/main" id="{5163ACFA-F295-D7CA-6E0C-020B04F97D7B}"/>
+              </a:ext>
+            </a:extLst>
+          </p:cNvPr>
+          <p:cNvSpPr>
+            <a:spLocks noGrp="1"/>
+          </p:cNvSpPr>
+          <p:nvPr>
+            <p:ph type="title"/>
+          </p:nvPr>
+        </p:nvSpPr>
+        <p:spPr/>
+        <p:txBody>
+          <a:bodyPr/>
+          <a:lstStyle/>
+          <a:p>
+            <a:r>
+              <a:rPr lang="en-US"/>
+              <a:t>Student Card Page</a:t>
+            </a:r>
+          </a:p>
+        </p:txBody>
+      </p:sp>
+      <p:pic>
+        <p:nvPicPr>
+          <p:cNvPr id="4" name="Content Placeholder 3" descr="A screenshot of a computer&#10;&#10;AI-generated content may be incorrect.">
+            <a:extLst>
+              <a:ext uri="{FF2B5EF4-FFF2-40B4-BE49-F238E27FC236}">
+                <a16:creationId xmlns:a16="http://schemas.microsoft.com/office/drawing/2014/main" id="{341056E5-E02C-42A7-38A6-6D970BA4BCFC}"/>
+              </a:ext>
+            </a:extLst>
+          </p:cNvPr>
+          <p:cNvPicPr>
+            <a:picLocks noGrp="1" noChangeAspect="1"/>
+          </p:cNvPicPr>
+          <p:nvPr>
+            <p:ph sz="quarter" idx="13"/>
+          </p:nvPr>
+        </p:nvPicPr>
+        <p:blipFill>
+          <a:blip r:embed="rId2"/>
+          <a:stretch>
+            <a:fillRect/>
+          </a:stretch>
+        </p:blipFill>
+        <p:spPr>
+          <a:xfrm>
+            <a:off x="4272953" y="2282008"/>
+            <a:ext cx="6579794" cy="3699328"/>
+          </a:xfrm>
+        </p:spPr>
+      </p:pic>
+      <p:sp>
+        <p:nvSpPr>
+          <p:cNvPr id="6" name="TextBox 5">
+            <a:extLst>
+              <a:ext uri="{FF2B5EF4-FFF2-40B4-BE49-F238E27FC236}">
+                <a16:creationId xmlns:a16="http://schemas.microsoft.com/office/drawing/2014/main" id="{76992D44-BA42-D782-0C1F-5A47F4A544A7}"/>
+              </a:ext>
+            </a:extLst>
+          </p:cNvPr>
+          <p:cNvSpPr txBox="1"/>
+          <p:nvPr/>
+        </p:nvSpPr>
+        <p:spPr>
+          <a:xfrm>
+            <a:off x="588164" y="2561784"/>
+            <a:ext cx="2743200" cy="2308324"/>
+          </a:xfrm>
+          <a:prstGeom prst="rect">
+            <a:avLst/>
+          </a:prstGeom>
+          <a:noFill/>
+        </p:spPr>
+        <p:txBody>
+          <a:bodyPr rot="0" spcFirstLastPara="0" vertOverflow="overflow" horzOverflow="overflow" vert="horz" wrap="square" lIns="91440" tIns="45720" rIns="91440" bIns="45720" numCol="1" spcCol="0" rtlCol="0" fromWordArt="0" anchor="t" anchorCtr="0" forceAA="0" compatLnSpc="1">
+            <a:prstTxWarp prst="textNoShape">
+              <a:avLst/>
+            </a:prstTxWarp>
+            <a:spAutoFit/>
+          </a:bodyPr>
+          <a:lstStyle/>
+          <a:p>
+            <a:r>
+              <a:rPr lang="en-US">
+                <a:solidFill>
+                  <a:schemeClr val="bg2">
+                    <a:lumMod val="10000"/>
+                  </a:schemeClr>
+                </a:solidFill>
+                <a:ea typeface="+mn-lt"/>
+                <a:cs typeface="+mn-lt"/>
+              </a:rPr>
+              <a:t>Displays personalized AI-driven insights into the student’s progress, strengths, and areas needing improvement, offering suggestions for further study based on performance.</a:t>
+            </a:r>
+          </a:p>
+        </p:txBody>
+      </p:sp>
+    </p:spTree>
+    <p:extLst>
+      <p:ext uri="{BB962C8B-B14F-4D97-AF65-F5344CB8AC3E}">
+        <p14:creationId xmlns:p14="http://schemas.microsoft.com/office/powerpoint/2010/main" val="3445109077"/>
+      </p:ext>
+    </p:extLst>
+  </p:cSld>
+  <p:clrMapOvr>
+    <a:masterClrMapping/>
+  </p:clrMapOvr>
+</p:sld>
+</file>
+
+<file path=ppt/slides/slide12.xml><?xml version="1.0" encoding="utf-8"?>
 <p:sld xmlns:a="http://schemas.openxmlformats.org/drawingml/2006/main" xmlns:r="http://schemas.openxmlformats.org/officeDocument/2006/relationships" xmlns:p="http://schemas.openxmlformats.org/presentationml/2006/main">
   <p:cSld>
     <p:spTree>
@@ -10779,13 +11226,13 @@
           <a:lstStyle/>
           <a:p>
             <a:r>
-              <a:rPr lang="en-US" b="0" dirty="0">
+              <a:rPr lang="en-US" b="0">
                 <a:ea typeface="+mj-lt"/>
                 <a:cs typeface="+mj-lt"/>
               </a:rPr>
               <a:t>System Architecture and Technologies Used</a:t>
             </a:r>
-            <a:endParaRPr lang="en-US" dirty="0">
+            <a:endParaRPr lang="en-US">
               <a:ea typeface="+mj-lt"/>
               <a:cs typeface="+mj-lt"/>
             </a:endParaRPr>
@@ -10808,12 +11255,262 @@
             <p:ph sz="quarter" idx="13"/>
           </p:nvPr>
         </p:nvSpPr>
-        <p:spPr/>
+        <p:spPr>
+          <a:xfrm>
+            <a:off x="594359" y="1790711"/>
+            <a:ext cx="9454746" cy="4855623"/>
+          </a:xfrm>
+        </p:spPr>
         <p:txBody>
-          <a:bodyPr/>
+          <a:bodyPr vert="horz" lIns="0" tIns="228600" rIns="0" bIns="0" rtlCol="0" anchor="t">
+            <a:normAutofit fontScale="92500" lnSpcReduction="10000"/>
+          </a:bodyPr>
           <a:lstStyle/>
           <a:p>
+            <a:pPr marL="0" indent="0">
+              <a:buNone/>
+            </a:pPr>
+            <a:endParaRPr lang="en-US" sz="1800" b="0">
+              <a:solidFill>
+                <a:srgbClr val="132602"/>
+              </a:solidFill>
+              <a:ea typeface="Calibri"/>
+              <a:cs typeface="Calibri"/>
+            </a:endParaRPr>
+          </a:p>
+          <a:p>
+            <a:pPr marL="283210" indent="-283210">
+              <a:buFont typeface="Arial"/>
+              <a:buChar char="•"/>
+            </a:pPr>
+            <a:r>
+              <a:rPr lang="en-US" sz="1800" b="0">
+                <a:solidFill>
+                  <a:srgbClr val="132602"/>
+                </a:solidFill>
+                <a:ea typeface="+mn-lt"/>
+                <a:cs typeface="+mn-lt"/>
+              </a:rPr>
+              <a:t>AI Tutors: Multi-agent system for Math, Science, and History tutoring.</a:t>
+            </a:r>
+            <a:endParaRPr lang="en-US" sz="1800" b="0">
+              <a:solidFill>
+                <a:srgbClr val="132602"/>
+              </a:solidFill>
+            </a:endParaRPr>
+          </a:p>
+          <a:p>
+            <a:pPr marL="283210" indent="-283210">
+              <a:buFont typeface="Arial"/>
+              <a:buChar char="•"/>
+            </a:pPr>
+            <a:r>
+              <a:rPr lang="en-US" sz="1800" b="0">
+                <a:solidFill>
+                  <a:srgbClr val="132602"/>
+                </a:solidFill>
+                <a:ea typeface="+mn-lt"/>
+                <a:cs typeface="+mn-lt"/>
+              </a:rPr>
+              <a:t>Student Interaction: Students post questions, receive AI-generated answers with feedback.</a:t>
+            </a:r>
             <a:endParaRPr lang="en-US"/>
+          </a:p>
+          <a:p>
+            <a:pPr marL="283210" indent="-283210">
+              <a:buFont typeface="Arial"/>
+              <a:buChar char="•"/>
+            </a:pPr>
+            <a:r>
+              <a:rPr lang="en-US" sz="1800" b="0">
+                <a:solidFill>
+                  <a:srgbClr val="132602"/>
+                </a:solidFill>
+                <a:ea typeface="+mn-lt"/>
+                <a:cs typeface="+mn-lt"/>
+              </a:rPr>
+              <a:t>Quiz Generation: AI-powered quiz creation and answer validation.</a:t>
+            </a:r>
+            <a:endParaRPr lang="en-US" sz="1800" b="0">
+              <a:solidFill>
+                <a:srgbClr val="132602"/>
+              </a:solidFill>
+            </a:endParaRPr>
+          </a:p>
+          <a:p>
+            <a:pPr marL="283210" indent="-283210">
+              <a:buFont typeface="Arial"/>
+              <a:buChar char="•"/>
+            </a:pPr>
+            <a:r>
+              <a:rPr lang="en-US" sz="1800" b="0">
+                <a:solidFill>
+                  <a:srgbClr val="132602"/>
+                </a:solidFill>
+                <a:ea typeface="+mn-lt"/>
+                <a:cs typeface="+mn-lt"/>
+              </a:rPr>
+              <a:t>Multimodal Inputs: Supports text, image, and PDF uploads for AI-assisted learning. </a:t>
+            </a:r>
+          </a:p>
+          <a:p>
+            <a:pPr marL="283210" indent="-283210">
+              <a:buFont typeface="Arial"/>
+              <a:buChar char="•"/>
+            </a:pPr>
+            <a:r>
+              <a:rPr lang="en-US" sz="1800" b="0">
+                <a:solidFill>
+                  <a:schemeClr val="bg1"/>
+                </a:solidFill>
+                <a:ea typeface="+mn-lt"/>
+                <a:cs typeface="+mn-lt"/>
+              </a:rPr>
+              <a:t>Student Card:allows students to receive AI-generated feedback and interdisciplinary learning suggestions based on their recent activities and academic progress in different subjects.</a:t>
+            </a:r>
+            <a:br>
+              <a:rPr lang="en-US" sz="1800" b="0">
+                <a:ea typeface="+mn-lt"/>
+                <a:cs typeface="+mn-lt"/>
+              </a:rPr>
+            </a:br>
+            <a:br>
+              <a:rPr lang="en-US" sz="1800" b="0">
+                <a:ea typeface="+mn-lt"/>
+                <a:cs typeface="+mn-lt"/>
+              </a:rPr>
+            </a:br>
+            <a:r>
+              <a:rPr lang="en-US" sz="1800">
+                <a:solidFill>
+                  <a:srgbClr val="132602"/>
+                </a:solidFill>
+                <a:ea typeface="+mn-lt"/>
+                <a:cs typeface="+mn-lt"/>
+              </a:rPr>
+              <a:t>Technologies: </a:t>
+            </a:r>
+            <a:endParaRPr lang="en-US" sz="1800" b="0">
+              <a:solidFill>
+                <a:srgbClr val="132602"/>
+              </a:solidFill>
+              <a:ea typeface="+mn-lt"/>
+              <a:cs typeface="+mn-lt"/>
+            </a:endParaRPr>
+          </a:p>
+          <a:p>
+            <a:pPr marL="283210" indent="-283210">
+              <a:buFont typeface="Arial"/>
+              <a:buChar char="•"/>
+            </a:pPr>
+            <a:r>
+              <a:rPr lang="en-US" sz="1800" b="0">
+                <a:solidFill>
+                  <a:srgbClr val="132602"/>
+                </a:solidFill>
+                <a:ea typeface="+mn-lt"/>
+                <a:cs typeface="+mn-lt"/>
+              </a:rPr>
+              <a:t>Backend: Flask API for requests (questions, quizzes, progress, uploads).</a:t>
+            </a:r>
+          </a:p>
+          <a:p>
+            <a:pPr marL="283210" indent="-283210">
+              <a:buFont typeface="Arial"/>
+              <a:buChar char="•"/>
+            </a:pPr>
+            <a:r>
+              <a:rPr lang="en-US" sz="1800" b="0">
+                <a:solidFill>
+                  <a:srgbClr val="132602"/>
+                </a:solidFill>
+                <a:ea typeface="+mn-lt"/>
+                <a:cs typeface="+mn-lt"/>
+              </a:rPr>
+              <a:t>AI Engine: Google Gemini AI for tutoring, validation, and quiz generation.</a:t>
+            </a:r>
+            <a:endParaRPr lang="en-US"/>
+          </a:p>
+          <a:p>
+            <a:pPr marL="283210" indent="-283210">
+              <a:buFont typeface="Arial"/>
+              <a:buChar char="•"/>
+            </a:pPr>
+            <a:r>
+              <a:rPr lang="en-US" sz="1800" b="0">
+                <a:solidFill>
+                  <a:srgbClr val="132602"/>
+                </a:solidFill>
+                <a:ea typeface="+mn-lt"/>
+                <a:cs typeface="+mn-lt"/>
+              </a:rPr>
+              <a:t>Frontend: React for interactive UI and student engagement.</a:t>
+            </a:r>
+            <a:endParaRPr lang="en-US"/>
+          </a:p>
+          <a:p>
+            <a:pPr marL="0" indent="0">
+              <a:buNone/>
+            </a:pPr>
+            <a:endParaRPr lang="en-US" sz="1800" b="0">
+              <a:solidFill>
+                <a:srgbClr val="132602"/>
+              </a:solidFill>
+              <a:ea typeface="+mn-lt"/>
+              <a:cs typeface="+mn-lt"/>
+            </a:endParaRPr>
+          </a:p>
+          <a:p>
+            <a:pPr marL="283210" indent="-283210">
+              <a:buFont typeface="Arial"/>
+              <a:buChar char="•"/>
+            </a:pPr>
+            <a:endParaRPr lang="en-US" sz="1800" b="0">
+              <a:solidFill>
+                <a:srgbClr val="5D7D40"/>
+              </a:solidFill>
+              <a:ea typeface="+mn-lt"/>
+              <a:cs typeface="+mn-lt"/>
+            </a:endParaRPr>
+          </a:p>
+          <a:p>
+            <a:pPr marL="283210" indent="-283210">
+              <a:buFont typeface="Arial"/>
+              <a:buChar char="•"/>
+            </a:pPr>
+            <a:endParaRPr lang="en-US" sz="1800" b="0">
+              <a:solidFill>
+                <a:srgbClr val="132602"/>
+              </a:solidFill>
+              <a:ea typeface="Calibri"/>
+              <a:cs typeface="Calibri"/>
+            </a:endParaRPr>
+          </a:p>
+          <a:p>
+            <a:pPr marL="283210" indent="-283210">
+              <a:buFont typeface="Arial"/>
+              <a:buChar char="•"/>
+            </a:pPr>
+            <a:endParaRPr lang="en-US" sz="1800" b="0">
+              <a:solidFill>
+                <a:srgbClr val="132602"/>
+              </a:solidFill>
+              <a:ea typeface="Calibri"/>
+              <a:cs typeface="Calibri"/>
+            </a:endParaRPr>
+          </a:p>
+          <a:p>
+            <a:pPr marL="0" indent="0">
+              <a:buNone/>
+            </a:pPr>
+            <a:endParaRPr lang="en-US">
+              <a:solidFill>
+                <a:srgbClr val="5D7D40"/>
+              </a:solidFill>
+              <a:latin typeface="Franklin Gothic Book"/>
+              <a:ea typeface="Calibri"/>
+              <a:cs typeface="Calibri"/>
+            </a:endParaRPr>
           </a:p>
         </p:txBody>
       </p:sp>
@@ -10830,7 +11527,7 @@
 </p:sld>
 </file>
 
-<file path=ppt/slides/slide12.xml><?xml version="1.0" encoding="utf-8"?>
+<file path=ppt/slides/slide13.xml><?xml version="1.0" encoding="utf-8"?>
 <p:sld xmlns:a="http://schemas.openxmlformats.org/drawingml/2006/main" xmlns:r="http://schemas.openxmlformats.org/officeDocument/2006/relationships" xmlns:p="http://schemas.openxmlformats.org/presentationml/2006/main">
   <p:cSld>
     <p:spTree>
@@ -10875,13 +11572,13 @@
           <a:lstStyle/>
           <a:p>
             <a:r>
-              <a:rPr lang="en-US" b="0" dirty="0">
+              <a:rPr lang="en-US" b="0">
                 <a:ea typeface="+mj-lt"/>
                 <a:cs typeface="+mj-lt"/>
               </a:rPr>
               <a:t>Key Features, Use case and Impact</a:t>
             </a:r>
-            <a:endParaRPr lang="en-US" dirty="0">
+            <a:endParaRPr lang="en-US">
               <a:ea typeface="+mj-lt"/>
               <a:cs typeface="+mj-lt"/>
             </a:endParaRPr>
@@ -10906,10 +11603,138 @@
         </p:nvSpPr>
         <p:spPr/>
         <p:txBody>
-          <a:bodyPr/>
+          <a:bodyPr vert="horz" lIns="0" tIns="228600" rIns="0" bIns="0" rtlCol="0" anchor="t">
+            <a:normAutofit lnSpcReduction="10000"/>
+          </a:bodyPr>
           <a:lstStyle/>
           <a:p>
+            <a:pPr marL="283210" indent="-283210"/>
+            <a:r>
+              <a:rPr lang="en-US" sz="1800" b="0">
+                <a:solidFill>
+                  <a:srgbClr val="132602"/>
+                </a:solidFill>
+              </a:rPr>
+              <a:t>AI </a:t>
+            </a:r>
+            <a:r>
+              <a:rPr lang="en-US" sz="1800" b="0">
+                <a:solidFill>
+                  <a:srgbClr val="132602"/>
+                </a:solidFill>
+                <a:ea typeface="+mn-lt"/>
+                <a:cs typeface="+mn-lt"/>
+              </a:rPr>
+              <a:t>Tutoring &amp; Peer Learning: Personalized AI tutors with Q&amp;A and feedback.</a:t>
+            </a:r>
+            <a:endParaRPr lang="en-US" sz="1800" b="0">
+              <a:solidFill>
+                <a:srgbClr val="132602"/>
+              </a:solidFill>
+            </a:endParaRPr>
+          </a:p>
+          <a:p>
+            <a:pPr marL="283210" indent="-283210"/>
+            <a:r>
+              <a:rPr lang="en-US" sz="1800" b="0">
+                <a:solidFill>
+                  <a:srgbClr val="132602"/>
+                </a:solidFill>
+                <a:ea typeface="+mn-lt"/>
+                <a:cs typeface="+mn-lt"/>
+              </a:rPr>
+              <a:t>Quiz Generation: AI-powered quizzes for continuous learning.</a:t>
+            </a:r>
             <a:endParaRPr lang="en-US"/>
+          </a:p>
+          <a:p>
+            <a:pPr marL="283210" indent="-283210"/>
+            <a:r>
+              <a:rPr lang="en-US" sz="1800" b="0">
+                <a:solidFill>
+                  <a:srgbClr val="132602"/>
+                </a:solidFill>
+                <a:ea typeface="+mn-lt"/>
+                <a:cs typeface="+mn-lt"/>
+              </a:rPr>
+              <a:t>Multimodal Support: Handles text, images, and PDFs for diverse learning.</a:t>
+            </a:r>
+            <a:endParaRPr lang="en-US" sz="1800" b="0">
+              <a:solidFill>
+                <a:srgbClr val="132602"/>
+              </a:solidFill>
+            </a:endParaRPr>
+          </a:p>
+          <a:p>
+            <a:pPr marL="283210" indent="-283210"/>
+            <a:r>
+              <a:rPr lang="en-US" sz="1800" b="0">
+                <a:solidFill>
+                  <a:srgbClr val="132602"/>
+                </a:solidFill>
+                <a:ea typeface="+mn-lt"/>
+                <a:cs typeface="+mn-lt"/>
+              </a:rPr>
+              <a:t>Feedback on Student Progress and Activity</a:t>
+            </a:r>
+          </a:p>
+          <a:p>
+            <a:pPr marL="283210" indent="-283210"/>
+            <a:r>
+              <a:rPr lang="en-US" sz="1800">
+                <a:solidFill>
+                  <a:srgbClr val="132602"/>
+                </a:solidFill>
+                <a:ea typeface="+mn-lt"/>
+                <a:cs typeface="+mn-lt"/>
+              </a:rPr>
+              <a:t>Use Case</a:t>
+            </a:r>
+            <a:r>
+              <a:rPr lang="en-US" sz="1800" b="0">
+                <a:solidFill>
+                  <a:srgbClr val="132602"/>
+                </a:solidFill>
+                <a:ea typeface="+mn-lt"/>
+                <a:cs typeface="+mn-lt"/>
+              </a:rPr>
+              <a:t>: Personalized learning and assessment for students across subjects.</a:t>
+            </a:r>
+            <a:endParaRPr lang="en-US"/>
+          </a:p>
+          <a:p>
+            <a:pPr marL="283210" indent="-283210"/>
+            <a:r>
+              <a:rPr lang="en-US" sz="1800">
+                <a:solidFill>
+                  <a:srgbClr val="132602"/>
+                </a:solidFill>
+                <a:ea typeface="+mn-lt"/>
+                <a:cs typeface="+mn-lt"/>
+              </a:rPr>
+              <a:t>Impact:</a:t>
+            </a:r>
+            <a:r>
+              <a:rPr lang="en-US" sz="1800" b="0">
+                <a:solidFill>
+                  <a:srgbClr val="132602"/>
+                </a:solidFill>
+                <a:ea typeface="+mn-lt"/>
+                <a:cs typeface="+mn-lt"/>
+              </a:rPr>
+              <a:t> Improves learning outcomes, engagement, and academic progress.</a:t>
+            </a:r>
+            <a:endParaRPr lang="en-US"/>
+          </a:p>
+          <a:p>
+            <a:pPr marL="283210" indent="-283210">
+              <a:buFont typeface="Arial,Sans-Serif" panose="020B0604020202020204" pitchFamily="34" charset="0"/>
+            </a:pPr>
+            <a:endParaRPr lang="en-US" sz="1800" b="0">
+              <a:solidFill>
+                <a:srgbClr val="132602"/>
+              </a:solidFill>
+            </a:endParaRPr>
           </a:p>
         </p:txBody>
       </p:sp>
@@ -10926,7 +11751,7 @@
 </p:sld>
 </file>
 
-<file path=ppt/slides/slide13.xml><?xml version="1.0" encoding="utf-8"?>
+<file path=ppt/slides/slide14.xml><?xml version="1.0" encoding="utf-8"?>
 <p:sld xmlns:a="http://schemas.openxmlformats.org/drawingml/2006/main" xmlns:r="http://schemas.openxmlformats.org/officeDocument/2006/relationships" xmlns:p="http://schemas.openxmlformats.org/presentationml/2006/main">
   <p:cSld>
     <p:spTree>
@@ -10997,11 +11822,114 @@
             <p:ph sz="quarter" idx="13"/>
           </p:nvPr>
         </p:nvSpPr>
-        <p:spPr/>
+        <p:spPr>
+          <a:xfrm>
+            <a:off x="594359" y="1992551"/>
+            <a:ext cx="6787747" cy="3997884"/>
+          </a:xfrm>
+        </p:spPr>
         <p:txBody>
-          <a:bodyPr/>
+          <a:bodyPr vert="horz" lIns="0" tIns="228600" rIns="0" bIns="0" rtlCol="0" anchor="t">
+            <a:normAutofit/>
+          </a:bodyPr>
           <a:lstStyle/>
           <a:p>
+            <a:pPr marL="0" indent="0">
+              <a:buNone/>
+            </a:pPr>
+            <a:endParaRPr lang="en-US" sz="1800" b="0">
+              <a:solidFill>
+                <a:srgbClr val="132602"/>
+              </a:solidFill>
+            </a:endParaRPr>
+          </a:p>
+          <a:p>
+            <a:pPr marL="283210" indent="-283210">
+              <a:buFont typeface="Arial"/>
+              <a:buChar char="•"/>
+            </a:pPr>
+            <a:r>
+              <a:rPr lang="en-US" sz="1800" b="0">
+                <a:solidFill>
+                  <a:srgbClr val="132602"/>
+                </a:solidFill>
+                <a:ea typeface="+mn-lt"/>
+                <a:cs typeface="+mn-lt"/>
+              </a:rPr>
+              <a:t>Scalability: Handling large user base and data for real-time interactions.</a:t>
+            </a:r>
+            <a:endParaRPr lang="en-US" sz="1800" b="0">
+              <a:solidFill>
+                <a:srgbClr val="132602"/>
+              </a:solidFill>
+            </a:endParaRPr>
+          </a:p>
+          <a:p>
+            <a:pPr marL="283210" indent="-283210">
+              <a:buFont typeface="Arial"/>
+              <a:buChar char="•"/>
+            </a:pPr>
+            <a:r>
+              <a:rPr lang="en-US" sz="1800" b="0">
+                <a:solidFill>
+                  <a:srgbClr val="132602"/>
+                </a:solidFill>
+                <a:ea typeface="+mn-lt"/>
+                <a:cs typeface="+mn-lt"/>
+              </a:rPr>
+              <a:t>AI Accuracy: Ensuring consistent quality and relevance of AI-generated content.</a:t>
+            </a:r>
+            <a:endParaRPr lang="en-US"/>
+          </a:p>
+          <a:p>
+            <a:pPr marL="283210" indent="-283210">
+              <a:buFont typeface="Arial"/>
+              <a:buChar char="•"/>
+            </a:pPr>
+            <a:r>
+              <a:rPr lang="en-US" sz="1800" b="0">
+                <a:solidFill>
+                  <a:srgbClr val="132602"/>
+                </a:solidFill>
+                <a:ea typeface="+mn-lt"/>
+                <a:cs typeface="+mn-lt"/>
+              </a:rPr>
+              <a:t>Multimodal Integration: Enhancing file processing for better context understanding.</a:t>
+            </a:r>
+            <a:endParaRPr lang="en-US"/>
+          </a:p>
+          <a:p>
+            <a:pPr marL="283210" indent="-283210">
+              <a:buFont typeface="Arial"/>
+              <a:buChar char="•"/>
+            </a:pPr>
+            <a:r>
+              <a:rPr lang="en-US" sz="1800" b="0">
+                <a:solidFill>
+                  <a:srgbClr val="132602"/>
+                </a:solidFill>
+                <a:ea typeface="+mn-lt"/>
+                <a:cs typeface="+mn-lt"/>
+              </a:rPr>
+              <a:t>Future Enhancements: Expand subject coverage, include voice support, and refine peer-learning features.</a:t>
+            </a:r>
+            <a:endParaRPr lang="en-US"/>
+          </a:p>
+          <a:p>
+            <a:pPr marL="283210" indent="-283210">
+              <a:buFont typeface="Arial"/>
+              <a:buChar char="•"/>
+            </a:pPr>
+            <a:endParaRPr lang="en-US" sz="1800" b="0">
+              <a:solidFill>
+                <a:srgbClr val="132602"/>
+              </a:solidFill>
+            </a:endParaRPr>
+          </a:p>
+          <a:p>
+            <a:pPr marL="0" indent="0">
+              <a:buNone/>
+            </a:pPr>
             <a:endParaRPr lang="en-US"/>
           </a:p>
         </p:txBody>
@@ -11010,209 +11938,6 @@
     <p:extLst>
       <p:ext uri="{BB962C8B-B14F-4D97-AF65-F5344CB8AC3E}">
         <p14:creationId xmlns:p14="http://schemas.microsoft.com/office/powerpoint/2010/main" val="476344069"/>
-      </p:ext>
-    </p:extLst>
-  </p:cSld>
-  <p:clrMapOvr>
-    <a:masterClrMapping/>
-  </p:clrMapOvr>
-</p:sld>
-</file>
-
-<file path=ppt/slides/slide14.xml><?xml version="1.0" encoding="utf-8"?>
-<p:sld xmlns:a="http://schemas.openxmlformats.org/drawingml/2006/main" xmlns:r="http://schemas.openxmlformats.org/officeDocument/2006/relationships" xmlns:p="http://schemas.openxmlformats.org/presentationml/2006/main">
-  <p:cSld>
-    <p:spTree>
-      <p:nvGrpSpPr>
-        <p:cNvPr id="1" name=""/>
-        <p:cNvGrpSpPr/>
-        <p:nvPr/>
-      </p:nvGrpSpPr>
-      <p:grpSpPr>
-        <a:xfrm>
-          <a:off x="0" y="0"/>
-          <a:ext cx="0" cy="0"/>
-          <a:chOff x="0" y="0"/>
-          <a:chExt cx="0" cy="0"/>
-        </a:xfrm>
-      </p:grpSpPr>
-      <p:sp>
-        <p:nvSpPr>
-          <p:cNvPr id="2" name="Title 1">
-            <a:extLst>
-              <a:ext uri="{FF2B5EF4-FFF2-40B4-BE49-F238E27FC236}">
-                <a16:creationId xmlns:a16="http://schemas.microsoft.com/office/drawing/2014/main" id="{F0759DC4-8B30-98A0-5BAB-C78BA4A4AD55}"/>
-              </a:ext>
-            </a:extLst>
-          </p:cNvPr>
-          <p:cNvSpPr>
-            <a:spLocks noGrp="1"/>
-          </p:cNvSpPr>
-          <p:nvPr>
-            <p:ph type="title"/>
-          </p:nvPr>
-        </p:nvSpPr>
-        <p:spPr>
-          <a:xfrm>
-            <a:off x="594360" y="198408"/>
-            <a:ext cx="10972800" cy="1574317"/>
-          </a:xfrm>
-        </p:spPr>
-        <p:txBody>
-          <a:bodyPr/>
-          <a:lstStyle/>
-          <a:p>
-            <a:r>
-              <a:rPr lang="en-US" dirty="0"/>
-              <a:t>Final tips &amp; takeaways</a:t>
-            </a:r>
-          </a:p>
-        </p:txBody>
-      </p:sp>
-      <p:sp>
-        <p:nvSpPr>
-          <p:cNvPr id="3" name="Content Placeholder 2">
-            <a:extLst>
-              <a:ext uri="{FF2B5EF4-FFF2-40B4-BE49-F238E27FC236}">
-                <a16:creationId xmlns:a16="http://schemas.microsoft.com/office/drawing/2014/main" id="{4096FB3A-B62C-3DAB-4FD1-B4EBDD650AEF}"/>
-              </a:ext>
-            </a:extLst>
-          </p:cNvPr>
-          <p:cNvSpPr>
-            <a:spLocks noGrp="1"/>
-          </p:cNvSpPr>
-          <p:nvPr>
-            <p:ph sz="quarter" idx="13"/>
-          </p:nvPr>
-        </p:nvSpPr>
-        <p:spPr>
-          <a:xfrm>
-            <a:off x="595523" y="2676525"/>
-            <a:ext cx="5746750" cy="3597470"/>
-          </a:xfrm>
-        </p:spPr>
-        <p:txBody>
-          <a:bodyPr/>
-          <a:lstStyle/>
-          <a:p>
-            <a:r>
-              <a:rPr lang="en-US" dirty="0"/>
-              <a:t>Consistent rehearsal</a:t>
-            </a:r>
-          </a:p>
-          <a:p>
-            <a:pPr lvl="1"/>
-            <a:r>
-              <a:rPr lang="en-US" dirty="0"/>
-              <a:t>Strengthen your familiarity</a:t>
-            </a:r>
-          </a:p>
-          <a:p>
-            <a:r>
-              <a:rPr lang="en-US" dirty="0"/>
-              <a:t>Refine delivery style</a:t>
-            </a:r>
-          </a:p>
-          <a:p>
-            <a:pPr lvl="1"/>
-            <a:r>
-              <a:rPr lang="en-US" dirty="0"/>
-              <a:t>Pacing, tone, and emphasis</a:t>
-            </a:r>
-          </a:p>
-          <a:p>
-            <a:r>
-              <a:rPr lang="en-US" dirty="0"/>
-              <a:t>Timing and transitions</a:t>
-            </a:r>
-          </a:p>
-          <a:p>
-            <a:pPr lvl="1"/>
-            <a:r>
-              <a:rPr lang="en-US" dirty="0"/>
-              <a:t>Aim for seamless, professional delivery</a:t>
-            </a:r>
-          </a:p>
-          <a:p>
-            <a:r>
-              <a:rPr lang="en-US" dirty="0"/>
-              <a:t>Practice audience</a:t>
-            </a:r>
-          </a:p>
-          <a:p>
-            <a:pPr lvl="1"/>
-            <a:r>
-              <a:rPr lang="en-US" dirty="0"/>
-              <a:t>Enlist colleagues to listen &amp; provide feedback</a:t>
-            </a:r>
-          </a:p>
-          <a:p>
-            <a:pPr lvl="1"/>
-            <a:endParaRPr lang="en-US" dirty="0"/>
-          </a:p>
-        </p:txBody>
-      </p:sp>
-      <p:sp>
-        <p:nvSpPr>
-          <p:cNvPr id="4" name="Content Placeholder 3">
-            <a:extLst>
-              <a:ext uri="{FF2B5EF4-FFF2-40B4-BE49-F238E27FC236}">
-                <a16:creationId xmlns:a16="http://schemas.microsoft.com/office/drawing/2014/main" id="{43E198AA-251D-4446-30C4-8F2FA7F6A72C}"/>
-              </a:ext>
-            </a:extLst>
-          </p:cNvPr>
-          <p:cNvSpPr>
-            <a:spLocks noGrp="1"/>
-          </p:cNvSpPr>
-          <p:nvPr>
-            <p:ph sz="quarter" idx="14"/>
-          </p:nvPr>
-        </p:nvSpPr>
-        <p:spPr>
-          <a:xfrm>
-            <a:off x="7620000" y="2676525"/>
-            <a:ext cx="3947160" cy="3597470"/>
-          </a:xfrm>
-        </p:spPr>
-        <p:txBody>
-          <a:bodyPr/>
-          <a:lstStyle/>
-          <a:p>
-            <a:r>
-              <a:rPr lang="en-US" dirty="0"/>
-              <a:t>Seek feedback</a:t>
-            </a:r>
-          </a:p>
-          <a:p>
-            <a:r>
-              <a:rPr lang="en-US" dirty="0"/>
-              <a:t>Reflect on performance</a:t>
-            </a:r>
-          </a:p>
-          <a:p>
-            <a:r>
-              <a:rPr lang="en-US" dirty="0"/>
-              <a:t>Explore new techniques</a:t>
-            </a:r>
-          </a:p>
-          <a:p>
-            <a:r>
-              <a:rPr lang="en-US" dirty="0"/>
-              <a:t>Set personal goals</a:t>
-            </a:r>
-          </a:p>
-          <a:p>
-            <a:r>
-              <a:rPr lang="en-US" dirty="0"/>
-              <a:t>Iterate and adapt</a:t>
-            </a:r>
-          </a:p>
-        </p:txBody>
-      </p:sp>
-    </p:spTree>
-    <p:extLst>
-      <p:ext uri="{BB962C8B-B14F-4D97-AF65-F5344CB8AC3E}">
-        <p14:creationId xmlns:p14="http://schemas.microsoft.com/office/powerpoint/2010/main" val="1850768898"/>
       </p:ext>
     </p:extLst>
   </p:cSld>
@@ -11244,6 +11969,252 @@
           <p:cNvPr id="2" name="Title 1">
             <a:extLst>
               <a:ext uri="{FF2B5EF4-FFF2-40B4-BE49-F238E27FC236}">
+                <a16:creationId xmlns:a16="http://schemas.microsoft.com/office/drawing/2014/main" id="{F0759DC4-8B30-98A0-5BAB-C78BA4A4AD55}"/>
+              </a:ext>
+            </a:extLst>
+          </p:cNvPr>
+          <p:cNvSpPr>
+            <a:spLocks noGrp="1"/>
+          </p:cNvSpPr>
+          <p:nvPr>
+            <p:ph type="title"/>
+          </p:nvPr>
+        </p:nvSpPr>
+        <p:spPr>
+          <a:xfrm>
+            <a:off x="594360" y="198408"/>
+            <a:ext cx="10972800" cy="769984"/>
+          </a:xfrm>
+        </p:spPr>
+        <p:txBody>
+          <a:bodyPr/>
+          <a:lstStyle/>
+          <a:p>
+            <a:r>
+              <a:rPr lang="en-US"/>
+              <a:t>Final tips &amp; takeaways</a:t>
+            </a:r>
+          </a:p>
+        </p:txBody>
+      </p:sp>
+      <p:sp>
+        <p:nvSpPr>
+          <p:cNvPr id="3" name="Content Placeholder 2">
+            <a:extLst>
+              <a:ext uri="{FF2B5EF4-FFF2-40B4-BE49-F238E27FC236}">
+                <a16:creationId xmlns:a16="http://schemas.microsoft.com/office/drawing/2014/main" id="{4096FB3A-B62C-3DAB-4FD1-B4EBDD650AEF}"/>
+              </a:ext>
+            </a:extLst>
+          </p:cNvPr>
+          <p:cNvSpPr>
+            <a:spLocks noGrp="1"/>
+          </p:cNvSpPr>
+          <p:nvPr>
+            <p:ph sz="quarter" idx="13"/>
+          </p:nvPr>
+        </p:nvSpPr>
+        <p:spPr>
+          <a:xfrm>
+            <a:off x="595523" y="969080"/>
+            <a:ext cx="10361082" cy="3597470"/>
+          </a:xfrm>
+        </p:spPr>
+        <p:txBody>
+          <a:bodyPr vert="horz" lIns="0" tIns="45720" rIns="91440" bIns="45720" rtlCol="0" anchor="t">
+            <a:noAutofit/>
+          </a:bodyPr>
+          <a:lstStyle/>
+          <a:p>
+            <a:r>
+              <a:rPr lang="en-US" sz="1400" b="1">
+                <a:ea typeface="+mn-lt"/>
+                <a:cs typeface="+mn-lt"/>
+              </a:rPr>
+              <a:t>Emphasize the Impact:</a:t>
+            </a:r>
+            <a:endParaRPr lang="en-US" sz="1400">
+              <a:ea typeface="+mn-lt"/>
+              <a:cs typeface="+mn-lt"/>
+            </a:endParaRPr>
+          </a:p>
+          <a:p>
+            <a:r>
+              <a:rPr lang="en-US" sz="1400">
+                <a:ea typeface="+mn-lt"/>
+                <a:cs typeface="+mn-lt"/>
+              </a:rPr>
+              <a:t>Our AI-powered multi-agent tutoring system has the potential to transform education by offering personalized learning at scale.</a:t>
+            </a:r>
+          </a:p>
+          <a:p>
+            <a:r>
+              <a:rPr lang="en-US" sz="1400">
+                <a:ea typeface="+mn-lt"/>
+                <a:cs typeface="+mn-lt"/>
+              </a:rPr>
+              <a:t>The system not only helps students but also encourages peer collaboration and interdisciplinary connections between subjects.</a:t>
+            </a:r>
+          </a:p>
+          <a:p>
+            <a:r>
+              <a:rPr lang="en-US" sz="1400" b="1">
+                <a:ea typeface="+mn-lt"/>
+                <a:cs typeface="+mn-lt"/>
+              </a:rPr>
+              <a:t>Key Takeaways:</a:t>
+            </a:r>
+            <a:endParaRPr lang="en-US" sz="1400">
+              <a:ea typeface="+mn-lt"/>
+              <a:cs typeface="+mn-lt"/>
+            </a:endParaRPr>
+          </a:p>
+          <a:p>
+            <a:pPr>
+              <a:buFont typeface="Arial"/>
+              <a:buChar char="•"/>
+            </a:pPr>
+            <a:r>
+              <a:rPr lang="en-US" sz="1400" b="1">
+                <a:ea typeface="+mn-lt"/>
+                <a:cs typeface="+mn-lt"/>
+              </a:rPr>
+              <a:t>Scalability</a:t>
+            </a:r>
+            <a:r>
+              <a:rPr lang="en-US" sz="1400">
+                <a:ea typeface="+mn-lt"/>
+                <a:cs typeface="+mn-lt"/>
+              </a:rPr>
+              <a:t>: The system can expand to support different subjects, making it adaptable to various educational contexts.</a:t>
+            </a:r>
+            <a:endParaRPr lang="en-US" sz="1400"/>
+          </a:p>
+          <a:p>
+            <a:pPr>
+              <a:buFont typeface="Arial"/>
+              <a:buChar char="•"/>
+            </a:pPr>
+            <a:r>
+              <a:rPr lang="en-US" sz="1400" b="1">
+                <a:ea typeface="+mn-lt"/>
+                <a:cs typeface="+mn-lt"/>
+              </a:rPr>
+              <a:t>Engagement</a:t>
+            </a:r>
+            <a:r>
+              <a:rPr lang="en-US" sz="1400">
+                <a:ea typeface="+mn-lt"/>
+                <a:cs typeface="+mn-lt"/>
+              </a:rPr>
+              <a:t>: The integration of peer learning and AI feedback enhances student engagement and improves learning outcomes.</a:t>
+            </a:r>
+            <a:endParaRPr lang="en-US" sz="1400"/>
+          </a:p>
+          <a:p>
+            <a:pPr>
+              <a:buFont typeface="Arial"/>
+              <a:buChar char="•"/>
+            </a:pPr>
+            <a:r>
+              <a:rPr lang="en-US" sz="1400" b="1">
+                <a:ea typeface="+mn-lt"/>
+                <a:cs typeface="+mn-lt"/>
+              </a:rPr>
+              <a:t>Interdisciplinary Collaboration</a:t>
+            </a:r>
+            <a:r>
+              <a:rPr lang="en-US" sz="1400">
+                <a:ea typeface="+mn-lt"/>
+                <a:cs typeface="+mn-lt"/>
+              </a:rPr>
+              <a:t>: AI agents foster connections across topics, promoting deeper understanding and a more holistic approach to learning.</a:t>
+            </a:r>
+          </a:p>
+          <a:p>
+            <a:r>
+              <a:rPr lang="en-US" sz="1400" b="1">
+                <a:ea typeface="+mn-lt"/>
+                <a:cs typeface="+mn-lt"/>
+              </a:rPr>
+              <a:t>Final Tip:</a:t>
+            </a:r>
+            <a:endParaRPr lang="en-US" sz="1400"/>
+          </a:p>
+          <a:p>
+            <a:r>
+              <a:rPr lang="en-US" sz="1400">
+                <a:ea typeface="+mn-lt"/>
+                <a:cs typeface="+mn-lt"/>
+              </a:rPr>
+              <a:t>The success of this system lies in its ability to adapt to each student’s unique learning style while maintaining real-time, intelligent interactions.</a:t>
+            </a:r>
+          </a:p>
+          <a:p>
+            <a:r>
+              <a:rPr lang="en-US" sz="1400" b="1">
+                <a:ea typeface="+mn-lt"/>
+                <a:cs typeface="+mn-lt"/>
+              </a:rPr>
+              <a:t>Call to Action:</a:t>
+            </a:r>
+            <a:endParaRPr lang="en-US" sz="1400">
+              <a:ea typeface="+mn-lt"/>
+              <a:cs typeface="+mn-lt"/>
+            </a:endParaRPr>
+          </a:p>
+          <a:p>
+            <a:r>
+              <a:rPr lang="en-US" sz="1400">
+                <a:ea typeface="+mn-lt"/>
+                <a:cs typeface="+mn-lt"/>
+              </a:rPr>
+              <a:t>We are excited to take this prototype forward, refine the system, and implement it on a larger scale in educational settings.</a:t>
+            </a:r>
+          </a:p>
+          <a:p>
+            <a:pPr marL="285750" indent="-285750">
+              <a:buFont typeface="Arial"/>
+              <a:buChar char="•"/>
+            </a:pPr>
+            <a:endParaRPr lang="en-US" sz="1400" b="1"/>
+          </a:p>
+        </p:txBody>
+      </p:sp>
+    </p:spTree>
+    <p:extLst>
+      <p:ext uri="{BB962C8B-B14F-4D97-AF65-F5344CB8AC3E}">
+        <p14:creationId xmlns:p14="http://schemas.microsoft.com/office/powerpoint/2010/main" val="1850768898"/>
+      </p:ext>
+    </p:extLst>
+  </p:cSld>
+  <p:clrMapOvr>
+    <a:masterClrMapping/>
+  </p:clrMapOvr>
+</p:sld>
+</file>
+
+<file path=ppt/slides/slide16.xml><?xml version="1.0" encoding="utf-8"?>
+<p:sld xmlns:a="http://schemas.openxmlformats.org/drawingml/2006/main" xmlns:r="http://schemas.openxmlformats.org/officeDocument/2006/relationships" xmlns:p="http://schemas.openxmlformats.org/presentationml/2006/main">
+  <p:cSld>
+    <p:spTree>
+      <p:nvGrpSpPr>
+        <p:cNvPr id="1" name=""/>
+        <p:cNvGrpSpPr/>
+        <p:nvPr/>
+      </p:nvGrpSpPr>
+      <p:grpSpPr>
+        <a:xfrm>
+          <a:off x="0" y="0"/>
+          <a:ext cx="0" cy="0"/>
+          <a:chOff x="0" y="0"/>
+          <a:chExt cx="0" cy="0"/>
+        </a:xfrm>
+      </p:grpSpPr>
+      <p:sp>
+        <p:nvSpPr>
+          <p:cNvPr id="2" name="Title 1">
+            <a:extLst>
+              <a:ext uri="{FF2B5EF4-FFF2-40B4-BE49-F238E27FC236}">
                 <a16:creationId xmlns:a16="http://schemas.microsoft.com/office/drawing/2014/main" id="{F810C1B7-6E4E-3DEE-50C0-1CA3B14303EE}"/>
               </a:ext>
             </a:extLst>
@@ -11266,7 +12237,7 @@
           <a:lstStyle/>
           <a:p>
             <a:r>
-              <a:rPr lang="en-US" dirty="0"/>
+              <a:rPr lang="en-US"/>
               <a:t>Thank you</a:t>
             </a:r>
           </a:p>
@@ -11301,7 +12272,7 @@
           <a:lstStyle/>
           <a:p>
             <a:r>
-              <a:rPr lang="en-US" dirty="0">
+              <a:rPr lang="en-US">
                 <a:solidFill>
                   <a:srgbClr val="132602"/>
                 </a:solidFill>
@@ -11374,35 +12345,27 @@
           <a:lstStyle/>
           <a:p>
             <a:r>
-              <a:rPr lang="en-US" sz="3600" b="0" dirty="0">
+              <a:rPr lang="en-US" sz="3600" b="0">
                 <a:solidFill>
                   <a:srgbClr val="000000"/>
                 </a:solidFill>
               </a:rPr>
               <a:t>Topic: AI-Powered Multi-Agent Tutoring System</a:t>
             </a:r>
-            <a:endParaRPr lang="en-US" sz="3600" b="0" dirty="0">
+            <a:endParaRPr lang="en-US" sz="3600" b="0">
               <a:solidFill>
                 <a:srgbClr val="FFFFFF"/>
               </a:solidFill>
             </a:endParaRPr>
           </a:p>
           <a:p>
-            <a:r>
-              <a:rPr lang="en-US" sz="3600" b="0" dirty="0">
-                <a:solidFill>
-                  <a:srgbClr val="000000"/>
-                </a:solidFill>
-              </a:rPr>
-              <a:t>Enhancing Learning through AI </a:t>
-            </a:r>
             <a:r>
               <a:rPr lang="en-US" sz="3600" b="0">
                 <a:solidFill>
                   <a:srgbClr val="000000"/>
                 </a:solidFill>
               </a:rPr>
-              <a:t>Collaboration</a:t>
+              <a:t>Enhancing Learning through AI Collaboration</a:t>
             </a:r>
             <a:endParaRPr lang="en-US" sz="3600" b="0">
               <a:solidFill>
@@ -11466,7 +12429,7 @@
           <a:p>
             <a:pPr marL="283210" indent="-283210"/>
             <a:r>
-              <a:rPr lang="en-US" dirty="0">
+              <a:rPr lang="en-US">
                 <a:solidFill>
                   <a:srgbClr val="132602"/>
                 </a:solidFill>
@@ -11488,7 +12451,7 @@
           <a:p>
             <a:pPr marL="283210" indent="-283210"/>
             <a:r>
-              <a:rPr lang="en-US" dirty="0">
+              <a:rPr lang="en-US">
                 <a:solidFill>
                   <a:srgbClr val="132602"/>
                 </a:solidFill>
@@ -11535,7 +12498,7 @@
               </a:lnSpc>
             </a:pPr>
             <a:r>
-              <a:rPr lang="en-US" sz="3600" dirty="0">
+              <a:rPr lang="en-US" sz="3600">
                 <a:latin typeface="Franklin Gothic Demi"/>
                 <a:cs typeface="Segoe UI"/>
               </a:rPr>
@@ -11553,7 +12516,7 @@
               </a:spcBef>
             </a:pPr>
             <a:r>
-              <a:rPr lang="en-US" sz="3600" dirty="0" err="1">
+              <a:rPr lang="en-US" sz="3600" err="1">
                 <a:solidFill>
                   <a:srgbClr val="FFFFFF"/>
                 </a:solidFill>
@@ -11563,7 +12526,7 @@
               <a:t>cing</a:t>
             </a:r>
             <a:r>
-              <a:rPr lang="en-US" sz="3600" dirty="0">
+              <a:rPr lang="en-US" sz="3600">
                 <a:latin typeface="Franklin Gothic Demi"/>
                 <a:cs typeface="Segoe UI"/>
               </a:rPr>
@@ -11633,7 +12596,7 @@
           <a:lstStyle/>
           <a:p>
             <a:r>
-              <a:rPr lang="en-US" dirty="0"/>
+              <a:rPr lang="en-US"/>
               <a:t>Agenda</a:t>
             </a:r>
           </a:p>
@@ -11669,7 +12632,7 @@
           <a:p>
             <a:pPr marL="283210" indent="-283210"/>
             <a:r>
-              <a:rPr lang="en-US" sz="2000" dirty="0">
+              <a:rPr lang="en-US" sz="2000">
                 <a:solidFill>
                   <a:srgbClr val="132602"/>
                 </a:solidFill>
@@ -11682,7 +12645,7 @@
           <a:p>
             <a:pPr marL="283210" indent="-283210"/>
             <a:r>
-              <a:rPr lang="en-US" sz="2000" dirty="0">
+              <a:rPr lang="en-US" sz="2000">
                 <a:solidFill>
                   <a:srgbClr val="132602"/>
                 </a:solidFill>
@@ -11691,7 +12654,7 @@
               </a:rPr>
               <a:t>Problem Statement</a:t>
             </a:r>
-            <a:endParaRPr lang="en-US" sz="2000" dirty="0">
+            <a:endParaRPr lang="en-US" sz="2000">
               <a:solidFill>
                 <a:srgbClr val="132602"/>
               </a:solidFill>
@@ -11700,7 +12663,7 @@
           <a:p>
             <a:pPr marL="283210" indent="-283210"/>
             <a:r>
-              <a:rPr lang="en-US" sz="2000" dirty="0">
+              <a:rPr lang="en-US" sz="2000">
                 <a:solidFill>
                   <a:srgbClr val="132602"/>
                 </a:solidFill>
@@ -11713,7 +12676,7 @@
           <a:p>
             <a:pPr marL="283210" indent="-283210"/>
             <a:r>
-              <a:rPr lang="en-US" sz="2000" dirty="0">
+              <a:rPr lang="en-US" sz="2000">
                 <a:solidFill>
                   <a:srgbClr val="132602"/>
                 </a:solidFill>
@@ -11726,7 +12689,7 @@
           <a:p>
             <a:pPr marL="283210" indent="-283210"/>
             <a:r>
-              <a:rPr lang="en-US" sz="2000" dirty="0">
+              <a:rPr lang="en-US" sz="2000">
                 <a:solidFill>
                   <a:srgbClr val="132602"/>
                 </a:solidFill>
@@ -11735,7 +12698,7 @@
               </a:rPr>
               <a:t>Key Features, Use case and Impact</a:t>
             </a:r>
-            <a:endParaRPr lang="en-US" sz="2000" dirty="0">
+            <a:endParaRPr lang="en-US" sz="2000">
               <a:solidFill>
                 <a:srgbClr val="132602"/>
               </a:solidFill>
@@ -11744,7 +12707,7 @@
           <a:p>
             <a:pPr marL="283210" indent="-283210"/>
             <a:r>
-              <a:rPr lang="en-US" sz="2000" dirty="0">
+              <a:rPr lang="en-US" sz="2000">
                 <a:solidFill>
                   <a:srgbClr val="132602"/>
                 </a:solidFill>
@@ -11755,7 +12718,7 @@
           <a:p>
             <a:pPr marL="283210" indent="-283210"/>
             <a:r>
-              <a:rPr lang="en-US" sz="2000" dirty="0">
+              <a:rPr lang="en-US" sz="2000">
                 <a:solidFill>
                   <a:srgbClr val="132602"/>
                 </a:solidFill>
@@ -11817,13 +12780,13 @@
           <a:lstStyle/>
           <a:p>
             <a:r>
-              <a:rPr lang="en-US" b="0" dirty="0">
+              <a:rPr lang="en-US" b="0">
                 <a:ea typeface="+mj-lt"/>
                 <a:cs typeface="+mj-lt"/>
               </a:rPr>
               <a:t>Introduction</a:t>
             </a:r>
-            <a:endParaRPr lang="en-US" dirty="0">
+            <a:endParaRPr lang="en-US">
               <a:ea typeface="+mj-lt"/>
               <a:cs typeface="+mj-lt"/>
             </a:endParaRPr>
@@ -11971,7 +12934,7 @@
           </a:p>
           <a:p>
             <a:pPr marL="283210" indent="-283210"/>
-            <a:endParaRPr lang="en-US" dirty="0">
+            <a:endParaRPr lang="en-US">
               <a:solidFill>
                 <a:srgbClr val="132602"/>
               </a:solidFill>
@@ -12042,13 +13005,13 @@
           <a:lstStyle/>
           <a:p>
             <a:r>
-              <a:rPr lang="en-US" b="0" dirty="0">
+              <a:rPr lang="en-US" b="0">
                 <a:ea typeface="+mj-lt"/>
                 <a:cs typeface="+mj-lt"/>
               </a:rPr>
               <a:t>Problem Statement</a:t>
             </a:r>
-            <a:endParaRPr lang="en-US" dirty="0">
+            <a:endParaRPr lang="en-US">
               <a:ea typeface="+mj-lt"/>
               <a:cs typeface="+mj-lt"/>
             </a:endParaRPr>
@@ -12252,7 +13215,7 @@
           </a:p>
           <a:p>
             <a:pPr marL="283210" indent="-283210"/>
-            <a:endParaRPr lang="en-US" sz="1800" dirty="0">
+            <a:endParaRPr lang="en-US" sz="1800">
               <a:solidFill>
                 <a:srgbClr val="132602"/>
               </a:solidFill>
@@ -12317,19 +13280,19 @@
           <a:lstStyle/>
           <a:p>
             <a:br>
-              <a:rPr lang="en-US" dirty="0"/>
+              <a:rPr lang="en-US"/>
             </a:br>
             <a:r>
-              <a:rPr lang="en-US" dirty="0"/>
+              <a:rPr lang="en-US"/>
               <a:t>Home Page</a:t>
             </a:r>
             <a:br>
-              <a:rPr lang="en-US" dirty="0"/>
+              <a:rPr lang="en-US"/>
             </a:br>
             <a:br>
-              <a:rPr lang="en-US" dirty="0"/>
+              <a:rPr lang="en-US"/>
             </a:br>
-            <a:endParaRPr lang="en-US" dirty="0"/>
+            <a:endParaRPr lang="en-US"/>
           </a:p>
         </p:txBody>
       </p:sp>
@@ -12490,7 +13453,7 @@
             </a:bodyPr>
             <a:lstStyle/>
             <a:p>
-              <a:endParaRPr lang="en-US" dirty="0"/>
+              <a:endParaRPr lang="en-US"/>
             </a:p>
           </p:txBody>
         </p:sp>
@@ -12588,7 +13551,7 @@
             </a:bodyPr>
             <a:lstStyle/>
             <a:p>
-              <a:endParaRPr lang="en-US" dirty="0"/>
+              <a:endParaRPr lang="en-US"/>
             </a:p>
           </p:txBody>
         </p:sp>
@@ -12689,11 +13652,64 @@
             </a:bodyPr>
             <a:lstStyle/>
             <a:p>
-              <a:endParaRPr lang="en-US" dirty="0"/>
+              <a:endParaRPr lang="en-US"/>
             </a:p>
           </p:txBody>
         </p:sp>
       </p:grpSp>
+      <p:sp>
+        <p:nvSpPr>
+          <p:cNvPr id="2" name="TextBox 1">
+            <a:extLst>
+              <a:ext uri="{FF2B5EF4-FFF2-40B4-BE49-F238E27FC236}">
+                <a16:creationId xmlns:a16="http://schemas.microsoft.com/office/drawing/2014/main" id="{D860617C-64CF-E9A3-B5AE-71F253D6CC11}"/>
+              </a:ext>
+            </a:extLst>
+          </p:cNvPr>
+          <p:cNvSpPr txBox="1"/>
+          <p:nvPr/>
+        </p:nvSpPr>
+        <p:spPr>
+          <a:xfrm>
+            <a:off x="588164" y="2561784"/>
+            <a:ext cx="2743200" cy="2031325"/>
+          </a:xfrm>
+          <a:prstGeom prst="rect">
+            <a:avLst/>
+          </a:prstGeom>
+          <a:noFill/>
+        </p:spPr>
+        <p:txBody>
+          <a:bodyPr rot="0" spcFirstLastPara="0" vertOverflow="overflow" horzOverflow="overflow" vert="horz" wrap="square" lIns="91440" tIns="45720" rIns="91440" bIns="45720" numCol="1" spcCol="0" rtlCol="0" fromWordArt="0" anchor="t" anchorCtr="0" forceAA="0" compatLnSpc="1">
+            <a:prstTxWarp prst="textNoShape">
+              <a:avLst/>
+            </a:prstTxWarp>
+            <a:spAutoFit/>
+          </a:bodyPr>
+          <a:lstStyle/>
+          <a:p>
+            <a:r>
+              <a:rPr lang="en-US">
+                <a:solidFill>
+                  <a:schemeClr val="bg2">
+                    <a:lumMod val="10000"/>
+                  </a:schemeClr>
+                </a:solidFill>
+                <a:ea typeface="+mn-lt"/>
+                <a:cs typeface="+mn-lt"/>
+              </a:rPr>
+              <a:t>The starting point for students and instructors to navigate through the different sections of the system and access personalized content based on their needs.</a:t>
+            </a:r>
+            <a:endParaRPr lang="en-US">
+              <a:solidFill>
+                <a:schemeClr val="bg2">
+                  <a:lumMod val="10000"/>
+                </a:schemeClr>
+              </a:solidFill>
+            </a:endParaRPr>
+          </a:p>
+        </p:txBody>
+      </p:sp>
     </p:spTree>
     <p:extLst>
       <p:ext uri="{BB962C8B-B14F-4D97-AF65-F5344CB8AC3E}">
@@ -12757,7 +13773,7 @@
           <a:lstStyle/>
           <a:p>
             <a:r>
-              <a:rPr lang="en-US" dirty="0"/>
+              <a:rPr lang="en-US"/>
               <a:t>Instructor Page</a:t>
             </a:r>
           </a:p>
@@ -12791,7 +13807,7 @@
           </a:bodyPr>
           <a:lstStyle/>
           <a:p>
-            <a:endParaRPr lang="en-US" dirty="0"/>
+            <a:endParaRPr lang="en-US"/>
           </a:p>
         </p:txBody>
       </p:sp>
@@ -12923,7 +13939,7 @@
             </a:bodyPr>
             <a:lstStyle/>
             <a:p>
-              <a:endParaRPr lang="en-US" dirty="0"/>
+              <a:endParaRPr lang="en-US"/>
             </a:p>
           </p:txBody>
         </p:sp>
@@ -13021,7 +14037,7 @@
             </a:bodyPr>
             <a:lstStyle/>
             <a:p>
-              <a:endParaRPr lang="en-US" dirty="0"/>
+              <a:endParaRPr lang="en-US"/>
             </a:p>
           </p:txBody>
         </p:sp>
@@ -13122,7 +14138,7 @@
             </a:bodyPr>
             <a:lstStyle/>
             <a:p>
-              <a:endParaRPr lang="en-US" dirty="0"/>
+              <a:endParaRPr lang="en-US"/>
             </a:p>
           </p:txBody>
         </p:sp>
@@ -13157,6 +14173,52 @@
           </a:prstGeom>
         </p:spPr>
       </p:pic>
+      <p:sp>
+        <p:nvSpPr>
+          <p:cNvPr id="5" name="TextBox 4">
+            <a:extLst>
+              <a:ext uri="{FF2B5EF4-FFF2-40B4-BE49-F238E27FC236}">
+                <a16:creationId xmlns:a16="http://schemas.microsoft.com/office/drawing/2014/main" id="{A553355E-6DC3-AB23-860B-DFB953BAF06D}"/>
+              </a:ext>
+            </a:extLst>
+          </p:cNvPr>
+          <p:cNvSpPr txBox="1"/>
+          <p:nvPr/>
+        </p:nvSpPr>
+        <p:spPr>
+          <a:xfrm>
+            <a:off x="588164" y="2561784"/>
+            <a:ext cx="2743200" cy="1754326"/>
+          </a:xfrm>
+          <a:prstGeom prst="rect">
+            <a:avLst/>
+          </a:prstGeom>
+          <a:noFill/>
+        </p:spPr>
+        <p:txBody>
+          <a:bodyPr rot="0" spcFirstLastPara="0" vertOverflow="overflow" horzOverflow="overflow" vert="horz" wrap="square" lIns="91440" tIns="45720" rIns="91440" bIns="45720" numCol="1" spcCol="0" rtlCol="0" fromWordArt="0" anchor="t" anchorCtr="0" forceAA="0" compatLnSpc="1">
+            <a:prstTxWarp prst="textNoShape">
+              <a:avLst/>
+            </a:prstTxWarp>
+            <a:spAutoFit/>
+          </a:bodyPr>
+          <a:lstStyle/>
+          <a:p>
+            <a:r>
+              <a:rPr lang="en-US">
+                <a:solidFill>
+                  <a:schemeClr val="bg2">
+                    <a:lumMod val="10000"/>
+                  </a:schemeClr>
+                </a:solidFill>
+                <a:ea typeface="+mn-lt"/>
+                <a:cs typeface="+mn-lt"/>
+              </a:rPr>
+              <a:t>Displays a list of available instructors, allowing students to choose an instructor based on their expertise, availability, and subjects of interest.</a:t>
+            </a:r>
+          </a:p>
+        </p:txBody>
+      </p:sp>
     </p:spTree>
     <p:extLst>
       <p:ext uri="{BB962C8B-B14F-4D97-AF65-F5344CB8AC3E}">
@@ -13220,7 +14282,7 @@
           <a:lstStyle/>
           <a:p>
             <a:r>
-              <a:rPr lang="en-US" dirty="0"/>
+              <a:rPr lang="en-US"/>
               <a:t>Peer Learning Page</a:t>
             </a:r>
           </a:p>
@@ -13383,7 +14445,7 @@
             </a:bodyPr>
             <a:lstStyle/>
             <a:p>
-              <a:endParaRPr lang="en-US" dirty="0"/>
+              <a:endParaRPr lang="en-US"/>
             </a:p>
           </p:txBody>
         </p:sp>
@@ -13481,7 +14543,7 @@
             </a:bodyPr>
             <a:lstStyle/>
             <a:p>
-              <a:endParaRPr lang="en-US" dirty="0"/>
+              <a:endParaRPr lang="en-US"/>
             </a:p>
           </p:txBody>
         </p:sp>
@@ -13582,11 +14644,57 @@
             </a:bodyPr>
             <a:lstStyle/>
             <a:p>
-              <a:endParaRPr lang="en-US" dirty="0"/>
+              <a:endParaRPr lang="en-US"/>
             </a:p>
           </p:txBody>
         </p:sp>
       </p:grpSp>
+      <p:sp>
+        <p:nvSpPr>
+          <p:cNvPr id="5" name="TextBox 4">
+            <a:extLst>
+              <a:ext uri="{FF2B5EF4-FFF2-40B4-BE49-F238E27FC236}">
+                <a16:creationId xmlns:a16="http://schemas.microsoft.com/office/drawing/2014/main" id="{D3DAF8C3-8F47-4CAE-3ED7-B344740412F7}"/>
+              </a:ext>
+            </a:extLst>
+          </p:cNvPr>
+          <p:cNvSpPr txBox="1"/>
+          <p:nvPr/>
+        </p:nvSpPr>
+        <p:spPr>
+          <a:xfrm>
+            <a:off x="588164" y="2561784"/>
+            <a:ext cx="2743200" cy="2308324"/>
+          </a:xfrm>
+          <a:prstGeom prst="rect">
+            <a:avLst/>
+          </a:prstGeom>
+          <a:noFill/>
+        </p:spPr>
+        <p:txBody>
+          <a:bodyPr rot="0" spcFirstLastPara="0" vertOverflow="overflow" horzOverflow="overflow" vert="horz" wrap="square" lIns="91440" tIns="45720" rIns="91440" bIns="45720" numCol="1" spcCol="0" rtlCol="0" fromWordArt="0" anchor="t" anchorCtr="0" forceAA="0" compatLnSpc="1">
+            <a:prstTxWarp prst="textNoShape">
+              <a:avLst/>
+            </a:prstTxWarp>
+            <a:spAutoFit/>
+          </a:bodyPr>
+          <a:lstStyle/>
+          <a:p>
+            <a:r>
+              <a:rPr lang="en-US">
+                <a:solidFill>
+                  <a:schemeClr val="bg2">
+                    <a:lumMod val="10000"/>
+                  </a:schemeClr>
+                </a:solidFill>
+                <a:ea typeface="+mn-lt"/>
+                <a:cs typeface="+mn-lt"/>
+              </a:rPr>
+              <a:t>Students can post questions they have on the peer learning page. Other students can contribute answers, while AI can provide additional guidance or clarification when needed.</a:t>
+            </a:r>
+          </a:p>
+        </p:txBody>
+      </p:sp>
     </p:spTree>
     <p:extLst>
       <p:ext uri="{BB962C8B-B14F-4D97-AF65-F5344CB8AC3E}">
@@ -13650,7 +14758,7 @@
           <a:lstStyle/>
           <a:p>
             <a:r>
-              <a:rPr lang="en-US" dirty="0"/>
+              <a:rPr lang="en-US"/>
               <a:t>Quiz Page</a:t>
             </a:r>
           </a:p>
@@ -13784,7 +14892,7 @@
             </a:bodyPr>
             <a:lstStyle/>
             <a:p>
-              <a:endParaRPr lang="en-US" dirty="0"/>
+              <a:endParaRPr lang="en-US"/>
             </a:p>
           </p:txBody>
         </p:sp>
@@ -13882,7 +14990,7 @@
             </a:bodyPr>
             <a:lstStyle/>
             <a:p>
-              <a:endParaRPr lang="en-US" dirty="0"/>
+              <a:endParaRPr lang="en-US"/>
             </a:p>
           </p:txBody>
         </p:sp>
@@ -13983,7 +15091,7 @@
             </a:bodyPr>
             <a:lstStyle/>
             <a:p>
-              <a:endParaRPr lang="en-US" dirty="0"/>
+              <a:endParaRPr lang="en-US"/>
             </a:p>
           </p:txBody>
         </p:sp>
@@ -14017,6 +15125,52 @@
           </a:xfrm>
         </p:spPr>
       </p:pic>
+      <p:sp>
+        <p:nvSpPr>
+          <p:cNvPr id="4" name="TextBox 3">
+            <a:extLst>
+              <a:ext uri="{FF2B5EF4-FFF2-40B4-BE49-F238E27FC236}">
+                <a16:creationId xmlns:a16="http://schemas.microsoft.com/office/drawing/2014/main" id="{13271B73-530B-639C-513B-B910B5C0D1C9}"/>
+              </a:ext>
+            </a:extLst>
+          </p:cNvPr>
+          <p:cNvSpPr txBox="1"/>
+          <p:nvPr/>
+        </p:nvSpPr>
+        <p:spPr>
+          <a:xfrm>
+            <a:off x="588164" y="2561784"/>
+            <a:ext cx="2743200" cy="2585323"/>
+          </a:xfrm>
+          <a:prstGeom prst="rect">
+            <a:avLst/>
+          </a:prstGeom>
+          <a:noFill/>
+        </p:spPr>
+        <p:txBody>
+          <a:bodyPr rot="0" spcFirstLastPara="0" vertOverflow="overflow" horzOverflow="overflow" vert="horz" wrap="square" lIns="91440" tIns="45720" rIns="91440" bIns="45720" numCol="1" spcCol="0" rtlCol="0" fromWordArt="0" anchor="t" anchorCtr="0" forceAA="0" compatLnSpc="1">
+            <a:prstTxWarp prst="textNoShape">
+              <a:avLst/>
+            </a:prstTxWarp>
+            <a:spAutoFit/>
+          </a:bodyPr>
+          <a:lstStyle/>
+          <a:p>
+            <a:r>
+              <a:rPr lang="en-US">
+                <a:solidFill>
+                  <a:schemeClr val="bg2">
+                    <a:lumMod val="10000"/>
+                  </a:schemeClr>
+                </a:solidFill>
+                <a:ea typeface="+mn-lt"/>
+                <a:cs typeface="+mn-lt"/>
+              </a:rPr>
+              <a:t>The quiz page allows students to test their understanding of topics with dynamic, personalized quizzes, receiving instant feedback and recommendations based on their performance.</a:t>
+            </a:r>
+          </a:p>
+        </p:txBody>
+      </p:sp>
     </p:spTree>
     <p:extLst>
       <p:ext uri="{BB962C8B-B14F-4D97-AF65-F5344CB8AC3E}">
@@ -14822,26 +15976,6 @@
 </file>
 
 <file path=customXml/item1.xml><?xml version="1.0" encoding="utf-8"?>
-<p:properties xmlns:p="http://schemas.microsoft.com/office/2006/metadata/properties" xmlns:xsi="http://www.w3.org/2001/XMLSchema-instance" xmlns:pc="http://schemas.microsoft.com/office/infopath/2007/PartnerControls">
-  <documentManagement>
-    <Background xmlns="71af3243-3dd4-4a8d-8c0d-dd76da1f02a5">false</Background>
-    <Status xmlns="71af3243-3dd4-4a8d-8c0d-dd76da1f02a5">Not started</Status>
-    <_ip_UnifiedCompliancePolicyUIAction xmlns="http://schemas.microsoft.com/sharepoint/v3" xsi:nil="true"/>
-    <Image xmlns="71af3243-3dd4-4a8d-8c0d-dd76da1f02a5">
-      <Url xsi:nil="true"/>
-      <Description xsi:nil="true"/>
-    </Image>
-    <_ip_UnifiedCompliancePolicyProperties xmlns="http://schemas.microsoft.com/sharepoint/v3" xsi:nil="true"/>
-    <ImageTagsTaxHTField xmlns="71af3243-3dd4-4a8d-8c0d-dd76da1f02a5">
-      <Terms xmlns="http://schemas.microsoft.com/office/infopath/2007/PartnerControls"/>
-    </ImageTagsTaxHTField>
-    <TaxCatchAll xmlns="230e9df3-be65-4c73-a93b-d1236ebd677e" xsi:nil="true"/>
-    <MediaServiceKeyPoints xmlns="71af3243-3dd4-4a8d-8c0d-dd76da1f02a5" xsi:nil="true"/>
-  </documentManagement>
-</p:properties>
-</file>
-
-<file path=customXml/item2.xml><?xml version="1.0" encoding="utf-8"?>
 <?mso-contentType ?>
 <FormTemplates xmlns="http://schemas.microsoft.com/sharepoint/v3/contenttype/forms">
   <Display>DocumentLibraryForm</Display>
@@ -14850,7 +15984,7 @@
 </FormTemplates>
 </file>
 
-<file path=customXml/item3.xml><?xml version="1.0" encoding="utf-8"?>
+<file path=customXml/item2.xml><?xml version="1.0" encoding="utf-8"?>
 <ct:contentTypeSchema xmlns:ct="http://schemas.microsoft.com/office/2006/metadata/contentType" xmlns:ma="http://schemas.microsoft.com/office/2006/metadata/properties/metaAttributes" ct:_="" ma:_="" ma:contentTypeName="Document" ma:contentTypeID="0x01010079F111ED35F8CC479449609E8A0923A6" ma:contentTypeVersion="28" ma:contentTypeDescription="Create a new document." ma:contentTypeScope="" ma:versionID="60f5a4f2d2b0abadcf532d48ebf9cb71">
   <xsd:schema xmlns:xsd="http://www.w3.org/2001/XMLSchema" xmlns:xs="http://www.w3.org/2001/XMLSchema" xmlns:p="http://schemas.microsoft.com/office/2006/metadata/properties" xmlns:ns1="http://schemas.microsoft.com/sharepoint/v3" xmlns:ns2="71af3243-3dd4-4a8d-8c0d-dd76da1f02a5" xmlns:ns3="16c05727-aa75-4e4a-9b5f-8a80a1165891" xmlns:ns4="230e9df3-be65-4c73-a93b-d1236ebd677e" targetNamespace="http://schemas.microsoft.com/office/2006/metadata/properties" ma:root="true" ma:fieldsID="7dd78129e6a1811f84807ad11c651531" ns1:_="" ns2:_="" ns3:_="" ns4:_="">
     <xsd:import namespace="http://schemas.microsoft.com/sharepoint/v3"/>
@@ -15162,19 +16296,27 @@
 </ct:contentTypeSchema>
 </file>
 
-<file path=customXml/itemProps1.xml><?xml version="1.0" encoding="utf-8"?>
-<ds:datastoreItem xmlns:ds="http://schemas.openxmlformats.org/officeDocument/2006/customXml" ds:itemID="{4F4B194E-8B30-4377-8C59-ECFB902D2A26}">
-  <ds:schemaRefs>
-    <ds:schemaRef ds:uri="http://schemas.microsoft.com/office/2006/metadata/properties"/>
-    <ds:schemaRef ds:uri="http://schemas.microsoft.com/office/infopath/2007/PartnerControls"/>
-    <ds:schemaRef ds:uri="71af3243-3dd4-4a8d-8c0d-dd76da1f02a5"/>
-    <ds:schemaRef ds:uri="http://schemas.microsoft.com/sharepoint/v3"/>
-    <ds:schemaRef ds:uri="230e9df3-be65-4c73-a93b-d1236ebd677e"/>
-  </ds:schemaRefs>
-</ds:datastoreItem>
+<file path=customXml/item3.xml><?xml version="1.0" encoding="utf-8"?>
+<p:properties xmlns:p="http://schemas.microsoft.com/office/2006/metadata/properties" xmlns:xsi="http://www.w3.org/2001/XMLSchema-instance" xmlns:pc="http://schemas.microsoft.com/office/infopath/2007/PartnerControls">
+  <documentManagement>
+    <Background xmlns="71af3243-3dd4-4a8d-8c0d-dd76da1f02a5">false</Background>
+    <Status xmlns="71af3243-3dd4-4a8d-8c0d-dd76da1f02a5">Not started</Status>
+    <_ip_UnifiedCompliancePolicyUIAction xmlns="http://schemas.microsoft.com/sharepoint/v3" xsi:nil="true"/>
+    <Image xmlns="71af3243-3dd4-4a8d-8c0d-dd76da1f02a5">
+      <Url xsi:nil="true"/>
+      <Description xsi:nil="true"/>
+    </Image>
+    <_ip_UnifiedCompliancePolicyProperties xmlns="http://schemas.microsoft.com/sharepoint/v3" xsi:nil="true"/>
+    <ImageTagsTaxHTField xmlns="71af3243-3dd4-4a8d-8c0d-dd76da1f02a5">
+      <Terms xmlns="http://schemas.microsoft.com/office/infopath/2007/PartnerControls"/>
+    </ImageTagsTaxHTField>
+    <TaxCatchAll xmlns="230e9df3-be65-4c73-a93b-d1236ebd677e" xsi:nil="true"/>
+    <MediaServiceKeyPoints xmlns="71af3243-3dd4-4a8d-8c0d-dd76da1f02a5" xsi:nil="true"/>
+  </documentManagement>
+</p:properties>
 </file>
 
-<file path=customXml/itemProps2.xml><?xml version="1.0" encoding="utf-8"?>
+<file path=customXml/itemProps1.xml><?xml version="1.0" encoding="utf-8"?>
 <ds:datastoreItem xmlns:ds="http://schemas.openxmlformats.org/officeDocument/2006/customXml" ds:itemID="{C21FFAC0-05A2-416A-B06C-C248395482CF}">
   <ds:schemaRefs>
     <ds:schemaRef ds:uri="http://schemas.microsoft.com/sharepoint/v3/contenttype/forms"/>
@@ -15182,23 +16324,35 @@
 </ds:datastoreItem>
 </file>
 
-<file path=customXml/itemProps3.xml><?xml version="1.0" encoding="utf-8"?>
+<file path=customXml/itemProps2.xml><?xml version="1.0" encoding="utf-8"?>
 <ds:datastoreItem xmlns:ds="http://schemas.openxmlformats.org/officeDocument/2006/customXml" ds:itemID="{92DB9E12-8AC3-4138-BF4D-720A5525AB10}">
   <ds:schemaRefs>
-    <ds:schemaRef ds:uri="http://schemas.microsoft.com/office/2006/metadata/contentType"/>
-    <ds:schemaRef ds:uri="http://schemas.microsoft.com/office/2006/metadata/properties/metaAttributes"/>
-    <ds:schemaRef ds:uri="http://www.w3.org/2001/XMLSchema"/>
-    <ds:schemaRef ds:uri="http://schemas.microsoft.com/office/2006/metadata/properties"/>
-    <ds:schemaRef ds:uri="http://schemas.microsoft.com/sharepoint/v3"/>
-    <ds:schemaRef ds:uri="71af3243-3dd4-4a8d-8c0d-dd76da1f02a5"/>
     <ds:schemaRef ds:uri="16c05727-aa75-4e4a-9b5f-8a80a1165891"/>
     <ds:schemaRef ds:uri="230e9df3-be65-4c73-a93b-d1236ebd677e"/>
-    <ds:schemaRef ds:uri="http://schemas.microsoft.com/office/2006/documentManagement/types"/>
-    <ds:schemaRef ds:uri="http://schemas.microsoft.com/office/infopath/2007/PartnerControls"/>
-    <ds:schemaRef ds:uri="http://schemas.openxmlformats.org/package/2006/metadata/core-properties"/>
+    <ds:schemaRef ds:uri="71af3243-3dd4-4a8d-8c0d-dd76da1f02a5"/>
     <ds:schemaRef ds:uri="http://purl.org/dc/elements/1.1/"/>
     <ds:schemaRef ds:uri="http://purl.org/dc/terms/"/>
     <ds:schemaRef ds:uri="http://schemas.microsoft.com/internal/obd"/>
+    <ds:schemaRef ds:uri="http://schemas.microsoft.com/office/2006/documentManagement/types"/>
+    <ds:schemaRef ds:uri="http://schemas.microsoft.com/office/2006/metadata/contentType"/>
+    <ds:schemaRef ds:uri="http://schemas.microsoft.com/office/2006/metadata/properties"/>
+    <ds:schemaRef ds:uri="http://schemas.microsoft.com/office/2006/metadata/properties/metaAttributes"/>
+    <ds:schemaRef ds:uri="http://schemas.microsoft.com/office/infopath/2007/PartnerControls"/>
+    <ds:schemaRef ds:uri="http://schemas.microsoft.com/sharepoint/v3"/>
+    <ds:schemaRef ds:uri="http://schemas.openxmlformats.org/package/2006/metadata/core-properties"/>
+    <ds:schemaRef ds:uri="http://www.w3.org/2001/XMLSchema"/>
+  </ds:schemaRefs>
+</ds:datastoreItem>
+</file>
+
+<file path=customXml/itemProps3.xml><?xml version="1.0" encoding="utf-8"?>
+<ds:datastoreItem xmlns:ds="http://schemas.openxmlformats.org/officeDocument/2006/customXml" ds:itemID="{4F4B194E-8B30-4377-8C59-ECFB902D2A26}">
+  <ds:schemaRefs>
+    <ds:schemaRef ds:uri="230e9df3-be65-4c73-a93b-d1236ebd677e"/>
+    <ds:schemaRef ds:uri="71af3243-3dd4-4a8d-8c0d-dd76da1f02a5"/>
+    <ds:schemaRef ds:uri="http://schemas.microsoft.com/office/2006/metadata/properties"/>
+    <ds:schemaRef ds:uri="http://schemas.microsoft.com/office/infopath/2007/PartnerControls"/>
+    <ds:schemaRef ds:uri="http://schemas.microsoft.com/sharepoint/v3"/>
   </ds:schemaRefs>
 </ds:datastoreItem>
 </file>
